--- a/SVM/支持向量机.pptx
+++ b/SVM/支持向量机.pptx
@@ -5,40 +5,32 @@
     <p:sldMasterId id="2147483648" r:id="rId1"/>
   </p:sldMasterIdLst>
   <p:notesMasterIdLst>
-    <p:notesMasterId r:id="rId5"/>
+    <p:notesMasterId r:id="rId25"/>
   </p:notesMasterIdLst>
   <p:sldIdLst>
-    <p:sldId id="256" r:id="rId3"/>
-    <p:sldId id="358" r:id="rId4"/>
-    <p:sldId id="359" r:id="rId6"/>
-    <p:sldId id="404" r:id="rId7"/>
-    <p:sldId id="405" r:id="rId8"/>
-    <p:sldId id="406" r:id="rId9"/>
-    <p:sldId id="407" r:id="rId10"/>
-    <p:sldId id="408" r:id="rId11"/>
-    <p:sldId id="409" r:id="rId12"/>
-    <p:sldId id="410" r:id="rId13"/>
-    <p:sldId id="411" r:id="rId14"/>
-    <p:sldId id="412" r:id="rId15"/>
-    <p:sldId id="413" r:id="rId16"/>
-    <p:sldId id="414" r:id="rId17"/>
-    <p:sldId id="415" r:id="rId18"/>
-    <p:sldId id="416" r:id="rId19"/>
-    <p:sldId id="417" r:id="rId20"/>
-    <p:sldId id="418" r:id="rId21"/>
-    <p:sldId id="419" r:id="rId22"/>
-    <p:sldId id="420" r:id="rId23"/>
-    <p:sldId id="421" r:id="rId24"/>
-    <p:sldId id="422" r:id="rId25"/>
-    <p:sldId id="423" r:id="rId26"/>
-    <p:sldId id="425" r:id="rId27"/>
-    <p:sldId id="426" r:id="rId28"/>
-    <p:sldId id="427" r:id="rId29"/>
-    <p:sldId id="428" r:id="rId30"/>
-    <p:sldId id="429" r:id="rId31"/>
-    <p:sldId id="430" r:id="rId32"/>
-    <p:sldId id="432" r:id="rId33"/>
-    <p:sldId id="368" r:id="rId34"/>
+    <p:sldId id="256" r:id="rId2"/>
+    <p:sldId id="358" r:id="rId3"/>
+    <p:sldId id="359" r:id="rId4"/>
+    <p:sldId id="404" r:id="rId5"/>
+    <p:sldId id="405" r:id="rId6"/>
+    <p:sldId id="406" r:id="rId7"/>
+    <p:sldId id="407" r:id="rId8"/>
+    <p:sldId id="408" r:id="rId9"/>
+    <p:sldId id="409" r:id="rId10"/>
+    <p:sldId id="410" r:id="rId11"/>
+    <p:sldId id="411" r:id="rId12"/>
+    <p:sldId id="412" r:id="rId13"/>
+    <p:sldId id="413" r:id="rId14"/>
+    <p:sldId id="414" r:id="rId15"/>
+    <p:sldId id="415" r:id="rId16"/>
+    <p:sldId id="416" r:id="rId17"/>
+    <p:sldId id="417" r:id="rId18"/>
+    <p:sldId id="418" r:id="rId19"/>
+    <p:sldId id="419" r:id="rId20"/>
+    <p:sldId id="420" r:id="rId21"/>
+    <p:sldId id="421" r:id="rId22"/>
+    <p:sldId id="422" r:id="rId23"/>
+    <p:sldId id="368" r:id="rId24"/>
   </p:sldIdLst>
   <p:sldSz cx="12192000" cy="6858000"/>
   <p:notesSz cx="6858000" cy="9144000"/>
@@ -137,6 +129,22 @@
       </a:defRPr>
     </a:lvl9pPr>
   </p:defaultTextStyle>
+  <p:extLst>
+    <p:ext uri="{EFAFB233-063F-42B5-8137-9DF3F51BA10A}">
+      <p15:sldGuideLst xmlns:p15="http://schemas.microsoft.com/office/powerpoint/2012/main">
+        <p15:guide id="1" orient="horz" pos="2170">
+          <p15:clr>
+            <a:srgbClr val="A4A3A4"/>
+          </p15:clr>
+        </p15:guide>
+        <p15:guide id="2" pos="3840">
+          <p15:clr>
+            <a:srgbClr val="A4A3A4"/>
+          </p15:clr>
+        </p15:guide>
+      </p15:sldGuideLst>
+    </p:ext>
+  </p:extLst>
 </p:presentation>
 </file>
 
@@ -222,6 +230,7 @@
           <a:p>
             <a:fld id="{256BC222-821E-4E63-8AA5-B71CF0981595}" type="datetimeFigureOut">
               <a:rPr lang="zh-CN" altLang="en-US" smtClean="0"/>
+              <a:t>2018/9/29</a:t>
             </a:fld>
             <a:endParaRPr lang="zh-CN" altLang="en-US"/>
           </a:p>
@@ -288,7 +297,6 @@
               <a:rPr lang="zh-CN" altLang="en-US" smtClean="0"/>
               <a:t>单击此处编辑母版文本样式</a:t>
             </a:r>
-            <a:endParaRPr lang="zh-CN" altLang="en-US" smtClean="0"/>
           </a:p>
           <a:p>
             <a:pPr lvl="1"/>
@@ -296,7 +304,6 @@
               <a:rPr lang="zh-CN" altLang="en-US" smtClean="0"/>
               <a:t>第二级</a:t>
             </a:r>
-            <a:endParaRPr lang="zh-CN" altLang="en-US" smtClean="0"/>
           </a:p>
           <a:p>
             <a:pPr lvl="2"/>
@@ -304,7 +311,6 @@
               <a:rPr lang="zh-CN" altLang="en-US" smtClean="0"/>
               <a:t>第三级</a:t>
             </a:r>
-            <a:endParaRPr lang="zh-CN" altLang="en-US" smtClean="0"/>
           </a:p>
           <a:p>
             <a:pPr lvl="3"/>
@@ -312,7 +318,6 @@
               <a:rPr lang="zh-CN" altLang="en-US" smtClean="0"/>
               <a:t>第四级</a:t>
             </a:r>
-            <a:endParaRPr lang="zh-CN" altLang="en-US" smtClean="0"/>
           </a:p>
           <a:p>
             <a:pPr lvl="4"/>
@@ -384,6 +389,7 @@
           <a:p>
             <a:fld id="{A2F8BFCF-3C62-4E26-BB6D-2CE3241276D0}" type="slidenum">
               <a:rPr lang="zh-CN" altLang="en-US" smtClean="0"/>
+              <a:t>‹#›</a:t>
             </a:fld>
             <a:endParaRPr lang="zh-CN" altLang="en-US"/>
           </a:p>
@@ -734,6 +740,7 @@
           <a:p>
             <a:fld id="{119439D2-B12A-4059-9254-1646191E8F2C}" type="slidenum">
               <a:rPr lang="zh-CN" altLang="en-US" smtClean="0"/>
+              <a:t>2</a:t>
             </a:fld>
             <a:endParaRPr lang="zh-CN" altLang="en-US" smtClean="0"/>
           </a:p>
@@ -1001,6 +1008,7 @@
                 <a:latin typeface="Calibri" panose="020F0502020204030204" pitchFamily="34" charset="0"/>
                 <a:ea typeface="宋体" panose="02010600030101010101" pitchFamily="2" charset="-122"/>
               </a:rPr>
+              <a:t>3</a:t>
             </a:fld>
             <a:endParaRPr lang="zh-CN" altLang="en-US" smtClean="0">
               <a:latin typeface="Calibri" panose="020F0502020204030204" pitchFamily="34" charset="0"/>
@@ -1271,6 +1279,7 @@
                 <a:latin typeface="Calibri" panose="020F0502020204030204" pitchFamily="34" charset="0"/>
                 <a:ea typeface="宋体" panose="02010600030101010101" pitchFamily="2" charset="-122"/>
               </a:rPr>
+              <a:t>9</a:t>
             </a:fld>
             <a:endParaRPr lang="zh-CN" altLang="en-US" smtClean="0">
               <a:latin typeface="Calibri" panose="020F0502020204030204" pitchFamily="34" charset="0"/>
@@ -1541,276 +1550,7 @@
                 <a:latin typeface="Calibri" panose="020F0502020204030204" pitchFamily="34" charset="0"/>
                 <a:ea typeface="宋体" panose="02010600030101010101" pitchFamily="2" charset="-122"/>
               </a:rPr>
-            </a:fld>
-            <a:endParaRPr lang="zh-CN" altLang="en-US" smtClean="0">
-              <a:latin typeface="Calibri" panose="020F0502020204030204" pitchFamily="34" charset="0"/>
-              <a:ea typeface="宋体" panose="02010600030101010101" pitchFamily="2" charset="-122"/>
-            </a:endParaRPr>
-          </a:p>
-        </p:txBody>
-      </p:sp>
-    </p:spTree>
-  </p:cSld>
-  <p:clrMapOvr>
-    <a:masterClrMapping/>
-  </p:clrMapOvr>
-</p:notes>
-</file>
-
-<file path=ppt/notesSlides/notesSlide5.xml><?xml version="1.0" encoding="utf-8"?>
-<p:notes xmlns:a="http://schemas.openxmlformats.org/drawingml/2006/main" xmlns:r="http://schemas.openxmlformats.org/officeDocument/2006/relationships" xmlns:p="http://schemas.openxmlformats.org/presentationml/2006/main">
-  <p:cSld>
-    <p:spTree>
-      <p:nvGrpSpPr>
-        <p:cNvPr id="1" name=""/>
-        <p:cNvGrpSpPr/>
-        <p:nvPr/>
-      </p:nvGrpSpPr>
-      <p:grpSpPr>
-        <a:xfrm>
-          <a:off x="0" y="0"/>
-          <a:ext cx="0" cy="0"/>
-          <a:chOff x="0" y="0"/>
-          <a:chExt cx="0" cy="0"/>
-        </a:xfrm>
-      </p:grpSpPr>
-      <p:sp>
-        <p:nvSpPr>
-          <p:cNvPr id="4098" name="幻灯片图像占位符 1"/>
-          <p:cNvSpPr>
-            <a:spLocks noGrp="1" noRot="1" noChangeAspect="1" noTextEdit="1"/>
-          </p:cNvSpPr>
-          <p:nvPr>
-            <p:ph type="sldImg"/>
-          </p:nvPr>
-        </p:nvSpPr>
-        <p:spPr bwMode="auto">
-          <a:noFill/>
-          <a:ln>
-            <a:solidFill>
-              <a:srgbClr val="000000"/>
-            </a:solidFill>
-            <a:miter lim="800000"/>
-          </a:ln>
-          <a:extLst>
-            <a:ext uri="{909E8E84-426E-40DD-AFC4-6F175D3DCCD1}">
-              <a14:hiddenFill xmlns:a14="http://schemas.microsoft.com/office/drawing/2010/main">
-                <a:solidFill>
-                  <a:srgbClr val="FFFFFF"/>
-                </a:solidFill>
-              </a14:hiddenFill>
-            </a:ext>
-          </a:extLst>
-        </p:spPr>
-      </p:sp>
-      <p:sp>
-        <p:nvSpPr>
-          <p:cNvPr id="4099" name="备注占位符 2"/>
-          <p:cNvSpPr>
-            <a:spLocks noGrp="1"/>
-          </p:cNvSpPr>
-          <p:nvPr>
-            <p:ph type="body" idx="1"/>
-          </p:nvPr>
-        </p:nvSpPr>
-        <p:spPr bwMode="auto">
-          <a:noFill/>
-          <a:extLst>
-            <a:ext uri="{909E8E84-426E-40DD-AFC4-6F175D3DCCD1}">
-              <a14:hiddenFill xmlns:a14="http://schemas.microsoft.com/office/drawing/2010/main">
-                <a:solidFill>
-                  <a:srgbClr val="FFFFFF"/>
-                </a:solidFill>
-              </a14:hiddenFill>
-            </a:ext>
-            <a:ext uri="{91240B29-F687-4F45-9708-019B960494DF}">
-              <a14:hiddenLine xmlns:a14="http://schemas.microsoft.com/office/drawing/2010/main" w="9525">
-                <a:solidFill>
-                  <a:srgbClr val="000000"/>
-                </a:solidFill>
-                <a:miter lim="800000"/>
-                <a:headEnd/>
-                <a:tailEnd/>
-              </a14:hiddenLine>
-            </a:ext>
-          </a:extLst>
-        </p:spPr>
-        <p:txBody>
-          <a:bodyPr wrap="square" numCol="1" anchor="t" anchorCtr="0" compatLnSpc="1"/>
-          <a:lstStyle/>
-          <a:p>
-            <a:pPr eaLnBrk="1" hangingPunct="1">
-              <a:spcBef>
-                <a:spcPct val="0"/>
-              </a:spcBef>
-            </a:pPr>
-            <a:r>
-              <a:rPr lang="zh-CN" altLang="en-US" smtClean="0"/>
-              <a:t>模板来自于 </a:t>
-            </a:r>
-            <a:r>
-              <a:rPr lang="en-US" altLang="zh-CN" smtClean="0"/>
-              <a:t>http://meihua.docer.com/</a:t>
-            </a:r>
-            <a:endParaRPr lang="zh-CN" altLang="en-US" smtClean="0"/>
-          </a:p>
-        </p:txBody>
-      </p:sp>
-      <p:sp>
-        <p:nvSpPr>
-          <p:cNvPr id="4100" name="灯片编号占位符 3"/>
-          <p:cNvSpPr>
-            <a:spLocks noGrp="1"/>
-          </p:cNvSpPr>
-          <p:nvPr>
-            <p:ph type="sldNum" sz="quarter" idx="5"/>
-          </p:nvPr>
-        </p:nvSpPr>
-        <p:spPr bwMode="auto">
-          <a:noFill/>
-          <a:extLst>
-            <a:ext uri="{909E8E84-426E-40DD-AFC4-6F175D3DCCD1}">
-              <a14:hiddenFill xmlns:a14="http://schemas.microsoft.com/office/drawing/2010/main">
-                <a:solidFill>
-                  <a:srgbClr val="FFFFFF"/>
-                </a:solidFill>
-              </a14:hiddenFill>
-            </a:ext>
-            <a:ext uri="{91240B29-F687-4F45-9708-019B960494DF}">
-              <a14:hiddenLine xmlns:a14="http://schemas.microsoft.com/office/drawing/2010/main" w="9525">
-                <a:solidFill>
-                  <a:srgbClr val="000000"/>
-                </a:solidFill>
-                <a:miter lim="800000"/>
-                <a:headEnd/>
-                <a:tailEnd/>
-              </a14:hiddenLine>
-            </a:ext>
-          </a:extLst>
-        </p:spPr>
-        <p:txBody>
-          <a:bodyPr wrap="square" numCol="1" anchorCtr="0" compatLnSpc="1"/>
-          <a:lstStyle>
-            <a:lvl1pPr>
-              <a:defRPr>
-                <a:solidFill>
-                  <a:schemeClr val="tx1"/>
-                </a:solidFill>
-                <a:latin typeface="Arial Narrow" panose="020B0606020202030204" pitchFamily="34" charset="0"/>
-                <a:ea typeface="微软雅黑" panose="020B0503020204020204" pitchFamily="34" charset="-122"/>
-              </a:defRPr>
-            </a:lvl1pPr>
-            <a:lvl2pPr marL="742950" indent="-285750">
-              <a:defRPr>
-                <a:solidFill>
-                  <a:schemeClr val="tx1"/>
-                </a:solidFill>
-                <a:latin typeface="Arial Narrow" panose="020B0606020202030204" pitchFamily="34" charset="0"/>
-                <a:ea typeface="微软雅黑" panose="020B0503020204020204" pitchFamily="34" charset="-122"/>
-              </a:defRPr>
-            </a:lvl2pPr>
-            <a:lvl3pPr marL="1143000" indent="-228600">
-              <a:defRPr>
-                <a:solidFill>
-                  <a:schemeClr val="tx1"/>
-                </a:solidFill>
-                <a:latin typeface="Arial Narrow" panose="020B0606020202030204" pitchFamily="34" charset="0"/>
-                <a:ea typeface="微软雅黑" panose="020B0503020204020204" pitchFamily="34" charset="-122"/>
-              </a:defRPr>
-            </a:lvl3pPr>
-            <a:lvl4pPr marL="1600200" indent="-228600">
-              <a:defRPr>
-                <a:solidFill>
-                  <a:schemeClr val="tx1"/>
-                </a:solidFill>
-                <a:latin typeface="Arial Narrow" panose="020B0606020202030204" pitchFamily="34" charset="0"/>
-                <a:ea typeface="微软雅黑" panose="020B0503020204020204" pitchFamily="34" charset="-122"/>
-              </a:defRPr>
-            </a:lvl4pPr>
-            <a:lvl5pPr marL="2057400" indent="-228600">
-              <a:defRPr>
-                <a:solidFill>
-                  <a:schemeClr val="tx1"/>
-                </a:solidFill>
-                <a:latin typeface="Arial Narrow" panose="020B0606020202030204" pitchFamily="34" charset="0"/>
-                <a:ea typeface="微软雅黑" panose="020B0503020204020204" pitchFamily="34" charset="-122"/>
-              </a:defRPr>
-            </a:lvl5pPr>
-            <a:lvl6pPr marL="2514600" indent="-228600" eaLnBrk="0" fontAlgn="base" hangingPunct="0">
-              <a:spcBef>
-                <a:spcPct val="0"/>
-              </a:spcBef>
-              <a:spcAft>
-                <a:spcPct val="0"/>
-              </a:spcAft>
-              <a:defRPr>
-                <a:solidFill>
-                  <a:schemeClr val="tx1"/>
-                </a:solidFill>
-                <a:latin typeface="Arial Narrow" panose="020B0606020202030204" pitchFamily="34" charset="0"/>
-                <a:ea typeface="微软雅黑" panose="020B0503020204020204" pitchFamily="34" charset="-122"/>
-              </a:defRPr>
-            </a:lvl6pPr>
-            <a:lvl7pPr marL="2971800" indent="-228600" eaLnBrk="0" fontAlgn="base" hangingPunct="0">
-              <a:spcBef>
-                <a:spcPct val="0"/>
-              </a:spcBef>
-              <a:spcAft>
-                <a:spcPct val="0"/>
-              </a:spcAft>
-              <a:defRPr>
-                <a:solidFill>
-                  <a:schemeClr val="tx1"/>
-                </a:solidFill>
-                <a:latin typeface="Arial Narrow" panose="020B0606020202030204" pitchFamily="34" charset="0"/>
-                <a:ea typeface="微软雅黑" panose="020B0503020204020204" pitchFamily="34" charset="-122"/>
-              </a:defRPr>
-            </a:lvl7pPr>
-            <a:lvl8pPr marL="3429000" indent="-228600" eaLnBrk="0" fontAlgn="base" hangingPunct="0">
-              <a:spcBef>
-                <a:spcPct val="0"/>
-              </a:spcBef>
-              <a:spcAft>
-                <a:spcPct val="0"/>
-              </a:spcAft>
-              <a:defRPr>
-                <a:solidFill>
-                  <a:schemeClr val="tx1"/>
-                </a:solidFill>
-                <a:latin typeface="Arial Narrow" panose="020B0606020202030204" pitchFamily="34" charset="0"/>
-                <a:ea typeface="微软雅黑" panose="020B0503020204020204" pitchFamily="34" charset="-122"/>
-              </a:defRPr>
-            </a:lvl8pPr>
-            <a:lvl9pPr marL="3886200" indent="-228600" eaLnBrk="0" fontAlgn="base" hangingPunct="0">
-              <a:spcBef>
-                <a:spcPct val="0"/>
-              </a:spcBef>
-              <a:spcAft>
-                <a:spcPct val="0"/>
-              </a:spcAft>
-              <a:defRPr>
-                <a:solidFill>
-                  <a:schemeClr val="tx1"/>
-                </a:solidFill>
-                <a:latin typeface="Arial Narrow" panose="020B0606020202030204" pitchFamily="34" charset="0"/>
-                <a:ea typeface="微软雅黑" panose="020B0503020204020204" pitchFamily="34" charset="-122"/>
-              </a:defRPr>
-            </a:lvl9pPr>
-          </a:lstStyle>
-          <a:p>
-            <a:pPr fontAlgn="base">
-              <a:spcBef>
-                <a:spcPct val="0"/>
-              </a:spcBef>
-              <a:spcAft>
-                <a:spcPct val="0"/>
-              </a:spcAft>
-            </a:pPr>
-            <a:fld id="{55527A4E-22B4-457C-94FD-BD63CF6DF79A}" type="slidenum">
-              <a:rPr lang="zh-CN" altLang="en-US" smtClean="0">
-                <a:latin typeface="Calibri" panose="020F0502020204030204" pitchFamily="34" charset="0"/>
-                <a:ea typeface="宋体" panose="02010600030101010101" pitchFamily="2" charset="-122"/>
-              </a:rPr>
+              <a:t>20</a:t>
             </a:fld>
             <a:endParaRPr lang="zh-CN" altLang="en-US" smtClean="0">
               <a:latin typeface="Calibri" panose="020F0502020204030204" pitchFamily="34" charset="0"/>
@@ -1828,7 +1568,7 @@
 </file>
 
 <file path=ppt/slideLayouts/slideLayout1.xml><?xml version="1.0" encoding="utf-8"?>
-<p:sldLayout xmlns:a="http://schemas.openxmlformats.org/drawingml/2006/main" xmlns:r="http://schemas.openxmlformats.org/officeDocument/2006/relationships" xmlns:p="http://schemas.openxmlformats.org/presentationml/2006/main" type="title" preserve="1" showMasterSp="0">
+<p:sldLayout xmlns:a="http://schemas.openxmlformats.org/drawingml/2006/main" xmlns:r="http://schemas.openxmlformats.org/officeDocument/2006/relationships" xmlns:p="http://schemas.openxmlformats.org/presentationml/2006/main" showMasterSp="0" type="title" preserve="1">
   <p:cSld name="标题幻灯片">
     <p:bg>
       <p:bgPr>
@@ -1869,6 +1609,7 @@
           <a:p>
             <a:fld id="{2FF2E821-025F-4B15-A27C-65B12F3A2CA3}" type="datetimeFigureOut">
               <a:rPr lang="zh-CN" altLang="en-US" smtClean="0"/>
+              <a:t>2018/9/29</a:t>
             </a:fld>
             <a:endParaRPr lang="zh-CN" altLang="en-US"/>
           </a:p>
@@ -1910,6 +1651,7 @@
           <a:p>
             <a:fld id="{BFEDD757-FC75-4840-AABC-5FEC07B4A531}" type="slidenum">
               <a:rPr lang="zh-CN" altLang="en-US" smtClean="0"/>
+              <a:t>‹#›</a:t>
             </a:fld>
             <a:endParaRPr lang="zh-CN" altLang="en-US"/>
           </a:p>
@@ -2465,7 +2207,6 @@
               <a:rPr lang="zh-CN" altLang="en-US" smtClean="0"/>
               <a:t>单击此处编辑母版文本样式</a:t>
             </a:r>
-            <a:endParaRPr lang="zh-CN" altLang="en-US" smtClean="0"/>
           </a:p>
           <a:p>
             <a:pPr lvl="1"/>
@@ -2473,7 +2214,6 @@
               <a:rPr lang="zh-CN" altLang="en-US" smtClean="0"/>
               <a:t>第二级</a:t>
             </a:r>
-            <a:endParaRPr lang="zh-CN" altLang="en-US" smtClean="0"/>
           </a:p>
           <a:p>
             <a:pPr lvl="2"/>
@@ -2481,7 +2221,6 @@
               <a:rPr lang="zh-CN" altLang="en-US" smtClean="0"/>
               <a:t>第三级</a:t>
             </a:r>
-            <a:endParaRPr lang="zh-CN" altLang="en-US" smtClean="0"/>
           </a:p>
           <a:p>
             <a:pPr lvl="3"/>
@@ -2489,7 +2228,6 @@
               <a:rPr lang="zh-CN" altLang="en-US" smtClean="0"/>
               <a:t>第四级</a:t>
             </a:r>
-            <a:endParaRPr lang="zh-CN" altLang="en-US" smtClean="0"/>
           </a:p>
           <a:p>
             <a:pPr lvl="4"/>
@@ -2518,6 +2256,7 @@
           <a:p>
             <a:fld id="{2FF2E821-025F-4B15-A27C-65B12F3A2CA3}" type="datetimeFigureOut">
               <a:rPr lang="zh-CN" altLang="en-US" smtClean="0"/>
+              <a:t>2018/9/29</a:t>
             </a:fld>
             <a:endParaRPr lang="zh-CN" altLang="en-US"/>
           </a:p>
@@ -2559,6 +2298,7 @@
           <a:p>
             <a:fld id="{BFEDD757-FC75-4840-AABC-5FEC07B4A531}" type="slidenum">
               <a:rPr lang="zh-CN" altLang="en-US" smtClean="0"/>
+              <a:t>‹#›</a:t>
             </a:fld>
             <a:endParaRPr lang="zh-CN" altLang="en-US"/>
           </a:p>
@@ -2642,7 +2382,6 @@
               <a:rPr lang="zh-CN" altLang="en-US" smtClean="0"/>
               <a:t>单击此处编辑母版文本样式</a:t>
             </a:r>
-            <a:endParaRPr lang="zh-CN" altLang="en-US" smtClean="0"/>
           </a:p>
           <a:p>
             <a:pPr lvl="1"/>
@@ -2650,7 +2389,6 @@
               <a:rPr lang="zh-CN" altLang="en-US" smtClean="0"/>
               <a:t>第二级</a:t>
             </a:r>
-            <a:endParaRPr lang="zh-CN" altLang="en-US" smtClean="0"/>
           </a:p>
           <a:p>
             <a:pPr lvl="2"/>
@@ -2658,7 +2396,6 @@
               <a:rPr lang="zh-CN" altLang="en-US" smtClean="0"/>
               <a:t>第三级</a:t>
             </a:r>
-            <a:endParaRPr lang="zh-CN" altLang="en-US" smtClean="0"/>
           </a:p>
           <a:p>
             <a:pPr lvl="3"/>
@@ -2666,7 +2403,6 @@
               <a:rPr lang="zh-CN" altLang="en-US" smtClean="0"/>
               <a:t>第四级</a:t>
             </a:r>
-            <a:endParaRPr lang="zh-CN" altLang="en-US" smtClean="0"/>
           </a:p>
           <a:p>
             <a:pPr lvl="4"/>
@@ -2695,6 +2431,7 @@
           <a:p>
             <a:fld id="{2FF2E821-025F-4B15-A27C-65B12F3A2CA3}" type="datetimeFigureOut">
               <a:rPr lang="zh-CN" altLang="en-US" smtClean="0"/>
+              <a:t>2018/9/29</a:t>
             </a:fld>
             <a:endParaRPr lang="zh-CN" altLang="en-US"/>
           </a:p>
@@ -2736,6 +2473,7 @@
           <a:p>
             <a:fld id="{BFEDD757-FC75-4840-AABC-5FEC07B4A531}" type="slidenum">
               <a:rPr lang="zh-CN" altLang="en-US" smtClean="0"/>
+              <a:t>‹#›</a:t>
             </a:fld>
             <a:endParaRPr lang="zh-CN" altLang="en-US"/>
           </a:p>
@@ -2809,7 +2547,6 @@
               <a:rPr lang="zh-CN" altLang="en-US" smtClean="0"/>
               <a:t>单击此处编辑母版文本样式</a:t>
             </a:r>
-            <a:endParaRPr lang="zh-CN" altLang="en-US" smtClean="0"/>
           </a:p>
           <a:p>
             <a:pPr lvl="1"/>
@@ -2817,7 +2554,6 @@
               <a:rPr lang="zh-CN" altLang="en-US" smtClean="0"/>
               <a:t>第二级</a:t>
             </a:r>
-            <a:endParaRPr lang="zh-CN" altLang="en-US" smtClean="0"/>
           </a:p>
           <a:p>
             <a:pPr lvl="2"/>
@@ -2825,7 +2561,6 @@
               <a:rPr lang="zh-CN" altLang="en-US" smtClean="0"/>
               <a:t>第三级</a:t>
             </a:r>
-            <a:endParaRPr lang="zh-CN" altLang="en-US" smtClean="0"/>
           </a:p>
           <a:p>
             <a:pPr lvl="3"/>
@@ -2833,7 +2568,6 @@
               <a:rPr lang="zh-CN" altLang="en-US" smtClean="0"/>
               <a:t>第四级</a:t>
             </a:r>
-            <a:endParaRPr lang="zh-CN" altLang="en-US" smtClean="0"/>
           </a:p>
           <a:p>
             <a:pPr lvl="4"/>
@@ -2862,6 +2596,7 @@
           <a:p>
             <a:fld id="{2FF2E821-025F-4B15-A27C-65B12F3A2CA3}" type="datetimeFigureOut">
               <a:rPr lang="zh-CN" altLang="en-US" smtClean="0"/>
+              <a:t>2018/9/29</a:t>
             </a:fld>
             <a:endParaRPr lang="zh-CN" altLang="en-US"/>
           </a:p>
@@ -2903,6 +2638,7 @@
           <a:p>
             <a:fld id="{BFEDD757-FC75-4840-AABC-5FEC07B4A531}" type="slidenum">
               <a:rPr lang="zh-CN" altLang="en-US" smtClean="0"/>
+              <a:t>‹#›</a:t>
             </a:fld>
             <a:endParaRPr lang="zh-CN" altLang="en-US"/>
           </a:p>
@@ -2917,7 +2653,7 @@
 </file>
 
 <file path=ppt/slideLayouts/slideLayout3.xml><?xml version="1.0" encoding="utf-8"?>
-<p:sldLayout xmlns:a="http://schemas.openxmlformats.org/drawingml/2006/main" xmlns:r="http://schemas.openxmlformats.org/officeDocument/2006/relationships" xmlns:p="http://schemas.openxmlformats.org/presentationml/2006/main" type="secHead" preserve="1" showMasterSp="0">
+<p:sldLayout xmlns:a="http://schemas.openxmlformats.org/drawingml/2006/main" xmlns:r="http://schemas.openxmlformats.org/officeDocument/2006/relationships" xmlns:p="http://schemas.openxmlformats.org/presentationml/2006/main" showMasterSp="0" type="secHead" preserve="1">
   <p:cSld name="节标题">
     <p:bg>
       <p:bgPr>
@@ -3097,7 +2833,6 @@
               <a:rPr lang="zh-CN" altLang="en-US" smtClean="0"/>
               <a:t>单击此处编辑母版文本样式</a:t>
             </a:r>
-            <a:endParaRPr lang="zh-CN" altLang="en-US" smtClean="0"/>
           </a:p>
         </p:txBody>
       </p:sp>
@@ -3126,6 +2861,7 @@
           <a:p>
             <a:fld id="{2FF2E821-025F-4B15-A27C-65B12F3A2CA3}" type="datetimeFigureOut">
               <a:rPr lang="zh-CN" altLang="en-US" smtClean="0"/>
+              <a:t>2018/9/29</a:t>
             </a:fld>
             <a:endParaRPr lang="zh-CN" altLang="en-US"/>
           </a:p>
@@ -3183,6 +2919,7 @@
           <a:p>
             <a:fld id="{BFEDD757-FC75-4840-AABC-5FEC07B4A531}" type="slidenum">
               <a:rPr lang="zh-CN" altLang="en-US" smtClean="0"/>
+              <a:t>‹#›</a:t>
             </a:fld>
             <a:endParaRPr lang="zh-CN" altLang="en-US"/>
           </a:p>
@@ -3261,7 +2998,6 @@
               <a:rPr lang="zh-CN" altLang="en-US" smtClean="0"/>
               <a:t>单击此处编辑母版文本样式</a:t>
             </a:r>
-            <a:endParaRPr lang="zh-CN" altLang="en-US" smtClean="0"/>
           </a:p>
           <a:p>
             <a:pPr lvl="1"/>
@@ -3269,7 +3005,6 @@
               <a:rPr lang="zh-CN" altLang="en-US" smtClean="0"/>
               <a:t>第二级</a:t>
             </a:r>
-            <a:endParaRPr lang="zh-CN" altLang="en-US" smtClean="0"/>
           </a:p>
           <a:p>
             <a:pPr lvl="2"/>
@@ -3277,7 +3012,6 @@
               <a:rPr lang="zh-CN" altLang="en-US" smtClean="0"/>
               <a:t>第三级</a:t>
             </a:r>
-            <a:endParaRPr lang="zh-CN" altLang="en-US" smtClean="0"/>
           </a:p>
           <a:p>
             <a:pPr lvl="3"/>
@@ -3285,7 +3019,6 @@
               <a:rPr lang="zh-CN" altLang="en-US" smtClean="0"/>
               <a:t>第四级</a:t>
             </a:r>
-            <a:endParaRPr lang="zh-CN" altLang="en-US" smtClean="0"/>
           </a:p>
           <a:p>
             <a:pPr lvl="4"/>
@@ -3322,7 +3055,6 @@
               <a:rPr lang="zh-CN" altLang="en-US" smtClean="0"/>
               <a:t>单击此处编辑母版文本样式</a:t>
             </a:r>
-            <a:endParaRPr lang="zh-CN" altLang="en-US" smtClean="0"/>
           </a:p>
           <a:p>
             <a:pPr lvl="1"/>
@@ -3330,7 +3062,6 @@
               <a:rPr lang="zh-CN" altLang="en-US" smtClean="0"/>
               <a:t>第二级</a:t>
             </a:r>
-            <a:endParaRPr lang="zh-CN" altLang="en-US" smtClean="0"/>
           </a:p>
           <a:p>
             <a:pPr lvl="2"/>
@@ -3338,7 +3069,6 @@
               <a:rPr lang="zh-CN" altLang="en-US" smtClean="0"/>
               <a:t>第三级</a:t>
             </a:r>
-            <a:endParaRPr lang="zh-CN" altLang="en-US" smtClean="0"/>
           </a:p>
           <a:p>
             <a:pPr lvl="3"/>
@@ -3346,7 +3076,6 @@
               <a:rPr lang="zh-CN" altLang="en-US" smtClean="0"/>
               <a:t>第四级</a:t>
             </a:r>
-            <a:endParaRPr lang="zh-CN" altLang="en-US" smtClean="0"/>
           </a:p>
           <a:p>
             <a:pPr lvl="4"/>
@@ -3375,6 +3104,7 @@
           <a:p>
             <a:fld id="{2FF2E821-025F-4B15-A27C-65B12F3A2CA3}" type="datetimeFigureOut">
               <a:rPr lang="zh-CN" altLang="en-US" smtClean="0"/>
+              <a:t>2018/9/29</a:t>
             </a:fld>
             <a:endParaRPr lang="zh-CN" altLang="en-US"/>
           </a:p>
@@ -3416,6 +3146,7 @@
           <a:p>
             <a:fld id="{BFEDD757-FC75-4840-AABC-5FEC07B4A531}" type="slidenum">
               <a:rPr lang="zh-CN" altLang="en-US" smtClean="0"/>
+              <a:t>‹#›</a:t>
             </a:fld>
             <a:endParaRPr lang="zh-CN" altLang="en-US"/>
           </a:p>
@@ -3536,7 +3267,6 @@
               <a:rPr lang="zh-CN" altLang="en-US" smtClean="0"/>
               <a:t>单击此处编辑母版文本样式</a:t>
             </a:r>
-            <a:endParaRPr lang="zh-CN" altLang="en-US" smtClean="0"/>
           </a:p>
         </p:txBody>
       </p:sp>
@@ -3565,7 +3295,6 @@
               <a:rPr lang="zh-CN" altLang="en-US" smtClean="0"/>
               <a:t>单击此处编辑母版文本样式</a:t>
             </a:r>
-            <a:endParaRPr lang="zh-CN" altLang="en-US" smtClean="0"/>
           </a:p>
           <a:p>
             <a:pPr lvl="1"/>
@@ -3573,7 +3302,6 @@
               <a:rPr lang="zh-CN" altLang="en-US" smtClean="0"/>
               <a:t>第二级</a:t>
             </a:r>
-            <a:endParaRPr lang="zh-CN" altLang="en-US" smtClean="0"/>
           </a:p>
           <a:p>
             <a:pPr lvl="2"/>
@@ -3581,7 +3309,6 @@
               <a:rPr lang="zh-CN" altLang="en-US" smtClean="0"/>
               <a:t>第三级</a:t>
             </a:r>
-            <a:endParaRPr lang="zh-CN" altLang="en-US" smtClean="0"/>
           </a:p>
           <a:p>
             <a:pPr lvl="3"/>
@@ -3589,7 +3316,6 @@
               <a:rPr lang="zh-CN" altLang="en-US" smtClean="0"/>
               <a:t>第四级</a:t>
             </a:r>
-            <a:endParaRPr lang="zh-CN" altLang="en-US" smtClean="0"/>
           </a:p>
           <a:p>
             <a:pPr lvl="4"/>
@@ -3663,7 +3389,6 @@
               <a:rPr lang="zh-CN" altLang="en-US" smtClean="0"/>
               <a:t>单击此处编辑母版文本样式</a:t>
             </a:r>
-            <a:endParaRPr lang="zh-CN" altLang="en-US" smtClean="0"/>
           </a:p>
         </p:txBody>
       </p:sp>
@@ -3692,7 +3417,6 @@
               <a:rPr lang="zh-CN" altLang="en-US" smtClean="0"/>
               <a:t>单击此处编辑母版文本样式</a:t>
             </a:r>
-            <a:endParaRPr lang="zh-CN" altLang="en-US" smtClean="0"/>
           </a:p>
           <a:p>
             <a:pPr lvl="1"/>
@@ -3700,7 +3424,6 @@
               <a:rPr lang="zh-CN" altLang="en-US" smtClean="0"/>
               <a:t>第二级</a:t>
             </a:r>
-            <a:endParaRPr lang="zh-CN" altLang="en-US" smtClean="0"/>
           </a:p>
           <a:p>
             <a:pPr lvl="2"/>
@@ -3708,7 +3431,6 @@
               <a:rPr lang="zh-CN" altLang="en-US" smtClean="0"/>
               <a:t>第三级</a:t>
             </a:r>
-            <a:endParaRPr lang="zh-CN" altLang="en-US" smtClean="0"/>
           </a:p>
           <a:p>
             <a:pPr lvl="3"/>
@@ -3716,7 +3438,6 @@
               <a:rPr lang="zh-CN" altLang="en-US" smtClean="0"/>
               <a:t>第四级</a:t>
             </a:r>
-            <a:endParaRPr lang="zh-CN" altLang="en-US" smtClean="0"/>
           </a:p>
           <a:p>
             <a:pPr lvl="4"/>
@@ -3745,6 +3466,7 @@
           <a:p>
             <a:fld id="{2FF2E821-025F-4B15-A27C-65B12F3A2CA3}" type="datetimeFigureOut">
               <a:rPr lang="zh-CN" altLang="en-US" smtClean="0"/>
+              <a:t>2018/9/29</a:t>
             </a:fld>
             <a:endParaRPr lang="zh-CN" altLang="en-US"/>
           </a:p>
@@ -3786,6 +3508,7 @@
           <a:p>
             <a:fld id="{BFEDD757-FC75-4840-AABC-5FEC07B4A531}" type="slidenum">
               <a:rPr lang="zh-CN" altLang="en-US" smtClean="0"/>
+              <a:t>‹#›</a:t>
             </a:fld>
             <a:endParaRPr lang="zh-CN" altLang="en-US"/>
           </a:p>
@@ -3861,6 +3584,7 @@
           <a:p>
             <a:fld id="{2FF2E821-025F-4B15-A27C-65B12F3A2CA3}" type="datetimeFigureOut">
               <a:rPr lang="zh-CN" altLang="en-US" smtClean="0"/>
+              <a:t>2018/9/29</a:t>
             </a:fld>
             <a:endParaRPr lang="zh-CN" altLang="en-US"/>
           </a:p>
@@ -3902,6 +3626,7 @@
           <a:p>
             <a:fld id="{BFEDD757-FC75-4840-AABC-5FEC07B4A531}" type="slidenum">
               <a:rPr lang="zh-CN" altLang="en-US" smtClean="0"/>
+              <a:t>‹#›</a:t>
             </a:fld>
             <a:endParaRPr lang="zh-CN" altLang="en-US"/>
           </a:p>
@@ -3957,6 +3682,7 @@
           <a:p>
             <a:fld id="{2FF2E821-025F-4B15-A27C-65B12F3A2CA3}" type="datetimeFigureOut">
               <a:rPr lang="zh-CN" altLang="en-US" smtClean="0"/>
+              <a:t>2018/9/29</a:t>
             </a:fld>
             <a:endParaRPr lang="zh-CN" altLang="en-US"/>
           </a:p>
@@ -3998,6 +3724,7 @@
           <a:p>
             <a:fld id="{BFEDD757-FC75-4840-AABC-5FEC07B4A531}" type="slidenum">
               <a:rPr lang="zh-CN" altLang="en-US" smtClean="0"/>
+              <a:t>‹#›</a:t>
             </a:fld>
             <a:endParaRPr lang="zh-CN" altLang="en-US"/>
           </a:p>
@@ -4113,7 +3840,6 @@
               <a:rPr lang="zh-CN" altLang="en-US" smtClean="0"/>
               <a:t>单击此处编辑母版文本样式</a:t>
             </a:r>
-            <a:endParaRPr lang="zh-CN" altLang="en-US" smtClean="0"/>
           </a:p>
           <a:p>
             <a:pPr lvl="1"/>
@@ -4121,7 +3847,6 @@
               <a:rPr lang="zh-CN" altLang="en-US" smtClean="0"/>
               <a:t>第二级</a:t>
             </a:r>
-            <a:endParaRPr lang="zh-CN" altLang="en-US" smtClean="0"/>
           </a:p>
           <a:p>
             <a:pPr lvl="2"/>
@@ -4129,7 +3854,6 @@
               <a:rPr lang="zh-CN" altLang="en-US" smtClean="0"/>
               <a:t>第三级</a:t>
             </a:r>
-            <a:endParaRPr lang="zh-CN" altLang="en-US" smtClean="0"/>
           </a:p>
           <a:p>
             <a:pPr lvl="3"/>
@@ -4137,7 +3861,6 @@
               <a:rPr lang="zh-CN" altLang="en-US" smtClean="0"/>
               <a:t>第四级</a:t>
             </a:r>
-            <a:endParaRPr lang="zh-CN" altLang="en-US" smtClean="0"/>
           </a:p>
           <a:p>
             <a:pPr lvl="4"/>
@@ -4211,7 +3934,6 @@
               <a:rPr lang="zh-CN" altLang="en-US" smtClean="0"/>
               <a:t>单击此处编辑母版文本样式</a:t>
             </a:r>
-            <a:endParaRPr lang="zh-CN" altLang="en-US" smtClean="0"/>
           </a:p>
         </p:txBody>
       </p:sp>
@@ -4232,6 +3954,7 @@
           <a:p>
             <a:fld id="{2FF2E821-025F-4B15-A27C-65B12F3A2CA3}" type="datetimeFigureOut">
               <a:rPr lang="zh-CN" altLang="en-US" smtClean="0"/>
+              <a:t>2018/9/29</a:t>
             </a:fld>
             <a:endParaRPr lang="zh-CN" altLang="en-US"/>
           </a:p>
@@ -4273,6 +3996,7 @@
           <a:p>
             <a:fld id="{BFEDD757-FC75-4840-AABC-5FEC07B4A531}" type="slidenum">
               <a:rPr lang="zh-CN" altLang="en-US" smtClean="0"/>
+              <a:t>‹#›</a:t>
             </a:fld>
             <a:endParaRPr lang="zh-CN" altLang="en-US"/>
           </a:p>
@@ -4458,7 +4182,6 @@
               <a:rPr lang="zh-CN" altLang="en-US" smtClean="0"/>
               <a:t>单击此处编辑母版文本样式</a:t>
             </a:r>
-            <a:endParaRPr lang="zh-CN" altLang="en-US" smtClean="0"/>
           </a:p>
         </p:txBody>
       </p:sp>
@@ -4479,6 +4202,7 @@
           <a:p>
             <a:fld id="{2FF2E821-025F-4B15-A27C-65B12F3A2CA3}" type="datetimeFigureOut">
               <a:rPr lang="zh-CN" altLang="en-US" smtClean="0"/>
+              <a:t>2018/9/29</a:t>
             </a:fld>
             <a:endParaRPr lang="zh-CN" altLang="en-US"/>
           </a:p>
@@ -4520,6 +4244,7 @@
           <a:p>
             <a:fld id="{BFEDD757-FC75-4840-AABC-5FEC07B4A531}" type="slidenum">
               <a:rPr lang="zh-CN" altLang="en-US" smtClean="0"/>
+              <a:t>‹#›</a:t>
             </a:fld>
             <a:endParaRPr lang="zh-CN" altLang="en-US"/>
           </a:p>
@@ -4621,7 +4346,6 @@
               <a:rPr lang="zh-CN" altLang="en-US" dirty="0" smtClean="0"/>
               <a:t>单击此处编辑母版文本样式</a:t>
             </a:r>
-            <a:endParaRPr lang="zh-CN" altLang="en-US" dirty="0" smtClean="0"/>
           </a:p>
           <a:p>
             <a:pPr lvl="1"/>
@@ -4629,7 +4353,6 @@
               <a:rPr lang="zh-CN" altLang="en-US" dirty="0" smtClean="0"/>
               <a:t>第二级</a:t>
             </a:r>
-            <a:endParaRPr lang="zh-CN" altLang="en-US" dirty="0" smtClean="0"/>
           </a:p>
           <a:p>
             <a:pPr lvl="2"/>
@@ -4637,7 +4360,6 @@
               <a:rPr lang="zh-CN" altLang="en-US" dirty="0" smtClean="0"/>
               <a:t>第三级</a:t>
             </a:r>
-            <a:endParaRPr lang="zh-CN" altLang="en-US" dirty="0" smtClean="0"/>
           </a:p>
           <a:p>
             <a:pPr lvl="3"/>
@@ -4645,7 +4367,6 @@
               <a:rPr lang="zh-CN" altLang="en-US" dirty="0" smtClean="0"/>
               <a:t>第四级</a:t>
             </a:r>
-            <a:endParaRPr lang="zh-CN" altLang="en-US" dirty="0" smtClean="0"/>
           </a:p>
           <a:p>
             <a:pPr lvl="4"/>
@@ -4690,6 +4411,7 @@
           <a:p>
             <a:fld id="{2FF2E821-025F-4B15-A27C-65B12F3A2CA3}" type="datetimeFigureOut">
               <a:rPr lang="zh-CN" altLang="en-US" smtClean="0"/>
+              <a:t>2018/9/29</a:t>
             </a:fld>
             <a:endParaRPr lang="zh-CN" altLang="en-US"/>
           </a:p>
@@ -4763,6 +4485,7 @@
           <a:p>
             <a:fld id="{BFEDD757-FC75-4840-AABC-5FEC07B4A531}" type="slidenum">
               <a:rPr lang="zh-CN" altLang="en-US" smtClean="0"/>
+              <a:t>‹#›</a:t>
             </a:fld>
             <a:endParaRPr lang="zh-CN" altLang="en-US"/>
           </a:p>
@@ -5244,13 +4967,6 @@
               </a:rPr>
               <a:t>支持向量机</a:t>
             </a:r>
-            <a:endParaRPr lang="zh-CN" dirty="0" smtClean="0">
-              <a:solidFill>
-                <a:schemeClr val="accent1">
-                  <a:lumMod val="75000"/>
-                </a:schemeClr>
-              </a:solidFill>
-            </a:endParaRPr>
           </a:p>
         </p:txBody>
       </p:sp>
@@ -7135,7 +6851,14 @@
         <p:cNvGrpSpPr/>
         <p:nvPr/>
       </p:nvGrpSpPr>
-      <p:grpSpPr/>
+      <p:grpSpPr>
+        <a:xfrm>
+          <a:off x="0" y="0"/>
+          <a:ext cx="0" cy="0"/>
+          <a:chOff x="0" y="0"/>
+          <a:chExt cx="0" cy="0"/>
+        </a:xfrm>
+      </p:grpSpPr>
       <p:pic>
         <p:nvPicPr>
           <p:cNvPr id="3" name="图片 2"/>
@@ -7145,7 +6868,7 @@
           <p:nvPr/>
         </p:nvPicPr>
         <p:blipFill>
-          <a:blip r:embed="rId1"/>
+          <a:blip r:embed="rId2"/>
           <a:stretch>
             <a:fillRect/>
           </a:stretch>
@@ -7180,12 +6903,12 @@
           <a:bodyPr wrap="none" rtlCol="0">
             <a:spAutoFit/>
           </a:bodyPr>
+          <a:lstStyle/>
           <a:p>
             <a:r>
               <a:rPr lang="zh-CN" altLang="en-US" sz="2000" b="1" u="sng"/>
               <a:t>拉格朗日对偶性补充</a:t>
             </a:r>
-            <a:endParaRPr lang="zh-CN" altLang="en-US" sz="2000" b="1" u="sng"/>
           </a:p>
         </p:txBody>
       </p:sp>
@@ -7206,7 +6929,14 @@
         <p:cNvGrpSpPr/>
         <p:nvPr/>
       </p:nvGrpSpPr>
-      <p:grpSpPr/>
+      <p:grpSpPr>
+        <a:xfrm>
+          <a:off x="0" y="0"/>
+          <a:ext cx="0" cy="0"/>
+          <a:chOff x="0" y="0"/>
+          <a:chExt cx="0" cy="0"/>
+        </a:xfrm>
+      </p:grpSpPr>
       <p:pic>
         <p:nvPicPr>
           <p:cNvPr id="2" name="图片 1"/>
@@ -7216,7 +6946,7 @@
           <p:nvPr/>
         </p:nvPicPr>
         <p:blipFill>
-          <a:blip r:embed="rId1"/>
+          <a:blip r:embed="rId2"/>
           <a:stretch>
             <a:fillRect/>
           </a:stretch>
@@ -7248,7 +6978,14 @@
         <p:cNvGrpSpPr/>
         <p:nvPr/>
       </p:nvGrpSpPr>
-      <p:grpSpPr/>
+      <p:grpSpPr>
+        <a:xfrm>
+          <a:off x="0" y="0"/>
+          <a:ext cx="0" cy="0"/>
+          <a:chOff x="0" y="0"/>
+          <a:chExt cx="0" cy="0"/>
+        </a:xfrm>
+      </p:grpSpPr>
       <p:pic>
         <p:nvPicPr>
           <p:cNvPr id="2" name="图片 1"/>
@@ -7258,7 +6995,7 @@
           <p:nvPr/>
         </p:nvPicPr>
         <p:blipFill>
-          <a:blip r:embed="rId1"/>
+          <a:blip r:embed="rId2"/>
           <a:stretch>
             <a:fillRect/>
           </a:stretch>
@@ -7290,7 +7027,14 @@
         <p:cNvGrpSpPr/>
         <p:nvPr/>
       </p:nvGrpSpPr>
-      <p:grpSpPr/>
+      <p:grpSpPr>
+        <a:xfrm>
+          <a:off x="0" y="0"/>
+          <a:ext cx="0" cy="0"/>
+          <a:chOff x="0" y="0"/>
+          <a:chExt cx="0" cy="0"/>
+        </a:xfrm>
+      </p:grpSpPr>
       <p:pic>
         <p:nvPicPr>
           <p:cNvPr id="2" name="图片 1"/>
@@ -7300,7 +7044,7 @@
           <p:nvPr/>
         </p:nvPicPr>
         <p:blipFill>
-          <a:blip r:embed="rId1"/>
+          <a:blip r:embed="rId2"/>
           <a:stretch>
             <a:fillRect/>
           </a:stretch>
@@ -7324,7 +7068,7 @@
           <p:nvPr/>
         </p:nvPicPr>
         <p:blipFill>
-          <a:blip r:embed="rId2"/>
+          <a:blip r:embed="rId3"/>
           <a:stretch>
             <a:fillRect/>
           </a:stretch>
@@ -7392,7 +7136,14 @@
         <p:cNvGrpSpPr/>
         <p:nvPr/>
       </p:nvGrpSpPr>
-      <p:grpSpPr/>
+      <p:grpSpPr>
+        <a:xfrm>
+          <a:off x="0" y="0"/>
+          <a:ext cx="0" cy="0"/>
+          <a:chOff x="0" y="0"/>
+          <a:chExt cx="0" cy="0"/>
+        </a:xfrm>
+      </p:grpSpPr>
       <p:pic>
         <p:nvPicPr>
           <p:cNvPr id="2" name="图片 1"/>
@@ -7402,7 +7153,7 @@
           <p:nvPr/>
         </p:nvPicPr>
         <p:blipFill>
-          <a:blip r:embed="rId1"/>
+          <a:blip r:embed="rId2"/>
           <a:stretch>
             <a:fillRect/>
           </a:stretch>
@@ -7417,6 +7168,166 @@
           </a:prstGeom>
         </p:spPr>
       </p:pic>
+      <p:pic>
+        <p:nvPicPr>
+          <p:cNvPr id="3" name="图片 2"/>
+          <p:cNvPicPr>
+            <a:picLocks noChangeAspect="1"/>
+          </p:cNvPicPr>
+          <p:nvPr/>
+        </p:nvPicPr>
+        <p:blipFill>
+          <a:blip r:embed="rId3"/>
+          <a:stretch>
+            <a:fillRect/>
+          </a:stretch>
+        </p:blipFill>
+        <p:spPr>
+          <a:xfrm>
+            <a:off x="501650" y="2068195"/>
+            <a:ext cx="7238365" cy="1085850"/>
+          </a:xfrm>
+          <a:prstGeom prst="rect">
+            <a:avLst/>
+          </a:prstGeom>
+        </p:spPr>
+      </p:pic>
+      <p:pic>
+        <p:nvPicPr>
+          <p:cNvPr id="4" name="图片 3"/>
+          <p:cNvPicPr>
+            <a:picLocks noChangeAspect="1"/>
+          </p:cNvPicPr>
+          <p:nvPr/>
+        </p:nvPicPr>
+        <p:blipFill>
+          <a:blip r:embed="rId4"/>
+          <a:stretch>
+            <a:fillRect/>
+          </a:stretch>
+        </p:blipFill>
+        <p:spPr>
+          <a:xfrm>
+            <a:off x="501650" y="4025265"/>
+            <a:ext cx="3647440" cy="1704975"/>
+          </a:xfrm>
+          <a:prstGeom prst="rect">
+            <a:avLst/>
+          </a:prstGeom>
+        </p:spPr>
+      </p:pic>
+      <p:sp>
+        <p:nvSpPr>
+          <p:cNvPr id="5" name="文本框 4"/>
+          <p:cNvSpPr txBox="1"/>
+          <p:nvPr/>
+        </p:nvSpPr>
+        <p:spPr>
+          <a:xfrm>
+            <a:off x="501650" y="3433445"/>
+            <a:ext cx="2468880" cy="417830"/>
+          </a:xfrm>
+          <a:prstGeom prst="rect">
+            <a:avLst/>
+          </a:prstGeom>
+          <a:noFill/>
+        </p:spPr>
+        <p:txBody>
+          <a:bodyPr wrap="none" rtlCol="0">
+            <a:spAutoFit/>
+          </a:bodyPr>
+          <a:lstStyle/>
+          <a:p>
+            <a:r>
+              <a:rPr lang="zh-CN" altLang="en-US" sz="2000"/>
+              <a:t>最终要求解的问题：</a:t>
+            </a:r>
+          </a:p>
+        </p:txBody>
+      </p:sp>
+      <p:sp>
+        <p:nvSpPr>
+          <p:cNvPr id="6" name="文本框 5"/>
+          <p:cNvSpPr txBox="1"/>
+          <p:nvPr/>
+        </p:nvSpPr>
+        <p:spPr>
+          <a:xfrm>
+            <a:off x="8909050" y="677545"/>
+            <a:ext cx="2621280" cy="483235"/>
+          </a:xfrm>
+          <a:prstGeom prst="rect">
+            <a:avLst/>
+          </a:prstGeom>
+          <a:noFill/>
+        </p:spPr>
+        <p:txBody>
+          <a:bodyPr wrap="none" rtlCol="0">
+            <a:spAutoFit/>
+          </a:bodyPr>
+          <a:lstStyle/>
+          <a:p>
+            <a:r>
+              <a:rPr lang="zh-CN" altLang="en-US" sz="2400" b="1"/>
+              <a:t>解决求解难的问题</a:t>
+            </a:r>
+          </a:p>
+        </p:txBody>
+      </p:sp>
+    </p:spTree>
+  </p:cSld>
+  <p:clrMapOvr>
+    <a:masterClrMapping/>
+  </p:clrMapOvr>
+</p:sld>
+</file>
+
+<file path=ppt/slides/slide15.xml><?xml version="1.0" encoding="utf-8"?>
+<p:sld xmlns:a="http://schemas.openxmlformats.org/drawingml/2006/main" xmlns:r="http://schemas.openxmlformats.org/officeDocument/2006/relationships" xmlns:p="http://schemas.openxmlformats.org/presentationml/2006/main">
+  <p:cSld>
+    <p:spTree>
+      <p:nvGrpSpPr>
+        <p:cNvPr id="1" name=""/>
+        <p:cNvGrpSpPr/>
+        <p:nvPr/>
+      </p:nvGrpSpPr>
+      <p:grpSpPr>
+        <a:xfrm>
+          <a:off x="0" y="0"/>
+          <a:ext cx="0" cy="0"/>
+          <a:chOff x="0" y="0"/>
+          <a:chExt cx="0" cy="0"/>
+        </a:xfrm>
+      </p:grpSpPr>
+      <p:sp>
+        <p:nvSpPr>
+          <p:cNvPr id="2" name="文本框 1"/>
+          <p:cNvSpPr txBox="1"/>
+          <p:nvPr/>
+        </p:nvSpPr>
+        <p:spPr>
+          <a:xfrm>
+            <a:off x="530225" y="729615"/>
+            <a:ext cx="4754880" cy="483235"/>
+          </a:xfrm>
+          <a:prstGeom prst="rect">
+            <a:avLst/>
+          </a:prstGeom>
+          <a:noFill/>
+        </p:spPr>
+        <p:txBody>
+          <a:bodyPr wrap="none" rtlCol="0">
+            <a:spAutoFit/>
+          </a:bodyPr>
+          <a:lstStyle/>
+          <a:p>
+            <a:r>
+              <a:rPr lang="zh-CN" altLang="en-US" sz="2400"/>
+              <a:t>由对偶问题的解求原始问题的解：</a:t>
+            </a:r>
+          </a:p>
+        </p:txBody>
+      </p:sp>
       <p:pic>
         <p:nvPicPr>
           <p:cNvPr id="3" name="图片 2"/>
@@ -7433,8 +7344,8 @@
         </p:blipFill>
         <p:spPr>
           <a:xfrm>
-            <a:off x="501650" y="2068195"/>
-            <a:ext cx="7238365" cy="1085850"/>
+            <a:off x="530225" y="1320165"/>
+            <a:ext cx="7818755" cy="3790315"/>
           </a:xfrm>
           <a:prstGeom prst="rect">
             <a:avLst/>
@@ -7457,159 +7368,6 @@
         </p:blipFill>
         <p:spPr>
           <a:xfrm>
-            <a:off x="501650" y="4025265"/>
-            <a:ext cx="3647440" cy="1704975"/>
-          </a:xfrm>
-          <a:prstGeom prst="rect">
-            <a:avLst/>
-          </a:prstGeom>
-        </p:spPr>
-      </p:pic>
-      <p:sp>
-        <p:nvSpPr>
-          <p:cNvPr id="5" name="文本框 4"/>
-          <p:cNvSpPr txBox="1"/>
-          <p:nvPr/>
-        </p:nvSpPr>
-        <p:spPr>
-          <a:xfrm>
-            <a:off x="501650" y="3433445"/>
-            <a:ext cx="2468880" cy="417830"/>
-          </a:xfrm>
-          <a:prstGeom prst="rect">
-            <a:avLst/>
-          </a:prstGeom>
-          <a:noFill/>
-        </p:spPr>
-        <p:txBody>
-          <a:bodyPr wrap="none" rtlCol="0">
-            <a:spAutoFit/>
-          </a:bodyPr>
-          <a:p>
-            <a:r>
-              <a:rPr lang="zh-CN" altLang="en-US" sz="2000"/>
-              <a:t>最终要求解的问题：</a:t>
-            </a:r>
-            <a:endParaRPr lang="zh-CN" altLang="en-US" sz="2000"/>
-          </a:p>
-        </p:txBody>
-      </p:sp>
-      <p:sp>
-        <p:nvSpPr>
-          <p:cNvPr id="6" name="文本框 5"/>
-          <p:cNvSpPr txBox="1"/>
-          <p:nvPr/>
-        </p:nvSpPr>
-        <p:spPr>
-          <a:xfrm>
-            <a:off x="8909050" y="677545"/>
-            <a:ext cx="2621280" cy="483235"/>
-          </a:xfrm>
-          <a:prstGeom prst="rect">
-            <a:avLst/>
-          </a:prstGeom>
-          <a:noFill/>
-        </p:spPr>
-        <p:txBody>
-          <a:bodyPr wrap="none" rtlCol="0">
-            <a:spAutoFit/>
-          </a:bodyPr>
-          <a:p>
-            <a:r>
-              <a:rPr lang="zh-CN" altLang="en-US" sz="2400" b="1"/>
-              <a:t>解决求解难的问题</a:t>
-            </a:r>
-            <a:endParaRPr lang="zh-CN" altLang="en-US" sz="2400" b="1"/>
-          </a:p>
-        </p:txBody>
-      </p:sp>
-    </p:spTree>
-  </p:cSld>
-  <p:clrMapOvr>
-    <a:masterClrMapping/>
-  </p:clrMapOvr>
-</p:sld>
-</file>
-
-<file path=ppt/slides/slide15.xml><?xml version="1.0" encoding="utf-8"?>
-<p:sld xmlns:a="http://schemas.openxmlformats.org/drawingml/2006/main" xmlns:r="http://schemas.openxmlformats.org/officeDocument/2006/relationships" xmlns:p="http://schemas.openxmlformats.org/presentationml/2006/main">
-  <p:cSld>
-    <p:spTree>
-      <p:nvGrpSpPr>
-        <p:cNvPr id="1" name=""/>
-        <p:cNvGrpSpPr/>
-        <p:nvPr/>
-      </p:nvGrpSpPr>
-      <p:grpSpPr/>
-      <p:sp>
-        <p:nvSpPr>
-          <p:cNvPr id="2" name="文本框 1"/>
-          <p:cNvSpPr txBox="1"/>
-          <p:nvPr/>
-        </p:nvSpPr>
-        <p:spPr>
-          <a:xfrm>
-            <a:off x="530225" y="729615"/>
-            <a:ext cx="4754880" cy="483235"/>
-          </a:xfrm>
-          <a:prstGeom prst="rect">
-            <a:avLst/>
-          </a:prstGeom>
-          <a:noFill/>
-        </p:spPr>
-        <p:txBody>
-          <a:bodyPr wrap="none" rtlCol="0">
-            <a:spAutoFit/>
-          </a:bodyPr>
-          <a:p>
-            <a:r>
-              <a:rPr lang="zh-CN" altLang="en-US" sz="2400"/>
-              <a:t>由对偶问题的解求原始问题的解：</a:t>
-            </a:r>
-            <a:endParaRPr lang="zh-CN" altLang="en-US" sz="2400"/>
-          </a:p>
-        </p:txBody>
-      </p:sp>
-      <p:pic>
-        <p:nvPicPr>
-          <p:cNvPr id="3" name="图片 2"/>
-          <p:cNvPicPr>
-            <a:picLocks noChangeAspect="1"/>
-          </p:cNvPicPr>
-          <p:nvPr/>
-        </p:nvPicPr>
-        <p:blipFill>
-          <a:blip r:embed="rId1"/>
-          <a:stretch>
-            <a:fillRect/>
-          </a:stretch>
-        </p:blipFill>
-        <p:spPr>
-          <a:xfrm>
-            <a:off x="530225" y="1320165"/>
-            <a:ext cx="7818755" cy="3790315"/>
-          </a:xfrm>
-          <a:prstGeom prst="rect">
-            <a:avLst/>
-          </a:prstGeom>
-        </p:spPr>
-      </p:pic>
-      <p:pic>
-        <p:nvPicPr>
-          <p:cNvPr id="4" name="图片 3"/>
-          <p:cNvPicPr>
-            <a:picLocks noChangeAspect="1"/>
-          </p:cNvPicPr>
-          <p:nvPr/>
-        </p:nvPicPr>
-        <p:blipFill>
-          <a:blip r:embed="rId2"/>
-          <a:stretch>
-            <a:fillRect/>
-          </a:stretch>
-        </p:blipFill>
-        <p:spPr>
-          <a:xfrm>
             <a:off x="3168015" y="5110480"/>
             <a:ext cx="2542540" cy="514350"/>
           </a:xfrm>
@@ -7627,7 +7385,7 @@
           <p:nvPr/>
         </p:nvPicPr>
         <p:blipFill>
-          <a:blip r:embed="rId3"/>
+          <a:blip r:embed="rId4"/>
           <a:stretch>
             <a:fillRect/>
           </a:stretch>
@@ -7659,7 +7417,14 @@
         <p:cNvGrpSpPr/>
         <p:nvPr/>
       </p:nvGrpSpPr>
-      <p:grpSpPr/>
+      <p:grpSpPr>
+        <a:xfrm>
+          <a:off x="0" y="0"/>
+          <a:ext cx="0" cy="0"/>
+          <a:chOff x="0" y="0"/>
+          <a:chExt cx="0" cy="0"/>
+        </a:xfrm>
+      </p:grpSpPr>
       <p:sp>
         <p:nvSpPr>
           <p:cNvPr id="2" name="文本框 1"/>
@@ -7680,12 +7445,12 @@
           <a:bodyPr wrap="none" rtlCol="0">
             <a:spAutoFit/>
           </a:bodyPr>
+          <a:lstStyle/>
           <a:p>
             <a:r>
               <a:rPr lang="zh-CN" altLang="en-US" sz="2400"/>
               <a:t>线性可分支持向量机总结</a:t>
             </a:r>
-            <a:endParaRPr lang="zh-CN" altLang="en-US" sz="2400"/>
           </a:p>
         </p:txBody>
       </p:sp>
@@ -7698,7 +7463,7 @@
           <p:nvPr/>
         </p:nvPicPr>
         <p:blipFill>
-          <a:blip r:embed="rId1"/>
+          <a:blip r:embed="rId2"/>
           <a:stretch>
             <a:fillRect/>
           </a:stretch>
@@ -7733,12 +7498,12 @@
           <a:bodyPr wrap="none" rtlCol="0">
             <a:spAutoFit/>
           </a:bodyPr>
+          <a:lstStyle/>
           <a:p>
             <a:r>
               <a:rPr lang="zh-CN" altLang="en-US" sz="2000"/>
               <a:t>问题：不完全线性可分？</a:t>
             </a:r>
-            <a:endParaRPr lang="zh-CN" altLang="en-US" sz="2000"/>
           </a:p>
         </p:txBody>
       </p:sp>
@@ -7759,7 +7524,14 @@
         <p:cNvGrpSpPr/>
         <p:nvPr/>
       </p:nvGrpSpPr>
-      <p:grpSpPr/>
+      <p:grpSpPr>
+        <a:xfrm>
+          <a:off x="0" y="0"/>
+          <a:ext cx="0" cy="0"/>
+          <a:chOff x="0" y="0"/>
+          <a:chExt cx="0" cy="0"/>
+        </a:xfrm>
+      </p:grpSpPr>
       <p:sp>
         <p:nvSpPr>
           <p:cNvPr id="2" name="文本框 1"/>
@@ -7780,42 +7552,18 @@
           <a:bodyPr wrap="none" rtlCol="0">
             <a:spAutoFit/>
           </a:bodyPr>
+          <a:lstStyle/>
           <a:p>
             <a:r>
               <a:rPr lang="zh-CN" altLang="en-US" sz="2400"/>
               <a:t>软间隔最大化</a:t>
             </a:r>
-            <a:endParaRPr lang="zh-CN" altLang="en-US" sz="2400"/>
           </a:p>
         </p:txBody>
       </p:sp>
       <p:pic>
         <p:nvPicPr>
           <p:cNvPr id="3" name="图片 2"/>
-          <p:cNvPicPr>
-            <a:picLocks noChangeAspect="1"/>
-          </p:cNvPicPr>
-          <p:nvPr/>
-        </p:nvPicPr>
-        <p:blipFill>
-          <a:blip r:embed="rId1"/>
-          <a:stretch>
-            <a:fillRect/>
-          </a:stretch>
-        </p:blipFill>
-        <p:spPr>
-          <a:xfrm>
-            <a:off x="559435" y="1343660"/>
-            <a:ext cx="7571740" cy="676275"/>
-          </a:xfrm>
-          <a:prstGeom prst="rect">
-            <a:avLst/>
-          </a:prstGeom>
-        </p:spPr>
-      </p:pic>
-      <p:pic>
-        <p:nvPicPr>
-          <p:cNvPr id="4" name="图片 3"/>
           <p:cNvPicPr>
             <a:picLocks noChangeAspect="1"/>
           </p:cNvPicPr>
@@ -7829,8 +7577,8 @@
         </p:blipFill>
         <p:spPr>
           <a:xfrm>
-            <a:off x="559435" y="2019935"/>
-            <a:ext cx="7619365" cy="2124075"/>
+            <a:off x="559435" y="1343660"/>
+            <a:ext cx="7571740" cy="676275"/>
           </a:xfrm>
           <a:prstGeom prst="rect">
             <a:avLst/>
@@ -7839,7 +7587,7 @@
       </p:pic>
       <p:pic>
         <p:nvPicPr>
-          <p:cNvPr id="5" name="图片 4"/>
+          <p:cNvPr id="4" name="图片 3"/>
           <p:cNvPicPr>
             <a:picLocks noChangeAspect="1"/>
           </p:cNvPicPr>
@@ -7853,6 +7601,30 @@
         </p:blipFill>
         <p:spPr>
           <a:xfrm>
+            <a:off x="559435" y="2019935"/>
+            <a:ext cx="7619365" cy="2124075"/>
+          </a:xfrm>
+          <a:prstGeom prst="rect">
+            <a:avLst/>
+          </a:prstGeom>
+        </p:spPr>
+      </p:pic>
+      <p:pic>
+        <p:nvPicPr>
+          <p:cNvPr id="5" name="图片 4"/>
+          <p:cNvPicPr>
+            <a:picLocks noChangeAspect="1"/>
+          </p:cNvPicPr>
+          <p:nvPr/>
+        </p:nvPicPr>
+        <p:blipFill>
+          <a:blip r:embed="rId4"/>
+          <a:stretch>
+            <a:fillRect/>
+          </a:stretch>
+        </p:blipFill>
+        <p:spPr>
+          <a:xfrm>
             <a:off x="2756535" y="4423410"/>
             <a:ext cx="4114165" cy="1638300"/>
           </a:xfrm>
@@ -7881,6 +7653,7 @@
           <a:bodyPr wrap="none" rtlCol="0">
             <a:spAutoFit/>
           </a:bodyPr>
+          <a:lstStyle/>
           <a:p>
             <a:r>
               <a:rPr lang="en-US" altLang="zh-CN"/>
@@ -7890,7 +7663,6 @@
               <a:rPr lang="zh-CN" altLang="zh-CN"/>
               <a:t>惩罚参数的控制</a:t>
             </a:r>
-            <a:endParaRPr lang="zh-CN" altLang="zh-CN"/>
           </a:p>
         </p:txBody>
       </p:sp>
@@ -7911,7 +7683,14 @@
         <p:cNvGrpSpPr/>
         <p:nvPr/>
       </p:nvGrpSpPr>
-      <p:grpSpPr/>
+      <p:grpSpPr>
+        <a:xfrm>
+          <a:off x="0" y="0"/>
+          <a:ext cx="0" cy="0"/>
+          <a:chOff x="0" y="0"/>
+          <a:chExt cx="0" cy="0"/>
+        </a:xfrm>
+      </p:grpSpPr>
       <p:sp>
         <p:nvSpPr>
           <p:cNvPr id="2" name="文本框 1"/>
@@ -7932,12 +7711,12 @@
           <a:bodyPr wrap="none" rtlCol="0">
             <a:spAutoFit/>
           </a:bodyPr>
+          <a:lstStyle/>
           <a:p>
             <a:r>
               <a:rPr lang="zh-CN" altLang="en-US" sz="2400"/>
               <a:t>转化为对偶问题</a:t>
             </a:r>
-            <a:endParaRPr lang="zh-CN" altLang="en-US" sz="2400"/>
           </a:p>
         </p:txBody>
       </p:sp>
@@ -7950,7 +7729,7 @@
           <p:nvPr/>
         </p:nvPicPr>
         <p:blipFill>
-          <a:blip r:embed="rId1"/>
+          <a:blip r:embed="rId2"/>
           <a:stretch>
             <a:fillRect/>
           </a:stretch>
@@ -7982,7 +7761,14 @@
         <p:cNvGrpSpPr/>
         <p:nvPr/>
       </p:nvGrpSpPr>
-      <p:grpSpPr/>
+      <p:grpSpPr>
+        <a:xfrm>
+          <a:off x="0" y="0"/>
+          <a:ext cx="0" cy="0"/>
+          <a:chOff x="0" y="0"/>
+          <a:chExt cx="0" cy="0"/>
+        </a:xfrm>
+      </p:grpSpPr>
       <p:pic>
         <p:nvPicPr>
           <p:cNvPr id="2" name="图片 1"/>
@@ -7992,7 +7778,7 @@
           <p:nvPr/>
         </p:nvPicPr>
         <p:blipFill>
-          <a:blip r:embed="rId1"/>
+          <a:blip r:embed="rId2"/>
           <a:stretch>
             <a:fillRect/>
           </a:stretch>
@@ -8038,7 +7824,7 @@
           <p:cNvSpPr/>
           <p:nvPr>
             <p:custDataLst>
-              <p:tags r:id="rId1"/>
+              <p:tags r:id="rId2"/>
             </p:custDataLst>
           </p:nvPr>
         </p:nvSpPr>
@@ -8234,7 +8020,7 @@
       <p:sp>
         <p:nvSpPr>
           <p:cNvPr id="35" name="MH_Entry_1">
-            <a:hlinkClick r:id="rId2" action="ppaction://hlinksldjump"/>
+            <a:hlinkClick r:id="rId13" action="ppaction://hlinksldjump"/>
           </p:cNvPr>
           <p:cNvSpPr/>
           <p:nvPr>
@@ -8456,26 +8242,18 @@
               </a:rPr>
               <a:t>支持向量机简介</a:t>
             </a:r>
-            <a:endParaRPr lang="zh-CN" altLang="en-US" sz="2400" dirty="0" smtClean="0">
-              <a:solidFill>
-                <a:schemeClr val="accent1">
-                  <a:lumMod val="50000"/>
-                </a:schemeClr>
-              </a:solidFill>
-              <a:latin typeface="+mn-ea"/>
-            </a:endParaRPr>
           </a:p>
         </p:txBody>
       </p:sp>
       <p:sp>
         <p:nvSpPr>
           <p:cNvPr id="44" name="MH_Entry_2">
-            <a:hlinkClick r:id="rId4" action="ppaction://hlinksldjump"/>
+            <a:hlinkClick r:id="rId14" action="ppaction://hlinksldjump"/>
           </p:cNvPr>
           <p:cNvSpPr/>
           <p:nvPr>
             <p:custDataLst>
-              <p:tags r:id="rId5"/>
+              <p:tags r:id="rId4"/>
             </p:custDataLst>
           </p:nvPr>
         </p:nvSpPr>
@@ -8692,26 +8470,18 @@
               </a:rPr>
               <a:t>线性支持向量机</a:t>
             </a:r>
-            <a:endParaRPr lang="zh-CN" altLang="en-US" sz="2400" dirty="0" smtClean="0">
-              <a:solidFill>
-                <a:schemeClr val="accent1">
-                  <a:lumMod val="50000"/>
-                </a:schemeClr>
-              </a:solidFill>
-              <a:latin typeface="+mn-ea"/>
-            </a:endParaRPr>
           </a:p>
         </p:txBody>
       </p:sp>
       <p:sp>
         <p:nvSpPr>
           <p:cNvPr id="49" name="MH_Entry_3">
-            <a:hlinkClick r:id="rId4" action="ppaction://hlinksldjump"/>
+            <a:hlinkClick r:id="rId14" action="ppaction://hlinksldjump"/>
           </p:cNvPr>
           <p:cNvSpPr/>
           <p:nvPr>
             <p:custDataLst>
-              <p:tags r:id="rId6"/>
+              <p:tags r:id="rId5"/>
             </p:custDataLst>
           </p:nvPr>
         </p:nvSpPr>
@@ -8943,12 +8713,12 @@
       <p:sp>
         <p:nvSpPr>
           <p:cNvPr id="38" name="MH_Number_1">
-            <a:hlinkClick r:id="rId2" action="ppaction://hlinksldjump"/>
+            <a:hlinkClick r:id="rId13" action="ppaction://hlinksldjump"/>
           </p:cNvPr>
           <p:cNvSpPr/>
           <p:nvPr>
             <p:custDataLst>
-              <p:tags r:id="rId7"/>
+              <p:tags r:id="rId6"/>
             </p:custDataLst>
           </p:nvPr>
         </p:nvSpPr>
@@ -9047,12 +8817,12 @@
       <p:sp>
         <p:nvSpPr>
           <p:cNvPr id="40" name="MH_Number_2">
-            <a:hlinkClick r:id="rId4" action="ppaction://hlinksldjump"/>
+            <a:hlinkClick r:id="rId14" action="ppaction://hlinksldjump"/>
           </p:cNvPr>
           <p:cNvSpPr/>
           <p:nvPr>
             <p:custDataLst>
-              <p:tags r:id="rId8"/>
+              <p:tags r:id="rId7"/>
             </p:custDataLst>
           </p:nvPr>
         </p:nvSpPr>
@@ -9151,12 +8921,12 @@
       <p:sp>
         <p:nvSpPr>
           <p:cNvPr id="46" name="MH_Number_3">
-            <a:hlinkClick r:id="rId4" action="ppaction://hlinksldjump"/>
+            <a:hlinkClick r:id="rId14" action="ppaction://hlinksldjump"/>
           </p:cNvPr>
           <p:cNvSpPr/>
           <p:nvPr>
             <p:custDataLst>
-              <p:tags r:id="rId9"/>
+              <p:tags r:id="rId8"/>
             </p:custDataLst>
           </p:nvPr>
         </p:nvSpPr>
@@ -9255,12 +9025,12 @@
       <p:sp>
         <p:nvSpPr>
           <p:cNvPr id="50" name="MH_Number_4">
-            <a:hlinkClick r:id="rId4" action="ppaction://hlinksldjump"/>
+            <a:hlinkClick r:id="rId14" action="ppaction://hlinksldjump"/>
           </p:cNvPr>
           <p:cNvSpPr/>
           <p:nvPr>
             <p:custDataLst>
-              <p:tags r:id="rId10"/>
+              <p:tags r:id="rId9"/>
             </p:custDataLst>
           </p:nvPr>
         </p:nvSpPr>
@@ -9359,12 +9129,12 @@
       <p:sp>
         <p:nvSpPr>
           <p:cNvPr id="51" name="MH_Entry_4">
-            <a:hlinkClick r:id="rId4" action="ppaction://hlinksldjump"/>
+            <a:hlinkClick r:id="rId14" action="ppaction://hlinksldjump"/>
           </p:cNvPr>
           <p:cNvSpPr/>
           <p:nvPr>
             <p:custDataLst>
-              <p:tags r:id="rId11"/>
+              <p:tags r:id="rId10"/>
             </p:custDataLst>
           </p:nvPr>
         </p:nvSpPr>
@@ -9592,14 +9362,6 @@
               </a:rPr>
               <a:t>优化</a:t>
             </a:r>
-            <a:endParaRPr lang="zh-CN" altLang="en-US" sz="2400" dirty="0" smtClean="0">
-              <a:solidFill>
-                <a:schemeClr val="accent1">
-                  <a:lumMod val="50000"/>
-                </a:schemeClr>
-              </a:solidFill>
-              <a:latin typeface="+mn-ea"/>
-            </a:endParaRPr>
           </a:p>
         </p:txBody>
       </p:sp>
@@ -9648,7 +9410,7 @@
       </p:sp>
     </p:spTree>
     <p:custDataLst>
-      <p:tags r:id="rId12"/>
+      <p:tags r:id="rId1"/>
     </p:custDataLst>
   </p:cSld>
   <p:clrMapOvr>
@@ -9687,7 +9449,7 @@
           <p:cNvSpPr txBox="1"/>
           <p:nvPr>
             <p:custDataLst>
-              <p:tags r:id="rId1"/>
+              <p:tags r:id="rId2"/>
             </p:custDataLst>
           </p:nvPr>
         </p:nvSpPr>
@@ -9702,7 +9464,7 @@
         </p:spPr>
         <p:txBody>
           <a:bodyPr anchor="b">
-            <a:normAutofit lnSpcReduction="20000"/>
+            <a:normAutofit fontScale="92500" lnSpcReduction="10000"/>
           </a:bodyPr>
           <a:lstStyle>
             <a:lvl1pPr algn="ctr" defTabSz="914400" rtl="0" eaLnBrk="1" latinLnBrk="0" hangingPunct="1">
@@ -9774,7 +9536,7 @@
           <p:cNvSpPr txBox="1"/>
           <p:nvPr>
             <p:custDataLst>
-              <p:tags r:id="rId2"/>
+              <p:tags r:id="rId3"/>
             </p:custDataLst>
           </p:nvPr>
         </p:nvSpPr>
@@ -9998,7 +9760,6 @@
               <a:rPr lang="zh-CN" altLang="en-US" dirty="0"/>
               <a:t>非线性可分和核函数</a:t>
             </a:r>
-            <a:endParaRPr lang="zh-CN" altLang="en-US" dirty="0"/>
           </a:p>
         </p:txBody>
       </p:sp>
@@ -10010,7 +9771,7 @@
           <p:cNvSpPr/>
           <p:nvPr>
             <p:custDataLst>
-              <p:tags r:id="rId3"/>
+              <p:tags r:id="rId4"/>
             </p:custDataLst>
           </p:nvPr>
         </p:nvSpPr>
@@ -10065,7 +9826,7 @@
           <p:cNvSpPr/>
           <p:nvPr>
             <p:custDataLst>
-              <p:tags r:id="rId4"/>
+              <p:tags r:id="rId5"/>
             </p:custDataLst>
           </p:nvPr>
         </p:nvSpPr>
@@ -10108,7 +9869,7 @@
       </p:sp>
     </p:spTree>
     <p:custDataLst>
-      <p:tags r:id="rId5"/>
+      <p:tags r:id="rId1"/>
     </p:custDataLst>
   </p:cSld>
   <p:clrMapOvr>
@@ -10133,7 +9894,14 @@
         <p:cNvGrpSpPr/>
         <p:nvPr/>
       </p:nvGrpSpPr>
-      <p:grpSpPr/>
+      <p:grpSpPr>
+        <a:xfrm>
+          <a:off x="0" y="0"/>
+          <a:ext cx="0" cy="0"/>
+          <a:chOff x="0" y="0"/>
+          <a:chExt cx="0" cy="0"/>
+        </a:xfrm>
+      </p:grpSpPr>
       <p:pic>
         <p:nvPicPr>
           <p:cNvPr id="2" name="图片 1"/>
@@ -10143,7 +9911,7 @@
           <p:nvPr/>
         </p:nvPicPr>
         <p:blipFill>
-          <a:blip r:embed="rId1"/>
+          <a:blip r:embed="rId2"/>
           <a:stretch>
             <a:fillRect/>
           </a:stretch>
@@ -10178,12 +9946,12 @@
           <a:bodyPr wrap="none" rtlCol="0">
             <a:spAutoFit/>
           </a:bodyPr>
+          <a:lstStyle/>
           <a:p>
             <a:r>
               <a:rPr lang="zh-CN" altLang="en-US"/>
               <a:t>无法在二维平面分割，转换到高维空间（希尔伯特空间）</a:t>
             </a:r>
-            <a:endParaRPr lang="zh-CN" altLang="en-US"/>
           </a:p>
         </p:txBody>
       </p:sp>
@@ -10196,7 +9964,7 @@
           <p:nvPr/>
         </p:nvPicPr>
         <p:blipFill>
-          <a:blip r:embed="rId2"/>
+          <a:blip r:embed="rId3"/>
           <a:stretch>
             <a:fillRect/>
           </a:stretch>
@@ -10228,7 +9996,14 @@
         <p:cNvGrpSpPr/>
         <p:nvPr/>
       </p:nvGrpSpPr>
-      <p:grpSpPr/>
+      <p:grpSpPr>
+        <a:xfrm>
+          <a:off x="0" y="0"/>
+          <a:ext cx="0" cy="0"/>
+          <a:chOff x="0" y="0"/>
+          <a:chExt cx="0" cy="0"/>
+        </a:xfrm>
+      </p:grpSpPr>
       <p:sp>
         <p:nvSpPr>
           <p:cNvPr id="2" name="文本框 1"/>
@@ -10249,634 +10024,15 @@
           <a:bodyPr wrap="none" rtlCol="0">
             <a:spAutoFit/>
           </a:bodyPr>
+          <a:lstStyle/>
           <a:p>
             <a:r>
               <a:rPr lang="zh-CN" altLang="en-US" sz="2400"/>
               <a:t>核技巧的对偶优化问题</a:t>
             </a:r>
-            <a:endParaRPr lang="zh-CN" altLang="en-US" sz="2400"/>
-          </a:p>
-        </p:txBody>
-      </p:sp>
-      <p:pic>
-        <p:nvPicPr>
-          <p:cNvPr id="3" name="图片 2"/>
-          <p:cNvPicPr>
-            <a:picLocks noChangeAspect="1"/>
-          </p:cNvPicPr>
-          <p:nvPr/>
-        </p:nvPicPr>
-        <p:blipFill>
-          <a:blip r:embed="rId1"/>
-          <a:stretch>
-            <a:fillRect/>
-          </a:stretch>
-        </p:blipFill>
-        <p:spPr>
-          <a:xfrm>
-            <a:off x="703580" y="1478280"/>
-            <a:ext cx="7562215" cy="2105025"/>
-          </a:xfrm>
-          <a:prstGeom prst="rect">
-            <a:avLst/>
-          </a:prstGeom>
-        </p:spPr>
-      </p:pic>
-      <p:pic>
-        <p:nvPicPr>
-          <p:cNvPr id="4" name="图片 3"/>
-          <p:cNvPicPr>
-            <a:picLocks noChangeAspect="1"/>
-          </p:cNvPicPr>
-          <p:nvPr/>
-        </p:nvPicPr>
-        <p:blipFill>
-          <a:blip r:embed="rId2"/>
-          <a:stretch>
-            <a:fillRect/>
-          </a:stretch>
-        </p:blipFill>
-        <p:spPr>
-          <a:xfrm>
-            <a:off x="703580" y="4584700"/>
-            <a:ext cx="4647565" cy="1009650"/>
-          </a:xfrm>
-          <a:prstGeom prst="rect">
-            <a:avLst/>
-          </a:prstGeom>
-        </p:spPr>
-      </p:pic>
-      <p:pic>
-        <p:nvPicPr>
-          <p:cNvPr id="5" name="图片 4"/>
-          <p:cNvPicPr>
-            <a:picLocks noChangeAspect="1"/>
-          </p:cNvPicPr>
-          <p:nvPr/>
-        </p:nvPicPr>
-        <p:blipFill>
-          <a:blip r:embed="rId3"/>
-          <a:stretch>
-            <a:fillRect/>
-          </a:stretch>
-        </p:blipFill>
-        <p:spPr>
-          <a:xfrm>
-            <a:off x="5572760" y="4584700"/>
-            <a:ext cx="4714240" cy="1238250"/>
-          </a:xfrm>
-          <a:prstGeom prst="rect">
-            <a:avLst/>
-          </a:prstGeom>
-        </p:spPr>
-      </p:pic>
-      <p:sp>
-        <p:nvSpPr>
-          <p:cNvPr id="6" name="文本框 5"/>
-          <p:cNvSpPr txBox="1"/>
-          <p:nvPr/>
-        </p:nvSpPr>
-        <p:spPr>
-          <a:xfrm>
-            <a:off x="703580" y="3891280"/>
-            <a:ext cx="3383280" cy="384810"/>
-          </a:xfrm>
-          <a:prstGeom prst="rect">
-            <a:avLst/>
-          </a:prstGeom>
-          <a:noFill/>
-        </p:spPr>
-        <p:txBody>
-          <a:bodyPr wrap="none" rtlCol="0">
-            <a:spAutoFit/>
-          </a:bodyPr>
-          <a:p>
-            <a:r>
-              <a:rPr lang="zh-CN" altLang="en-US"/>
-              <a:t>应用已存在的核函数直接计算：</a:t>
-            </a:r>
-            <a:endParaRPr lang="zh-CN" altLang="en-US"/>
-          </a:p>
-        </p:txBody>
-      </p:sp>
-    </p:spTree>
-  </p:cSld>
-  <p:clrMapOvr>
-    <a:masterClrMapping/>
-  </p:clrMapOvr>
-</p:sld>
-</file>
-
-<file path=ppt/slides/slide23.xml><?xml version="1.0" encoding="utf-8"?>
-<p:sld xmlns:a="http://schemas.openxmlformats.org/drawingml/2006/main" xmlns:r="http://schemas.openxmlformats.org/officeDocument/2006/relationships" xmlns:p="http://schemas.openxmlformats.org/presentationml/2006/main">
-  <p:cSld>
-    <p:spTree>
-      <p:nvGrpSpPr>
-        <p:cNvPr id="1" name=""/>
-        <p:cNvGrpSpPr/>
-        <p:nvPr/>
-      </p:nvGrpSpPr>
-      <p:grpSpPr>
-        <a:xfrm>
-          <a:off x="0" y="0"/>
-          <a:ext cx="0" cy="0"/>
-          <a:chOff x="0" y="0"/>
-          <a:chExt cx="0" cy="0"/>
-        </a:xfrm>
-      </p:grpSpPr>
-      <p:sp>
-        <p:nvSpPr>
-          <p:cNvPr id="4" name="标题 5"/>
-          <p:cNvSpPr txBox="1"/>
-          <p:nvPr>
-            <p:custDataLst>
-              <p:tags r:id="rId1"/>
-            </p:custDataLst>
-          </p:nvPr>
-        </p:nvSpPr>
-        <p:spPr>
-          <a:xfrm>
-            <a:off x="3394076" y="2381251"/>
-            <a:ext cx="5262563" cy="811213"/>
-          </a:xfrm>
-          <a:prstGeom prst="rect">
-            <a:avLst/>
-          </a:prstGeom>
-        </p:spPr>
-        <p:txBody>
-          <a:bodyPr anchor="b">
-            <a:normAutofit lnSpcReduction="20000"/>
-          </a:bodyPr>
-          <a:lstStyle>
-            <a:lvl1pPr algn="ctr" defTabSz="914400" rtl="0" eaLnBrk="1" latinLnBrk="0" hangingPunct="1">
-              <a:lnSpc>
-                <a:spcPct val="90000"/>
-              </a:lnSpc>
-              <a:spcBef>
-                <a:spcPct val="0"/>
-              </a:spcBef>
-              <a:buNone/>
-              <a:defRPr sz="4000" b="1" i="0" kern="1200" baseline="0">
-                <a:solidFill>
-                  <a:schemeClr val="tx2">
-                    <a:lumMod val="75000"/>
-                  </a:schemeClr>
-                </a:solidFill>
-                <a:effectLst>
-                  <a:outerShdw dist="50800" dir="5400000" algn="t" rotWithShape="0">
-                    <a:schemeClr val="bg1">
-                      <a:alpha val="19000"/>
-                    </a:schemeClr>
-                  </a:outerShdw>
-                </a:effectLst>
-                <a:latin typeface="Arial Black" panose="020B0A04020102020204" pitchFamily="34" charset="0"/>
-                <a:ea typeface="微软雅黑" panose="020B0503020204020204" pitchFamily="34" charset="-122"/>
-                <a:cs typeface="+mj-cs"/>
-              </a:defRPr>
-            </a:lvl1pPr>
-          </a:lstStyle>
-          <a:p>
-            <a:pPr>
-              <a:lnSpc>
-                <a:spcPct val="130000"/>
-              </a:lnSpc>
-            </a:pPr>
-            <a:r>
-              <a:rPr lang="en-US" altLang="zh-CN" dirty="0" smtClean="0">
-                <a:solidFill>
-                  <a:schemeClr val="accent1">
-                    <a:lumMod val="50000"/>
-                  </a:schemeClr>
-                </a:solidFill>
-                <a:latin typeface="+mn-ea"/>
-                <a:sym typeface="+mn-ea"/>
-              </a:rPr>
-              <a:t>SMO</a:t>
-            </a:r>
-            <a:r>
-              <a:rPr lang="zh-CN" altLang="en-US" dirty="0" smtClean="0">
-                <a:solidFill>
-                  <a:schemeClr val="accent1">
-                    <a:lumMod val="50000"/>
-                  </a:schemeClr>
-                </a:solidFill>
-                <a:latin typeface="+mn-ea"/>
-                <a:sym typeface="+mn-ea"/>
-              </a:rPr>
-              <a:t>优化</a:t>
-            </a:r>
-            <a:endParaRPr lang="zh-CN" altLang="en-US" dirty="0">
-              <a:solidFill>
-                <a:schemeClr val="tx1">
-                  <a:lumMod val="65000"/>
-                  <a:lumOff val="35000"/>
-                </a:schemeClr>
-              </a:solidFill>
-              <a:effectLst>
-                <a:outerShdw dist="50800" dir="5400000" algn="t" rotWithShape="0">
-                  <a:srgbClr val="FFFFFF">
-                    <a:alpha val="19000"/>
-                  </a:srgbClr>
-                </a:outerShdw>
-              </a:effectLst>
-            </a:endParaRPr>
-          </a:p>
-        </p:txBody>
-      </p:sp>
-      <p:sp>
-        <p:nvSpPr>
-          <p:cNvPr id="5" name="文本占位符 6"/>
-          <p:cNvSpPr txBox="1"/>
-          <p:nvPr>
-            <p:custDataLst>
-              <p:tags r:id="rId2"/>
-            </p:custDataLst>
-          </p:nvPr>
-        </p:nvSpPr>
-        <p:spPr>
-          <a:xfrm>
-            <a:off x="3394076" y="3371851"/>
-            <a:ext cx="5262563" cy="398463"/>
-          </a:xfrm>
-          <a:prstGeom prst="rect">
-            <a:avLst/>
-          </a:prstGeom>
-          <a:solidFill>
-            <a:schemeClr val="accent1">
-              <a:lumMod val="60000"/>
-              <a:lumOff val="40000"/>
-            </a:schemeClr>
-          </a:solidFill>
-        </p:spPr>
-        <p:txBody>
-          <a:bodyPr anchor="ctr">
-            <a:normAutofit/>
-          </a:bodyPr>
-          <a:lstStyle>
-            <a:lvl1pPr marL="0" indent="0" algn="ctr" defTabSz="914400" rtl="0" eaLnBrk="1" latinLnBrk="0" hangingPunct="1">
-              <a:lnSpc>
-                <a:spcPct val="110000"/>
-              </a:lnSpc>
-              <a:spcBef>
-                <a:spcPts val="1800"/>
-              </a:spcBef>
-              <a:spcAft>
-                <a:spcPts val="0"/>
-              </a:spcAft>
-              <a:buClr>
-                <a:schemeClr val="accent1"/>
-              </a:buClr>
-              <a:buSzPct val="60000"/>
-              <a:buFont typeface="Wingdings" panose="05000000000000000000" pitchFamily="2" charset="2"/>
-              <a:buNone/>
-              <a:defRPr sz="1600" kern="1200" baseline="0">
-                <a:solidFill>
-                  <a:schemeClr val="bg1"/>
-                </a:solidFill>
-                <a:latin typeface="Arial" panose="020B0604020202020204" pitchFamily="34" charset="0"/>
-                <a:ea typeface="微软雅黑" panose="020B0503020204020204" pitchFamily="34" charset="-122"/>
-                <a:cs typeface="+mn-cs"/>
-              </a:defRPr>
-            </a:lvl1pPr>
-            <a:lvl2pPr marL="457200" indent="0" algn="just" defTabSz="914400" rtl="0" eaLnBrk="1" latinLnBrk="0" hangingPunct="1">
-              <a:lnSpc>
-                <a:spcPct val="130000"/>
-              </a:lnSpc>
-              <a:spcBef>
-                <a:spcPts val="0"/>
-              </a:spcBef>
-              <a:spcAft>
-                <a:spcPts val="600"/>
-              </a:spcAft>
-              <a:buClr>
-                <a:schemeClr val="tx2">
-                  <a:lumMod val="60000"/>
-                  <a:lumOff val="40000"/>
-                </a:schemeClr>
-              </a:buClr>
-              <a:buFont typeface="幼圆" panose="02010509060101010101" pitchFamily="49" charset="-122"/>
-              <a:buNone/>
-              <a:defRPr sz="2000" kern="1200" baseline="0">
-                <a:solidFill>
-                  <a:schemeClr val="tx1">
-                    <a:tint val="75000"/>
-                  </a:schemeClr>
-                </a:solidFill>
-                <a:latin typeface="幼圆" panose="02010509060101010101" pitchFamily="49" charset="-122"/>
-                <a:ea typeface="幼圆" panose="02010509060101010101" pitchFamily="49" charset="-122"/>
-                <a:cs typeface="+mn-cs"/>
-              </a:defRPr>
-            </a:lvl2pPr>
-            <a:lvl3pPr marL="914400" indent="0" algn="l" defTabSz="914400" rtl="0" eaLnBrk="1" latinLnBrk="0" hangingPunct="1">
-              <a:lnSpc>
-                <a:spcPct val="90000"/>
-              </a:lnSpc>
-              <a:spcBef>
-                <a:spcPts val="500"/>
-              </a:spcBef>
-              <a:buFont typeface="Arial" panose="020B0604020202020204" pitchFamily="34" charset="0"/>
-              <a:buNone/>
-              <a:defRPr sz="1800" kern="1200">
-                <a:solidFill>
-                  <a:schemeClr val="tx1">
-                    <a:tint val="75000"/>
-                  </a:schemeClr>
-                </a:solidFill>
-                <a:latin typeface="+mn-lt"/>
-                <a:ea typeface="+mn-ea"/>
-                <a:cs typeface="+mn-cs"/>
-              </a:defRPr>
-            </a:lvl3pPr>
-            <a:lvl4pPr marL="1371600" indent="0" algn="l" defTabSz="914400" rtl="0" eaLnBrk="1" latinLnBrk="0" hangingPunct="1">
-              <a:lnSpc>
-                <a:spcPct val="90000"/>
-              </a:lnSpc>
-              <a:spcBef>
-                <a:spcPts val="500"/>
-              </a:spcBef>
-              <a:buFont typeface="Arial" panose="020B0604020202020204" pitchFamily="34" charset="0"/>
-              <a:buNone/>
-              <a:defRPr sz="1600" kern="1200">
-                <a:solidFill>
-                  <a:schemeClr val="tx1">
-                    <a:tint val="75000"/>
-                  </a:schemeClr>
-                </a:solidFill>
-                <a:latin typeface="+mn-lt"/>
-                <a:ea typeface="+mn-ea"/>
-                <a:cs typeface="+mn-cs"/>
-              </a:defRPr>
-            </a:lvl4pPr>
-            <a:lvl5pPr marL="1828800" indent="0" algn="l" defTabSz="914400" rtl="0" eaLnBrk="1" latinLnBrk="0" hangingPunct="1">
-              <a:lnSpc>
-                <a:spcPct val="90000"/>
-              </a:lnSpc>
-              <a:spcBef>
-                <a:spcPts val="500"/>
-              </a:spcBef>
-              <a:buFont typeface="Arial" panose="020B0604020202020204" pitchFamily="34" charset="0"/>
-              <a:buNone/>
-              <a:defRPr sz="1600" kern="1200">
-                <a:solidFill>
-                  <a:schemeClr val="tx1">
-                    <a:tint val="75000"/>
-                  </a:schemeClr>
-                </a:solidFill>
-                <a:latin typeface="+mn-lt"/>
-                <a:ea typeface="+mn-ea"/>
-                <a:cs typeface="+mn-cs"/>
-              </a:defRPr>
-            </a:lvl5pPr>
-            <a:lvl6pPr marL="2286000" indent="0" algn="l" defTabSz="914400" rtl="0" eaLnBrk="1" latinLnBrk="0" hangingPunct="1">
-              <a:lnSpc>
-                <a:spcPct val="90000"/>
-              </a:lnSpc>
-              <a:spcBef>
-                <a:spcPts val="500"/>
-              </a:spcBef>
-              <a:buFont typeface="Arial" panose="020B0604020202020204" pitchFamily="34" charset="0"/>
-              <a:buNone/>
-              <a:defRPr sz="1600" kern="1200">
-                <a:solidFill>
-                  <a:schemeClr val="tx1">
-                    <a:tint val="75000"/>
-                  </a:schemeClr>
-                </a:solidFill>
-                <a:latin typeface="+mn-lt"/>
-                <a:ea typeface="+mn-ea"/>
-                <a:cs typeface="+mn-cs"/>
-              </a:defRPr>
-            </a:lvl6pPr>
-            <a:lvl7pPr marL="2743200" indent="0" algn="l" defTabSz="914400" rtl="0" eaLnBrk="1" latinLnBrk="0" hangingPunct="1">
-              <a:lnSpc>
-                <a:spcPct val="90000"/>
-              </a:lnSpc>
-              <a:spcBef>
-                <a:spcPts val="500"/>
-              </a:spcBef>
-              <a:buFont typeface="Arial" panose="020B0604020202020204" pitchFamily="34" charset="0"/>
-              <a:buNone/>
-              <a:defRPr sz="1600" kern="1200">
-                <a:solidFill>
-                  <a:schemeClr val="tx1">
-                    <a:tint val="75000"/>
-                  </a:schemeClr>
-                </a:solidFill>
-                <a:latin typeface="+mn-lt"/>
-                <a:ea typeface="+mn-ea"/>
-                <a:cs typeface="+mn-cs"/>
-              </a:defRPr>
-            </a:lvl7pPr>
-            <a:lvl8pPr marL="3200400" indent="0" algn="l" defTabSz="914400" rtl="0" eaLnBrk="1" latinLnBrk="0" hangingPunct="1">
-              <a:lnSpc>
-                <a:spcPct val="90000"/>
-              </a:lnSpc>
-              <a:spcBef>
-                <a:spcPts val="500"/>
-              </a:spcBef>
-              <a:buFont typeface="Arial" panose="020B0604020202020204" pitchFamily="34" charset="0"/>
-              <a:buNone/>
-              <a:defRPr sz="1600" kern="1200">
-                <a:solidFill>
-                  <a:schemeClr val="tx1">
-                    <a:tint val="75000"/>
-                  </a:schemeClr>
-                </a:solidFill>
-                <a:latin typeface="+mn-lt"/>
-                <a:ea typeface="+mn-ea"/>
-                <a:cs typeface="+mn-cs"/>
-              </a:defRPr>
-            </a:lvl8pPr>
-            <a:lvl9pPr marL="3657600" indent="0" algn="l" defTabSz="914400" rtl="0" eaLnBrk="1" latinLnBrk="0" hangingPunct="1">
-              <a:lnSpc>
-                <a:spcPct val="90000"/>
-              </a:lnSpc>
-              <a:spcBef>
-                <a:spcPts val="500"/>
-              </a:spcBef>
-              <a:buFont typeface="Arial" panose="020B0604020202020204" pitchFamily="34" charset="0"/>
-              <a:buNone/>
-              <a:defRPr sz="1600" kern="1200">
-                <a:solidFill>
-                  <a:schemeClr val="tx1">
-                    <a:tint val="75000"/>
-                  </a:schemeClr>
-                </a:solidFill>
-                <a:latin typeface="+mn-lt"/>
-                <a:ea typeface="+mn-ea"/>
-                <a:cs typeface="+mn-cs"/>
-              </a:defRPr>
-            </a:lvl9pPr>
-          </a:lstStyle>
-          <a:p>
-            <a:r>
-              <a:rPr lang="en-US" altLang="zh-CN" dirty="0"/>
-              <a:t>2</a:t>
-            </a:r>
-            <a:r>
-              <a:rPr lang="zh-CN" altLang="en-US" dirty="0"/>
-              <a:t>个变量的选择和求解</a:t>
-            </a:r>
-            <a:endParaRPr lang="zh-CN" altLang="en-US" dirty="0"/>
-          </a:p>
-        </p:txBody>
-      </p:sp>
-      <p:sp>
-        <p:nvSpPr>
-          <p:cNvPr id="10" name="椭圆 9">
-            <a:hlinkClick r:id="" action="ppaction://hlinkshowjump?jump=nextslide"/>
-          </p:cNvPr>
-          <p:cNvSpPr/>
-          <p:nvPr>
-            <p:custDataLst>
-              <p:tags r:id="rId3"/>
-            </p:custDataLst>
-          </p:nvPr>
-        </p:nvSpPr>
-        <p:spPr bwMode="auto">
-          <a:xfrm>
-            <a:off x="5781676" y="4025901"/>
-            <a:ext cx="487363" cy="487363"/>
-          </a:xfrm>
-          <a:prstGeom prst="ellipse">
-            <a:avLst/>
-          </a:prstGeom>
-          <a:solidFill>
-            <a:srgbClr val="B0B2B5"/>
-          </a:solidFill>
-          <a:ln w="12700" cap="flat" cmpd="sng" algn="ctr">
-            <a:noFill/>
-            <a:prstDash val="solid"/>
-            <a:miter lim="800000"/>
-          </a:ln>
-          <a:effectLst>
-            <a:outerShdw dist="25400" dir="5400000" algn="t" rotWithShape="0">
-              <a:srgbClr val="FFFFFF">
-                <a:alpha val="37000"/>
-              </a:srgbClr>
-            </a:outerShdw>
-          </a:effectLst>
-        </p:spPr>
-        <p:txBody>
-          <a:bodyPr anchor="ctr"/>
-          <a:lstStyle/>
-          <a:p>
-            <a:pPr algn="ctr">
-              <a:defRPr/>
-            </a:pPr>
-            <a:endParaRPr lang="zh-CN" altLang="en-US" kern="0">
-              <a:solidFill>
-                <a:schemeClr val="bg1">
-                  <a:lumMod val="65000"/>
-                </a:schemeClr>
-              </a:solidFill>
-              <a:latin typeface="Calibri" panose="020F0502020204030204"/>
-              <a:ea typeface="幼圆"/>
-            </a:endParaRPr>
-          </a:p>
-        </p:txBody>
-      </p:sp>
-      <p:sp>
-        <p:nvSpPr>
-          <p:cNvPr id="11" name="燕尾形 10">
-            <a:hlinkClick r:id="" action="ppaction://hlinkshowjump?jump=nextslide"/>
-          </p:cNvPr>
-          <p:cNvSpPr/>
-          <p:nvPr>
-            <p:custDataLst>
-              <p:tags r:id="rId4"/>
-            </p:custDataLst>
-          </p:nvPr>
-        </p:nvSpPr>
-        <p:spPr bwMode="auto">
-          <a:xfrm>
-            <a:off x="5937251" y="4178300"/>
-            <a:ext cx="176213" cy="204788"/>
-          </a:xfrm>
-          <a:prstGeom prst="chevron">
-            <a:avLst>
-              <a:gd name="adj" fmla="val 61752"/>
-            </a:avLst>
-          </a:prstGeom>
-          <a:solidFill>
-            <a:srgbClr val="FFFFFF"/>
-          </a:solidFill>
-          <a:ln w="12700" cap="flat" cmpd="sng" algn="ctr">
-            <a:noFill/>
-            <a:prstDash val="solid"/>
-            <a:miter lim="800000"/>
-          </a:ln>
-          <a:effectLst/>
-        </p:spPr>
-        <p:txBody>
-          <a:bodyPr anchor="ctr"/>
-          <a:lstStyle/>
-          <a:p>
-            <a:pPr algn="ctr">
-              <a:defRPr/>
-            </a:pPr>
-            <a:endParaRPr lang="zh-CN" altLang="en-US" kern="0">
-              <a:solidFill>
-                <a:srgbClr val="3D3F41"/>
-              </a:solidFill>
-              <a:latin typeface="Calibri" panose="020F0502020204030204"/>
-              <a:ea typeface="幼圆"/>
-            </a:endParaRPr>
-          </a:p>
-        </p:txBody>
-      </p:sp>
-    </p:spTree>
-    <p:custDataLst>
-      <p:tags r:id="rId5"/>
-    </p:custDataLst>
-  </p:cSld>
-  <p:clrMapOvr>
-    <a:masterClrMapping/>
-  </p:clrMapOvr>
-  <p:timing>
-    <p:tnLst>
-      <p:par>
-        <p:cTn id="1" dur="indefinite" restart="never" nodeType="tmRoot"/>
-      </p:par>
-    </p:tnLst>
-  </p:timing>
-</p:sld>
-</file>
-
-<file path=ppt/slides/slide24.xml><?xml version="1.0" encoding="utf-8"?>
-<p:sld xmlns:a="http://schemas.openxmlformats.org/drawingml/2006/main" xmlns:r="http://schemas.openxmlformats.org/officeDocument/2006/relationships" xmlns:p="http://schemas.openxmlformats.org/presentationml/2006/main">
-  <p:cSld>
-    <p:spTree>
-      <p:nvGrpSpPr>
-        <p:cNvPr id="1" name=""/>
-        <p:cNvGrpSpPr/>
-        <p:nvPr/>
-      </p:nvGrpSpPr>
-      <p:grpSpPr/>
-      <p:pic>
-        <p:nvPicPr>
-          <p:cNvPr id="2" name="图片 1"/>
-          <p:cNvPicPr>
-            <a:picLocks noChangeAspect="1"/>
-          </p:cNvPicPr>
-          <p:nvPr/>
-        </p:nvPicPr>
-        <p:blipFill>
-          <a:blip r:embed="rId1"/>
-          <a:stretch>
-            <a:fillRect/>
-          </a:stretch>
-        </p:blipFill>
-        <p:spPr>
-          <a:xfrm>
-            <a:off x="750570" y="755015"/>
-            <a:ext cx="7581265" cy="2837815"/>
-          </a:xfrm>
-          <a:prstGeom prst="rect">
-            <a:avLst/>
-          </a:prstGeom>
-        </p:spPr>
-      </p:pic>
+          </a:p>
+        </p:txBody>
+      </p:sp>
       <p:pic>
         <p:nvPicPr>
           <p:cNvPr id="3" name="图片 2"/>
@@ -10893,141 +10049,17 @@
         </p:blipFill>
         <p:spPr>
           <a:xfrm>
-            <a:off x="750570" y="4095115"/>
-            <a:ext cx="7656830" cy="2371725"/>
+            <a:off x="703580" y="1478280"/>
+            <a:ext cx="7562215" cy="2105025"/>
           </a:xfrm>
           <a:prstGeom prst="rect">
             <a:avLst/>
           </a:prstGeom>
         </p:spPr>
       </p:pic>
-      <p:sp>
-        <p:nvSpPr>
-          <p:cNvPr id="4" name="文本框 3"/>
-          <p:cNvSpPr txBox="1"/>
-          <p:nvPr/>
-        </p:nvSpPr>
-        <p:spPr>
-          <a:xfrm>
-            <a:off x="750570" y="3677285"/>
-            <a:ext cx="2722880" cy="417830"/>
-          </a:xfrm>
-          <a:prstGeom prst="rect">
-            <a:avLst/>
-          </a:prstGeom>
-          <a:noFill/>
-        </p:spPr>
-        <p:txBody>
-          <a:bodyPr wrap="none" rtlCol="0">
-            <a:spAutoFit/>
-          </a:bodyPr>
-          <a:p>
-            <a:r>
-              <a:rPr lang="zh-CN" altLang="zh-CN" sz="2000" b="1"/>
-              <a:t>用一个变量表示另一个</a:t>
-            </a:r>
-            <a:endParaRPr lang="zh-CN" altLang="zh-CN" sz="2000" b="1"/>
-          </a:p>
-        </p:txBody>
-      </p:sp>
-    </p:spTree>
-  </p:cSld>
-  <p:clrMapOvr>
-    <a:masterClrMapping/>
-  </p:clrMapOvr>
-</p:sld>
-</file>
-
-<file path=ppt/slides/slide25.xml><?xml version="1.0" encoding="utf-8"?>
-<p:sld xmlns:a="http://schemas.openxmlformats.org/drawingml/2006/main" xmlns:r="http://schemas.openxmlformats.org/officeDocument/2006/relationships" xmlns:p="http://schemas.openxmlformats.org/presentationml/2006/main">
-  <p:cSld>
-    <p:spTree>
-      <p:nvGrpSpPr>
-        <p:cNvPr id="1" name=""/>
-        <p:cNvGrpSpPr/>
-        <p:nvPr/>
-      </p:nvGrpSpPr>
-      <p:grpSpPr/>
-      <p:sp>
-        <p:nvSpPr>
-          <p:cNvPr id="2" name="文本框 1"/>
-          <p:cNvSpPr txBox="1"/>
-          <p:nvPr/>
-        </p:nvSpPr>
-        <p:spPr>
-          <a:xfrm>
-            <a:off x="626745" y="720725"/>
-            <a:ext cx="3230880" cy="483235"/>
-          </a:xfrm>
-          <a:prstGeom prst="rect">
-            <a:avLst/>
-          </a:prstGeom>
-          <a:noFill/>
-        </p:spPr>
-        <p:txBody>
-          <a:bodyPr wrap="none" rtlCol="0">
-            <a:spAutoFit/>
-          </a:bodyPr>
-          <a:p>
-            <a:r>
-              <a:rPr lang="zh-CN" altLang="en-US" sz="2400"/>
-              <a:t>两个变量二次规划求解</a:t>
-            </a:r>
-            <a:endParaRPr lang="zh-CN" altLang="en-US" sz="2400"/>
-          </a:p>
-        </p:txBody>
-      </p:sp>
       <p:pic>
         <p:nvPicPr>
-          <p:cNvPr id="3" name="图片 2"/>
-          <p:cNvPicPr>
-            <a:picLocks noChangeAspect="1"/>
-          </p:cNvPicPr>
-          <p:nvPr/>
-        </p:nvPicPr>
-        <p:blipFill>
-          <a:blip r:embed="rId1"/>
-          <a:stretch>
-            <a:fillRect/>
-          </a:stretch>
-        </p:blipFill>
-        <p:spPr>
-          <a:xfrm>
-            <a:off x="842645" y="1405890"/>
-            <a:ext cx="6819265" cy="1343025"/>
-          </a:xfrm>
-          <a:prstGeom prst="rect">
-            <a:avLst/>
-          </a:prstGeom>
-        </p:spPr>
-      </p:pic>
-      <p:pic>
-        <p:nvPicPr>
-          <p:cNvPr id="5" name="图片 4"/>
-          <p:cNvPicPr>
-            <a:picLocks noChangeAspect="1"/>
-          </p:cNvPicPr>
-          <p:nvPr/>
-        </p:nvPicPr>
-        <p:blipFill>
-          <a:blip r:embed="rId2"/>
-          <a:stretch>
-            <a:fillRect/>
-          </a:stretch>
-        </p:blipFill>
-        <p:spPr>
-          <a:xfrm>
-            <a:off x="842645" y="2748915"/>
-            <a:ext cx="6819265" cy="1295400"/>
-          </a:xfrm>
-          <a:prstGeom prst="rect">
-            <a:avLst/>
-          </a:prstGeom>
-        </p:spPr>
-      </p:pic>
-      <p:pic>
-        <p:nvPicPr>
-          <p:cNvPr id="6" name="图片 5"/>
+          <p:cNvPr id="4" name="图片 3"/>
           <p:cNvPicPr>
             <a:picLocks noChangeAspect="1"/>
           </p:cNvPicPr>
@@ -11041,8 +10073,8 @@
         </p:blipFill>
         <p:spPr>
           <a:xfrm>
-            <a:off x="1856740" y="4227830"/>
-            <a:ext cx="4790440" cy="2428875"/>
+            <a:off x="703580" y="4584700"/>
+            <a:ext cx="4647565" cy="1009650"/>
           </a:xfrm>
           <a:prstGeom prst="rect">
             <a:avLst/>
@@ -11051,7 +10083,7 @@
       </p:pic>
       <p:pic>
         <p:nvPicPr>
-          <p:cNvPr id="7" name="图片 6"/>
+          <p:cNvPr id="5" name="图片 4"/>
           <p:cNvPicPr>
             <a:picLocks noChangeAspect="1"/>
           </p:cNvPicPr>
@@ -11065,14 +10097,43 @@
         </p:blipFill>
         <p:spPr>
           <a:xfrm>
-            <a:off x="7275195" y="5165725"/>
-            <a:ext cx="1638300" cy="552450"/>
+            <a:off x="5572760" y="4584700"/>
+            <a:ext cx="4714240" cy="1238250"/>
           </a:xfrm>
           <a:prstGeom prst="rect">
             <a:avLst/>
           </a:prstGeom>
         </p:spPr>
       </p:pic>
+      <p:sp>
+        <p:nvSpPr>
+          <p:cNvPr id="6" name="文本框 5"/>
+          <p:cNvSpPr txBox="1"/>
+          <p:nvPr/>
+        </p:nvSpPr>
+        <p:spPr>
+          <a:xfrm>
+            <a:off x="703580" y="3891280"/>
+            <a:ext cx="3383280" cy="384810"/>
+          </a:xfrm>
+          <a:prstGeom prst="rect">
+            <a:avLst/>
+          </a:prstGeom>
+          <a:noFill/>
+        </p:spPr>
+        <p:txBody>
+          <a:bodyPr wrap="none" rtlCol="0">
+            <a:spAutoFit/>
+          </a:bodyPr>
+          <a:lstStyle/>
+          <a:p>
+            <a:r>
+              <a:rPr lang="zh-CN" altLang="en-US"/>
+              <a:t>应用已存在的核函数直接计算：</a:t>
+            </a:r>
+          </a:p>
+        </p:txBody>
+      </p:sp>
     </p:spTree>
   </p:cSld>
   <p:clrMapOvr>
@@ -11081,873 +10142,7 @@
 </p:sld>
 </file>
 
-<file path=ppt/slides/slide26.xml><?xml version="1.0" encoding="utf-8"?>
-<p:sld xmlns:a="http://schemas.openxmlformats.org/drawingml/2006/main" xmlns:r="http://schemas.openxmlformats.org/officeDocument/2006/relationships" xmlns:p="http://schemas.openxmlformats.org/presentationml/2006/main">
-  <p:cSld>
-    <p:spTree>
-      <p:nvGrpSpPr>
-        <p:cNvPr id="1" name=""/>
-        <p:cNvGrpSpPr/>
-        <p:nvPr/>
-      </p:nvGrpSpPr>
-      <p:grpSpPr/>
-      <p:pic>
-        <p:nvPicPr>
-          <p:cNvPr id="2" name="图片 1"/>
-          <p:cNvPicPr>
-            <a:picLocks noChangeAspect="1"/>
-          </p:cNvPicPr>
-          <p:nvPr/>
-        </p:nvPicPr>
-        <p:blipFill>
-          <a:blip r:embed="rId1"/>
-          <a:stretch>
-            <a:fillRect/>
-          </a:stretch>
-        </p:blipFill>
-        <p:spPr>
-          <a:xfrm>
-            <a:off x="450850" y="386080"/>
-            <a:ext cx="7600315" cy="6472555"/>
-          </a:xfrm>
-          <a:prstGeom prst="rect">
-            <a:avLst/>
-          </a:prstGeom>
-        </p:spPr>
-      </p:pic>
-      <p:pic>
-        <p:nvPicPr>
-          <p:cNvPr id="3" name="图片 2"/>
-          <p:cNvPicPr>
-            <a:picLocks noChangeAspect="1"/>
-          </p:cNvPicPr>
-          <p:nvPr/>
-        </p:nvPicPr>
-        <p:blipFill>
-          <a:blip r:embed="rId2"/>
-          <a:stretch>
-            <a:fillRect/>
-          </a:stretch>
-        </p:blipFill>
-        <p:spPr>
-          <a:xfrm>
-            <a:off x="8187690" y="1034415"/>
-            <a:ext cx="3877945" cy="828675"/>
-          </a:xfrm>
-          <a:prstGeom prst="rect">
-            <a:avLst/>
-          </a:prstGeom>
-        </p:spPr>
-      </p:pic>
-      <p:sp>
-        <p:nvSpPr>
-          <p:cNvPr id="5" name="文本框 4"/>
-          <p:cNvSpPr txBox="1"/>
-          <p:nvPr/>
-        </p:nvSpPr>
-        <p:spPr>
-          <a:xfrm>
-            <a:off x="9792970" y="574040"/>
-            <a:ext cx="667385" cy="460375"/>
-          </a:xfrm>
-          <a:prstGeom prst="rect">
-            <a:avLst/>
-          </a:prstGeom>
-          <a:noFill/>
-        </p:spPr>
-        <p:txBody>
-          <a:bodyPr wrap="none" rtlCol="0">
-            <a:spAutoFit/>
-          </a:bodyPr>
-          <a:p>
-            <a:r>
-              <a:rPr lang="en-US" altLang="zh-CN" sz="2400" b="1"/>
-              <a:t>Min</a:t>
-            </a:r>
-            <a:endParaRPr lang="en-US" altLang="zh-CN" sz="2400" b="1"/>
-          </a:p>
-        </p:txBody>
-      </p:sp>
-      <p:pic>
-        <p:nvPicPr>
-          <p:cNvPr id="6" name="图片 5"/>
-          <p:cNvPicPr>
-            <a:picLocks noChangeAspect="1"/>
-          </p:cNvPicPr>
-          <p:nvPr/>
-        </p:nvPicPr>
-        <p:blipFill>
-          <a:blip r:embed="rId3"/>
-          <a:stretch>
-            <a:fillRect/>
-          </a:stretch>
-        </p:blipFill>
-        <p:spPr>
-          <a:xfrm>
-            <a:off x="8138160" y="2397760"/>
-            <a:ext cx="3977005" cy="981075"/>
-          </a:xfrm>
-          <a:prstGeom prst="rect">
-            <a:avLst/>
-          </a:prstGeom>
-        </p:spPr>
-      </p:pic>
-      <p:sp>
-        <p:nvSpPr>
-          <p:cNvPr id="7" name="文本框 6"/>
-          <p:cNvSpPr txBox="1"/>
-          <p:nvPr/>
-        </p:nvSpPr>
-        <p:spPr>
-          <a:xfrm>
-            <a:off x="9616440" y="2012950"/>
-            <a:ext cx="1024890" cy="384810"/>
-          </a:xfrm>
-          <a:prstGeom prst="rect">
-            <a:avLst/>
-          </a:prstGeom>
-          <a:noFill/>
-        </p:spPr>
-        <p:txBody>
-          <a:bodyPr wrap="none" rtlCol="0">
-            <a:spAutoFit/>
-          </a:bodyPr>
-          <a:p>
-            <a:r>
-              <a:rPr lang="zh-CN" altLang="en-US" b="1"/>
-              <a:t>对α求导</a:t>
-            </a:r>
-            <a:endParaRPr lang="zh-CN" altLang="en-US" b="1"/>
-          </a:p>
-        </p:txBody>
-      </p:sp>
-      <p:pic>
-        <p:nvPicPr>
-          <p:cNvPr id="8" name="图片 7"/>
-          <p:cNvPicPr>
-            <a:picLocks noChangeAspect="1"/>
-          </p:cNvPicPr>
-          <p:nvPr/>
-        </p:nvPicPr>
-        <p:blipFill>
-          <a:blip r:embed="rId4"/>
-          <a:stretch>
-            <a:fillRect/>
-          </a:stretch>
-        </p:blipFill>
-        <p:spPr>
-          <a:xfrm>
-            <a:off x="8970010" y="3427095"/>
-            <a:ext cx="2314575" cy="390525"/>
-          </a:xfrm>
-          <a:prstGeom prst="rect">
-            <a:avLst/>
-          </a:prstGeom>
-        </p:spPr>
-      </p:pic>
-      <p:pic>
-        <p:nvPicPr>
-          <p:cNvPr id="9" name="图片 8"/>
-          <p:cNvPicPr>
-            <a:picLocks noChangeAspect="1"/>
-          </p:cNvPicPr>
-          <p:nvPr/>
-        </p:nvPicPr>
-        <p:blipFill>
-          <a:blip r:embed="rId5"/>
-          <a:stretch>
-            <a:fillRect/>
-          </a:stretch>
-        </p:blipFill>
-        <p:spPr>
-          <a:xfrm>
-            <a:off x="8902065" y="4679315"/>
-            <a:ext cx="2447925" cy="619125"/>
-          </a:xfrm>
-          <a:prstGeom prst="rect">
-            <a:avLst/>
-          </a:prstGeom>
-        </p:spPr>
-      </p:pic>
-      <p:pic>
-        <p:nvPicPr>
-          <p:cNvPr id="10" name="图片 9"/>
-          <p:cNvPicPr>
-            <a:picLocks noChangeAspect="1"/>
-          </p:cNvPicPr>
-          <p:nvPr/>
-        </p:nvPicPr>
-        <p:blipFill>
-          <a:blip r:embed="rId6"/>
-          <a:stretch>
-            <a:fillRect/>
-          </a:stretch>
-        </p:blipFill>
-        <p:spPr>
-          <a:xfrm>
-            <a:off x="9221470" y="3817620"/>
-            <a:ext cx="1809750" cy="371475"/>
-          </a:xfrm>
-          <a:prstGeom prst="rect">
-            <a:avLst/>
-          </a:prstGeom>
-        </p:spPr>
-      </p:pic>
-      <p:cxnSp>
-        <p:nvCxnSpPr>
-          <p:cNvPr id="11" name="直接箭头连接符 10"/>
-          <p:cNvCxnSpPr/>
-          <p:nvPr/>
-        </p:nvCxnSpPr>
-        <p:spPr>
-          <a:xfrm flipH="1" flipV="1">
-            <a:off x="5481955" y="3172460"/>
-            <a:ext cx="3291840" cy="1602740"/>
-          </a:xfrm>
-          <a:prstGeom prst="straightConnector1">
-            <a:avLst/>
-          </a:prstGeom>
-          <a:ln>
-            <a:tailEnd type="arrow"/>
-          </a:ln>
-        </p:spPr>
-        <p:style>
-          <a:lnRef idx="1">
-            <a:schemeClr val="accent1"/>
-          </a:lnRef>
-          <a:fillRef idx="0">
-            <a:schemeClr val="accent1"/>
-          </a:fillRef>
-          <a:effectRef idx="0">
-            <a:schemeClr val="accent1"/>
-          </a:effectRef>
-          <a:fontRef idx="minor">
-            <a:schemeClr val="tx1"/>
-          </a:fontRef>
-        </p:style>
-      </p:cxnSp>
-    </p:spTree>
-  </p:cSld>
-  <p:clrMapOvr>
-    <a:masterClrMapping/>
-  </p:clrMapOvr>
-</p:sld>
-</file>
-
-<file path=ppt/slides/slide27.xml><?xml version="1.0" encoding="utf-8"?>
-<p:sld xmlns:a="http://schemas.openxmlformats.org/drawingml/2006/main" xmlns:r="http://schemas.openxmlformats.org/officeDocument/2006/relationships" xmlns:p="http://schemas.openxmlformats.org/presentationml/2006/main">
-  <p:cSld>
-    <p:spTree>
-      <p:nvGrpSpPr>
-        <p:cNvPr id="1" name=""/>
-        <p:cNvGrpSpPr/>
-        <p:nvPr/>
-      </p:nvGrpSpPr>
-      <p:grpSpPr/>
-      <p:sp>
-        <p:nvSpPr>
-          <p:cNvPr id="2" name="文本框 1"/>
-          <p:cNvSpPr txBox="1"/>
-          <p:nvPr/>
-        </p:nvSpPr>
-        <p:spPr>
-          <a:xfrm>
-            <a:off x="597535" y="720090"/>
-            <a:ext cx="2316480" cy="483235"/>
-          </a:xfrm>
-          <a:prstGeom prst="rect">
-            <a:avLst/>
-          </a:prstGeom>
-          <a:noFill/>
-        </p:spPr>
-        <p:txBody>
-          <a:bodyPr wrap="none" rtlCol="0">
-            <a:spAutoFit/>
-          </a:bodyPr>
-          <a:p>
-            <a:r>
-              <a:rPr lang="zh-CN" altLang="en-US" sz="2400"/>
-              <a:t>两个变量的选择</a:t>
-            </a:r>
-            <a:endParaRPr lang="zh-CN" altLang="en-US" sz="2400"/>
-          </a:p>
-        </p:txBody>
-      </p:sp>
-      <p:pic>
-        <p:nvPicPr>
-          <p:cNvPr id="4" name="图片 3"/>
-          <p:cNvPicPr>
-            <a:picLocks noChangeAspect="1"/>
-          </p:cNvPicPr>
-          <p:nvPr/>
-        </p:nvPicPr>
-        <p:blipFill>
-          <a:blip r:embed="rId1"/>
-          <a:stretch>
-            <a:fillRect/>
-          </a:stretch>
-        </p:blipFill>
-        <p:spPr>
-          <a:xfrm>
-            <a:off x="2818765" y="1856105"/>
-            <a:ext cx="1990725" cy="390525"/>
-          </a:xfrm>
-          <a:prstGeom prst="rect">
-            <a:avLst/>
-          </a:prstGeom>
-        </p:spPr>
-      </p:pic>
-      <p:pic>
-        <p:nvPicPr>
-          <p:cNvPr id="5" name="图片 4"/>
-          <p:cNvPicPr>
-            <a:picLocks noChangeAspect="1"/>
-          </p:cNvPicPr>
-          <p:nvPr/>
-        </p:nvPicPr>
-        <p:blipFill>
-          <a:blip r:embed="rId2"/>
-          <a:stretch>
-            <a:fillRect/>
-          </a:stretch>
-        </p:blipFill>
-        <p:spPr>
-          <a:xfrm>
-            <a:off x="2670810" y="2246630"/>
-            <a:ext cx="2286000" cy="1000125"/>
-          </a:xfrm>
-          <a:prstGeom prst="rect">
-            <a:avLst/>
-          </a:prstGeom>
-        </p:spPr>
-      </p:pic>
-      <p:pic>
-        <p:nvPicPr>
-          <p:cNvPr id="6" name="图片 5"/>
-          <p:cNvPicPr>
-            <a:picLocks noChangeAspect="1"/>
-          </p:cNvPicPr>
-          <p:nvPr/>
-        </p:nvPicPr>
-        <p:blipFill>
-          <a:blip r:embed="rId3"/>
-          <a:stretch>
-            <a:fillRect/>
-          </a:stretch>
-        </p:blipFill>
-        <p:spPr>
-          <a:xfrm>
-            <a:off x="2199640" y="3246755"/>
-            <a:ext cx="3228340" cy="581025"/>
-          </a:xfrm>
-          <a:prstGeom prst="rect">
-            <a:avLst/>
-          </a:prstGeom>
-        </p:spPr>
-      </p:pic>
-      <p:pic>
-        <p:nvPicPr>
-          <p:cNvPr id="7" name="图片 6"/>
-          <p:cNvPicPr>
-            <a:picLocks noChangeAspect="1"/>
-          </p:cNvPicPr>
-          <p:nvPr/>
-        </p:nvPicPr>
-        <p:blipFill>
-          <a:blip r:embed="rId4"/>
-          <a:stretch>
-            <a:fillRect/>
-          </a:stretch>
-        </p:blipFill>
-        <p:spPr>
-          <a:xfrm>
-            <a:off x="597535" y="4048125"/>
-            <a:ext cx="7552690" cy="1209675"/>
-          </a:xfrm>
-          <a:prstGeom prst="rect">
-            <a:avLst/>
-          </a:prstGeom>
-        </p:spPr>
-      </p:pic>
-      <p:sp>
-        <p:nvSpPr>
-          <p:cNvPr id="8" name="文本框 7"/>
-          <p:cNvSpPr txBox="1"/>
-          <p:nvPr/>
-        </p:nvSpPr>
-        <p:spPr>
-          <a:xfrm>
-            <a:off x="597535" y="1280795"/>
-            <a:ext cx="2592070" cy="417830"/>
-          </a:xfrm>
-          <a:prstGeom prst="rect">
-            <a:avLst/>
-          </a:prstGeom>
-          <a:noFill/>
-        </p:spPr>
-        <p:txBody>
-          <a:bodyPr wrap="none" rtlCol="0">
-            <a:spAutoFit/>
-          </a:bodyPr>
-          <a:p>
-            <a:r>
-              <a:rPr lang="en-US" altLang="zh-CN" sz="2000"/>
-              <a:t>1. </a:t>
-            </a:r>
-            <a:r>
-              <a:rPr lang="zh-CN" altLang="en-US" sz="2000"/>
-              <a:t>第</a:t>
-            </a:r>
-            <a:r>
-              <a:rPr lang="en-US" altLang="zh-CN" sz="2000"/>
-              <a:t>1</a:t>
-            </a:r>
-            <a:r>
-              <a:rPr lang="zh-CN" altLang="en-US" sz="2000"/>
-              <a:t>个变量的选择：</a:t>
-            </a:r>
-            <a:endParaRPr lang="zh-CN" altLang="en-US" sz="2000"/>
-          </a:p>
-        </p:txBody>
-      </p:sp>
-      <p:sp>
-        <p:nvSpPr>
-          <p:cNvPr id="9" name="文本框 8"/>
-          <p:cNvSpPr txBox="1"/>
-          <p:nvPr/>
-        </p:nvSpPr>
-        <p:spPr>
-          <a:xfrm>
-            <a:off x="1054735" y="2433320"/>
-            <a:ext cx="1212215" cy="384810"/>
-          </a:xfrm>
-          <a:prstGeom prst="rect">
-            <a:avLst/>
-          </a:prstGeom>
-          <a:noFill/>
-        </p:spPr>
-        <p:txBody>
-          <a:bodyPr wrap="none" rtlCol="0">
-            <a:spAutoFit/>
-          </a:bodyPr>
-          <a:p>
-            <a:r>
-              <a:rPr lang="en-US" altLang="zh-CN" b="1"/>
-              <a:t>KKT</a:t>
-            </a:r>
-            <a:r>
-              <a:rPr lang="zh-CN" altLang="en-US" b="1"/>
-              <a:t>条件：</a:t>
-            </a:r>
-            <a:endParaRPr lang="zh-CN" altLang="en-US" b="1"/>
-          </a:p>
-        </p:txBody>
-      </p:sp>
-      <p:sp>
-        <p:nvSpPr>
-          <p:cNvPr id="10" name="文本框 9"/>
-          <p:cNvSpPr txBox="1"/>
-          <p:nvPr/>
-        </p:nvSpPr>
-        <p:spPr>
-          <a:xfrm>
-            <a:off x="5427980" y="2616835"/>
-            <a:ext cx="1443990" cy="384810"/>
-          </a:xfrm>
-          <a:prstGeom prst="rect">
-            <a:avLst/>
-          </a:prstGeom>
-          <a:noFill/>
-        </p:spPr>
-        <p:txBody>
-          <a:bodyPr wrap="none" rtlCol="0">
-            <a:spAutoFit/>
-          </a:bodyPr>
-          <a:p>
-            <a:r>
-              <a:rPr lang="zh-CN" altLang="en-US"/>
-              <a:t>由</a:t>
-            </a:r>
-            <a:r>
-              <a:rPr lang="en-US" altLang="zh-CN"/>
-              <a:t>111</a:t>
-            </a:r>
-            <a:r>
-              <a:rPr lang="zh-CN" altLang="en-US"/>
-              <a:t>页推导</a:t>
-            </a:r>
-            <a:endParaRPr lang="zh-CN" altLang="en-US"/>
-          </a:p>
-        </p:txBody>
-      </p:sp>
-    </p:spTree>
-  </p:cSld>
-  <p:clrMapOvr>
-    <a:masterClrMapping/>
-  </p:clrMapOvr>
-</p:sld>
-</file>
-
-<file path=ppt/slides/slide28.xml><?xml version="1.0" encoding="utf-8"?>
-<p:sld xmlns:a="http://schemas.openxmlformats.org/drawingml/2006/main" xmlns:r="http://schemas.openxmlformats.org/officeDocument/2006/relationships" xmlns:p="http://schemas.openxmlformats.org/presentationml/2006/main">
-  <p:cSld>
-    <p:spTree>
-      <p:nvGrpSpPr>
-        <p:cNvPr id="1" name=""/>
-        <p:cNvGrpSpPr/>
-        <p:nvPr/>
-      </p:nvGrpSpPr>
-      <p:grpSpPr/>
-      <p:sp>
-        <p:nvSpPr>
-          <p:cNvPr id="2" name="文本框 1"/>
-          <p:cNvSpPr txBox="1"/>
-          <p:nvPr/>
-        </p:nvSpPr>
-        <p:spPr>
-          <a:xfrm>
-            <a:off x="666115" y="846455"/>
-            <a:ext cx="2592070" cy="417830"/>
-          </a:xfrm>
-          <a:prstGeom prst="rect">
-            <a:avLst/>
-          </a:prstGeom>
-          <a:noFill/>
-        </p:spPr>
-        <p:txBody>
-          <a:bodyPr wrap="none" rtlCol="0">
-            <a:spAutoFit/>
-          </a:bodyPr>
-          <a:p>
-            <a:r>
-              <a:rPr lang="en-US" altLang="zh-CN" sz="2000"/>
-              <a:t>2. </a:t>
-            </a:r>
-            <a:r>
-              <a:rPr lang="zh-CN" altLang="en-US" sz="2000"/>
-              <a:t>第</a:t>
-            </a:r>
-            <a:r>
-              <a:rPr lang="en-US" altLang="zh-CN" sz="2000"/>
-              <a:t>2</a:t>
-            </a:r>
-            <a:r>
-              <a:rPr lang="zh-CN" altLang="en-US" sz="2000"/>
-              <a:t>个变量的选择：</a:t>
-            </a:r>
-            <a:endParaRPr lang="zh-CN" altLang="en-US" sz="2000"/>
-          </a:p>
-        </p:txBody>
-      </p:sp>
-      <p:sp>
-        <p:nvSpPr>
-          <p:cNvPr id="3" name="文本框 2"/>
-          <p:cNvSpPr txBox="1"/>
-          <p:nvPr/>
-        </p:nvSpPr>
-        <p:spPr>
-          <a:xfrm>
-            <a:off x="996315" y="1385570"/>
-            <a:ext cx="3307080" cy="384810"/>
-          </a:xfrm>
-          <a:prstGeom prst="rect">
-            <a:avLst/>
-          </a:prstGeom>
-          <a:noFill/>
-        </p:spPr>
-        <p:txBody>
-          <a:bodyPr wrap="none" rtlCol="0">
-            <a:spAutoFit/>
-          </a:bodyPr>
-          <a:p>
-            <a:pPr algn="ctr"/>
-            <a:r>
-              <a:rPr lang="zh-CN" altLang="en-US"/>
-              <a:t>选择标准是是α有足够大的变化</a:t>
-            </a:r>
-            <a:endParaRPr lang="zh-CN" altLang="en-US"/>
-          </a:p>
-        </p:txBody>
-      </p:sp>
-      <p:pic>
-        <p:nvPicPr>
-          <p:cNvPr id="4" name="图片 3"/>
-          <p:cNvPicPr>
-            <a:picLocks noChangeAspect="1"/>
-          </p:cNvPicPr>
-          <p:nvPr/>
-        </p:nvPicPr>
-        <p:blipFill>
-          <a:blip r:embed="rId1"/>
-          <a:stretch>
-            <a:fillRect/>
-          </a:stretch>
-        </p:blipFill>
-        <p:spPr>
-          <a:xfrm>
-            <a:off x="996315" y="1891665"/>
-            <a:ext cx="2419350" cy="600075"/>
-          </a:xfrm>
-          <a:prstGeom prst="rect">
-            <a:avLst/>
-          </a:prstGeom>
-        </p:spPr>
-      </p:pic>
-      <p:sp>
-        <p:nvSpPr>
-          <p:cNvPr id="5" name="文本框 4"/>
-          <p:cNvSpPr txBox="1"/>
-          <p:nvPr/>
-        </p:nvSpPr>
-        <p:spPr>
-          <a:xfrm>
-            <a:off x="996315" y="2661920"/>
-            <a:ext cx="3199130" cy="384810"/>
-          </a:xfrm>
-          <a:prstGeom prst="rect">
-            <a:avLst/>
-          </a:prstGeom>
-          <a:noFill/>
-        </p:spPr>
-        <p:txBody>
-          <a:bodyPr wrap="none" rtlCol="0">
-            <a:spAutoFit/>
-          </a:bodyPr>
-          <a:p>
-            <a:pPr algn="l"/>
-            <a:r>
-              <a:rPr lang="en-US" altLang="zh-CN">
-                <a:sym typeface="+mn-ea"/>
-              </a:rPr>
-              <a:t>E1</a:t>
-            </a:r>
-            <a:r>
-              <a:rPr lang="zh-CN" altLang="en-US">
-                <a:sym typeface="+mn-ea"/>
-              </a:rPr>
-              <a:t>已经确定，需要</a:t>
-            </a:r>
-            <a:r>
-              <a:rPr lang="en-US" altLang="zh-CN">
-                <a:sym typeface="+mn-ea"/>
-              </a:rPr>
-              <a:t>|E1-E2|</a:t>
-            </a:r>
-            <a:r>
-              <a:rPr lang="zh-CN" altLang="en-US">
-                <a:sym typeface="+mn-ea"/>
-              </a:rPr>
-              <a:t>最大</a:t>
-            </a:r>
-            <a:endParaRPr lang="zh-CN" altLang="en-US"/>
-          </a:p>
-        </p:txBody>
-      </p:sp>
-      <p:sp>
-        <p:nvSpPr>
-          <p:cNvPr id="6" name="文本框 5"/>
-          <p:cNvSpPr txBox="1"/>
-          <p:nvPr/>
-        </p:nvSpPr>
-        <p:spPr>
-          <a:xfrm>
-            <a:off x="666115" y="3236595"/>
-            <a:ext cx="2775585" cy="417830"/>
-          </a:xfrm>
-          <a:prstGeom prst="rect">
-            <a:avLst/>
-          </a:prstGeom>
-          <a:noFill/>
-        </p:spPr>
-        <p:txBody>
-          <a:bodyPr wrap="none" rtlCol="0">
-            <a:spAutoFit/>
-          </a:bodyPr>
-          <a:p>
-            <a:r>
-              <a:rPr lang="en-US" altLang="zh-CN" sz="2000"/>
-              <a:t>3. </a:t>
-            </a:r>
-            <a:r>
-              <a:rPr lang="zh-CN" altLang="en-US" sz="2000"/>
-              <a:t>计算阈值</a:t>
-            </a:r>
-            <a:r>
-              <a:rPr lang="en-US" altLang="zh-CN" sz="2000"/>
-              <a:t>b</a:t>
-            </a:r>
-            <a:r>
-              <a:rPr lang="zh-CN" altLang="en-US" sz="2000"/>
-              <a:t>和差值</a:t>
-            </a:r>
-            <a:r>
-              <a:rPr lang="en-US" altLang="zh-CN" sz="2000"/>
-              <a:t>Ei</a:t>
-            </a:r>
-            <a:r>
-              <a:rPr lang="zh-CN" altLang="en-US" sz="2000"/>
-              <a:t>：</a:t>
-            </a:r>
-            <a:endParaRPr lang="zh-CN" altLang="en-US" sz="2000"/>
-          </a:p>
-        </p:txBody>
-      </p:sp>
-      <p:sp>
-        <p:nvSpPr>
-          <p:cNvPr id="7" name="文本框 6"/>
-          <p:cNvSpPr txBox="1"/>
-          <p:nvPr/>
-        </p:nvSpPr>
-        <p:spPr>
-          <a:xfrm>
-            <a:off x="996315" y="3723005"/>
-            <a:ext cx="3959225" cy="384810"/>
-          </a:xfrm>
-          <a:prstGeom prst="rect">
-            <a:avLst/>
-          </a:prstGeom>
-          <a:noFill/>
-        </p:spPr>
-        <p:txBody>
-          <a:bodyPr wrap="none" rtlCol="0">
-            <a:spAutoFit/>
-          </a:bodyPr>
-          <a:p>
-            <a:r>
-              <a:rPr lang="zh-CN" altLang="en-US"/>
-              <a:t>每次优化两个变量后，重新计算阈值</a:t>
-            </a:r>
-            <a:r>
-              <a:rPr lang="en-US" altLang="zh-CN"/>
-              <a:t>b</a:t>
-            </a:r>
-            <a:endParaRPr lang="en-US" altLang="zh-CN"/>
-          </a:p>
-        </p:txBody>
-      </p:sp>
-      <p:pic>
-        <p:nvPicPr>
-          <p:cNvPr id="9" name="图片 8"/>
-          <p:cNvPicPr>
-            <a:picLocks noChangeAspect="1"/>
-          </p:cNvPicPr>
-          <p:nvPr/>
-        </p:nvPicPr>
-        <p:blipFill>
-          <a:blip r:embed="rId2"/>
-          <a:stretch>
-            <a:fillRect/>
-          </a:stretch>
-        </p:blipFill>
-        <p:spPr>
-          <a:xfrm>
-            <a:off x="996315" y="4195445"/>
-            <a:ext cx="4018915" cy="571500"/>
-          </a:xfrm>
-          <a:prstGeom prst="rect">
-            <a:avLst/>
-          </a:prstGeom>
-        </p:spPr>
-      </p:pic>
-      <p:pic>
-        <p:nvPicPr>
-          <p:cNvPr id="10" name="图片 9"/>
-          <p:cNvPicPr>
-            <a:picLocks noChangeAspect="1"/>
-          </p:cNvPicPr>
-          <p:nvPr/>
-        </p:nvPicPr>
-        <p:blipFill>
-          <a:blip r:embed="rId3"/>
-          <a:stretch>
-            <a:fillRect/>
-          </a:stretch>
-        </p:blipFill>
-        <p:spPr>
-          <a:xfrm>
-            <a:off x="996315" y="4766945"/>
-            <a:ext cx="3056890" cy="533400"/>
-          </a:xfrm>
-          <a:prstGeom prst="rect">
-            <a:avLst/>
-          </a:prstGeom>
-        </p:spPr>
-      </p:pic>
-    </p:spTree>
-  </p:cSld>
-  <p:clrMapOvr>
-    <a:masterClrMapping/>
-  </p:clrMapOvr>
-</p:sld>
-</file>
-
-<file path=ppt/slides/slide29.xml><?xml version="1.0" encoding="utf-8"?>
-<p:sld xmlns:a="http://schemas.openxmlformats.org/drawingml/2006/main" xmlns:r="http://schemas.openxmlformats.org/officeDocument/2006/relationships" xmlns:p="http://schemas.openxmlformats.org/presentationml/2006/main">
-  <p:cSld>
-    <p:spTree>
-      <p:nvGrpSpPr>
-        <p:cNvPr id="1" name=""/>
-        <p:cNvGrpSpPr/>
-        <p:nvPr/>
-      </p:nvGrpSpPr>
-      <p:grpSpPr/>
-      <p:pic>
-        <p:nvPicPr>
-          <p:cNvPr id="2" name="图片 1"/>
-          <p:cNvPicPr>
-            <a:picLocks noChangeAspect="1"/>
-          </p:cNvPicPr>
-          <p:nvPr/>
-        </p:nvPicPr>
-        <p:blipFill>
-          <a:blip r:embed="rId1"/>
-          <a:stretch>
-            <a:fillRect/>
-          </a:stretch>
-        </p:blipFill>
-        <p:spPr>
-          <a:xfrm>
-            <a:off x="675005" y="441325"/>
-            <a:ext cx="7656830" cy="4971415"/>
-          </a:xfrm>
-          <a:prstGeom prst="rect">
-            <a:avLst/>
-          </a:prstGeom>
-        </p:spPr>
-      </p:pic>
-      <p:pic>
-        <p:nvPicPr>
-          <p:cNvPr id="4" name="图片 3"/>
-          <p:cNvPicPr>
-            <a:picLocks noChangeAspect="1"/>
-          </p:cNvPicPr>
-          <p:nvPr/>
-        </p:nvPicPr>
-        <p:blipFill>
-          <a:blip r:embed="rId2"/>
-          <a:stretch>
-            <a:fillRect/>
-          </a:stretch>
-        </p:blipFill>
-        <p:spPr>
-          <a:xfrm>
-            <a:off x="675005" y="5320665"/>
-            <a:ext cx="7619365" cy="657225"/>
-          </a:xfrm>
-          <a:prstGeom prst="rect">
-            <a:avLst/>
-          </a:prstGeom>
-        </p:spPr>
-      </p:pic>
-    </p:spTree>
-  </p:cSld>
-  <p:clrMapOvr>
-    <a:masterClrMapping/>
-  </p:clrMapOvr>
-</p:sld>
-</file>
-
-<file path=ppt/slides/slide3.xml><?xml version="1.0" encoding="utf-8"?>
+<file path=ppt/slides/slide23.xml><?xml version="1.0" encoding="utf-8"?>
 <p:sld xmlns:a="http://schemas.openxmlformats.org/drawingml/2006/main" xmlns:r="http://schemas.openxmlformats.org/officeDocument/2006/relationships" xmlns:p="http://schemas.openxmlformats.org/presentationml/2006/main">
   <p:cSld>
     <p:bg>
@@ -11974,521 +10169,11 @@
       </p:grpSpPr>
       <p:sp>
         <p:nvSpPr>
-          <p:cNvPr id="4" name="标题 5"/>
-          <p:cNvSpPr txBox="1"/>
-          <p:nvPr>
-            <p:custDataLst>
-              <p:tags r:id="rId1"/>
-            </p:custDataLst>
-          </p:nvPr>
-        </p:nvSpPr>
-        <p:spPr>
-          <a:xfrm>
-            <a:off x="3394076" y="2381251"/>
-            <a:ext cx="5262563" cy="811213"/>
-          </a:xfrm>
-          <a:prstGeom prst="rect">
-            <a:avLst/>
-          </a:prstGeom>
-        </p:spPr>
-        <p:txBody>
-          <a:bodyPr anchor="b">
-            <a:normAutofit lnSpcReduction="20000"/>
-          </a:bodyPr>
-          <a:lstStyle>
-            <a:lvl1pPr algn="ctr" defTabSz="914400" rtl="0" eaLnBrk="1" latinLnBrk="0" hangingPunct="1">
-              <a:lnSpc>
-                <a:spcPct val="90000"/>
-              </a:lnSpc>
-              <a:spcBef>
-                <a:spcPct val="0"/>
-              </a:spcBef>
-              <a:buNone/>
-              <a:defRPr sz="4000" b="1" i="0" kern="1200" baseline="0">
-                <a:solidFill>
-                  <a:schemeClr val="tx2">
-                    <a:lumMod val="75000"/>
-                  </a:schemeClr>
-                </a:solidFill>
-                <a:effectLst>
-                  <a:outerShdw dist="50800" dir="5400000" algn="t" rotWithShape="0">
-                    <a:schemeClr val="bg1">
-                      <a:alpha val="19000"/>
-                    </a:schemeClr>
-                  </a:outerShdw>
-                </a:effectLst>
-                <a:latin typeface="Arial Black" panose="020B0A04020102020204" pitchFamily="34" charset="0"/>
-                <a:ea typeface="微软雅黑" panose="020B0503020204020204" pitchFamily="34" charset="-122"/>
-                <a:cs typeface="+mj-cs"/>
-              </a:defRPr>
-            </a:lvl1pPr>
-          </a:lstStyle>
-          <a:p>
-            <a:pPr>
-              <a:lnSpc>
-                <a:spcPct val="130000"/>
-              </a:lnSpc>
-            </a:pPr>
-            <a:r>
-              <a:rPr lang="zh-CN" altLang="en-US" dirty="0" smtClean="0">
-                <a:solidFill>
-                  <a:schemeClr val="accent1">
-                    <a:lumMod val="50000"/>
-                  </a:schemeClr>
-                </a:solidFill>
-                <a:latin typeface="+mn-ea"/>
-                <a:sym typeface="+mn-ea"/>
-              </a:rPr>
-              <a:t>支持向量机简介</a:t>
-            </a:r>
-            <a:endParaRPr lang="zh-CN" altLang="en-US" dirty="0">
-              <a:solidFill>
-                <a:schemeClr val="tx1">
-                  <a:lumMod val="65000"/>
-                  <a:lumOff val="35000"/>
-                </a:schemeClr>
-              </a:solidFill>
-              <a:effectLst>
-                <a:outerShdw dist="50800" dir="5400000" algn="t" rotWithShape="0">
-                  <a:srgbClr val="FFFFFF">
-                    <a:alpha val="19000"/>
-                  </a:srgbClr>
-                </a:outerShdw>
-              </a:effectLst>
-            </a:endParaRPr>
-          </a:p>
-        </p:txBody>
-      </p:sp>
-      <p:sp>
-        <p:nvSpPr>
-          <p:cNvPr id="5" name="文本占位符 6"/>
-          <p:cNvSpPr txBox="1"/>
-          <p:nvPr>
-            <p:custDataLst>
-              <p:tags r:id="rId2"/>
-            </p:custDataLst>
-          </p:nvPr>
-        </p:nvSpPr>
-        <p:spPr>
-          <a:xfrm>
-            <a:off x="3394076" y="3371851"/>
-            <a:ext cx="5262563" cy="398463"/>
-          </a:xfrm>
-          <a:prstGeom prst="rect">
-            <a:avLst/>
-          </a:prstGeom>
-          <a:solidFill>
-            <a:schemeClr val="accent1">
-              <a:lumMod val="60000"/>
-              <a:lumOff val="40000"/>
-            </a:schemeClr>
-          </a:solidFill>
-        </p:spPr>
-        <p:txBody>
-          <a:bodyPr anchor="ctr">
-            <a:normAutofit/>
-          </a:bodyPr>
-          <a:lstStyle>
-            <a:lvl1pPr marL="0" indent="0" algn="ctr" defTabSz="914400" rtl="0" eaLnBrk="1" latinLnBrk="0" hangingPunct="1">
-              <a:lnSpc>
-                <a:spcPct val="110000"/>
-              </a:lnSpc>
-              <a:spcBef>
-                <a:spcPts val="1800"/>
-              </a:spcBef>
-              <a:spcAft>
-                <a:spcPts val="0"/>
-              </a:spcAft>
-              <a:buClr>
-                <a:schemeClr val="accent1"/>
-              </a:buClr>
-              <a:buSzPct val="60000"/>
-              <a:buFont typeface="Wingdings" panose="05000000000000000000" pitchFamily="2" charset="2"/>
-              <a:buNone/>
-              <a:defRPr sz="1600" kern="1200" baseline="0">
-                <a:solidFill>
-                  <a:schemeClr val="bg1"/>
-                </a:solidFill>
-                <a:latin typeface="Arial" panose="020B0604020202020204" pitchFamily="34" charset="0"/>
-                <a:ea typeface="微软雅黑" panose="020B0503020204020204" pitchFamily="34" charset="-122"/>
-                <a:cs typeface="+mn-cs"/>
-              </a:defRPr>
-            </a:lvl1pPr>
-            <a:lvl2pPr marL="457200" indent="0" algn="just" defTabSz="914400" rtl="0" eaLnBrk="1" latinLnBrk="0" hangingPunct="1">
-              <a:lnSpc>
-                <a:spcPct val="130000"/>
-              </a:lnSpc>
-              <a:spcBef>
-                <a:spcPts val="0"/>
-              </a:spcBef>
-              <a:spcAft>
-                <a:spcPts val="600"/>
-              </a:spcAft>
-              <a:buClr>
-                <a:schemeClr val="tx2">
-                  <a:lumMod val="60000"/>
-                  <a:lumOff val="40000"/>
-                </a:schemeClr>
-              </a:buClr>
-              <a:buFont typeface="幼圆" panose="02010509060101010101" pitchFamily="49" charset="-122"/>
-              <a:buNone/>
-              <a:defRPr sz="2000" kern="1200" baseline="0">
-                <a:solidFill>
-                  <a:schemeClr val="tx1">
-                    <a:tint val="75000"/>
-                  </a:schemeClr>
-                </a:solidFill>
-                <a:latin typeface="幼圆" panose="02010509060101010101" pitchFamily="49" charset="-122"/>
-                <a:ea typeface="幼圆" panose="02010509060101010101" pitchFamily="49" charset="-122"/>
-                <a:cs typeface="+mn-cs"/>
-              </a:defRPr>
-            </a:lvl2pPr>
-            <a:lvl3pPr marL="914400" indent="0" algn="l" defTabSz="914400" rtl="0" eaLnBrk="1" latinLnBrk="0" hangingPunct="1">
-              <a:lnSpc>
-                <a:spcPct val="90000"/>
-              </a:lnSpc>
-              <a:spcBef>
-                <a:spcPts val="500"/>
-              </a:spcBef>
-              <a:buFont typeface="Arial" panose="020B0604020202020204" pitchFamily="34" charset="0"/>
-              <a:buNone/>
-              <a:defRPr sz="1800" kern="1200">
-                <a:solidFill>
-                  <a:schemeClr val="tx1">
-                    <a:tint val="75000"/>
-                  </a:schemeClr>
-                </a:solidFill>
-                <a:latin typeface="+mn-lt"/>
-                <a:ea typeface="+mn-ea"/>
-                <a:cs typeface="+mn-cs"/>
-              </a:defRPr>
-            </a:lvl3pPr>
-            <a:lvl4pPr marL="1371600" indent="0" algn="l" defTabSz="914400" rtl="0" eaLnBrk="1" latinLnBrk="0" hangingPunct="1">
-              <a:lnSpc>
-                <a:spcPct val="90000"/>
-              </a:lnSpc>
-              <a:spcBef>
-                <a:spcPts val="500"/>
-              </a:spcBef>
-              <a:buFont typeface="Arial" panose="020B0604020202020204" pitchFamily="34" charset="0"/>
-              <a:buNone/>
-              <a:defRPr sz="1600" kern="1200">
-                <a:solidFill>
-                  <a:schemeClr val="tx1">
-                    <a:tint val="75000"/>
-                  </a:schemeClr>
-                </a:solidFill>
-                <a:latin typeface="+mn-lt"/>
-                <a:ea typeface="+mn-ea"/>
-                <a:cs typeface="+mn-cs"/>
-              </a:defRPr>
-            </a:lvl4pPr>
-            <a:lvl5pPr marL="1828800" indent="0" algn="l" defTabSz="914400" rtl="0" eaLnBrk="1" latinLnBrk="0" hangingPunct="1">
-              <a:lnSpc>
-                <a:spcPct val="90000"/>
-              </a:lnSpc>
-              <a:spcBef>
-                <a:spcPts val="500"/>
-              </a:spcBef>
-              <a:buFont typeface="Arial" panose="020B0604020202020204" pitchFamily="34" charset="0"/>
-              <a:buNone/>
-              <a:defRPr sz="1600" kern="1200">
-                <a:solidFill>
-                  <a:schemeClr val="tx1">
-                    <a:tint val="75000"/>
-                  </a:schemeClr>
-                </a:solidFill>
-                <a:latin typeface="+mn-lt"/>
-                <a:ea typeface="+mn-ea"/>
-                <a:cs typeface="+mn-cs"/>
-              </a:defRPr>
-            </a:lvl5pPr>
-            <a:lvl6pPr marL="2286000" indent="0" algn="l" defTabSz="914400" rtl="0" eaLnBrk="1" latinLnBrk="0" hangingPunct="1">
-              <a:lnSpc>
-                <a:spcPct val="90000"/>
-              </a:lnSpc>
-              <a:spcBef>
-                <a:spcPts val="500"/>
-              </a:spcBef>
-              <a:buFont typeface="Arial" panose="020B0604020202020204" pitchFamily="34" charset="0"/>
-              <a:buNone/>
-              <a:defRPr sz="1600" kern="1200">
-                <a:solidFill>
-                  <a:schemeClr val="tx1">
-                    <a:tint val="75000"/>
-                  </a:schemeClr>
-                </a:solidFill>
-                <a:latin typeface="+mn-lt"/>
-                <a:ea typeface="+mn-ea"/>
-                <a:cs typeface="+mn-cs"/>
-              </a:defRPr>
-            </a:lvl6pPr>
-            <a:lvl7pPr marL="2743200" indent="0" algn="l" defTabSz="914400" rtl="0" eaLnBrk="1" latinLnBrk="0" hangingPunct="1">
-              <a:lnSpc>
-                <a:spcPct val="90000"/>
-              </a:lnSpc>
-              <a:spcBef>
-                <a:spcPts val="500"/>
-              </a:spcBef>
-              <a:buFont typeface="Arial" panose="020B0604020202020204" pitchFamily="34" charset="0"/>
-              <a:buNone/>
-              <a:defRPr sz="1600" kern="1200">
-                <a:solidFill>
-                  <a:schemeClr val="tx1">
-                    <a:tint val="75000"/>
-                  </a:schemeClr>
-                </a:solidFill>
-                <a:latin typeface="+mn-lt"/>
-                <a:ea typeface="+mn-ea"/>
-                <a:cs typeface="+mn-cs"/>
-              </a:defRPr>
-            </a:lvl7pPr>
-            <a:lvl8pPr marL="3200400" indent="0" algn="l" defTabSz="914400" rtl="0" eaLnBrk="1" latinLnBrk="0" hangingPunct="1">
-              <a:lnSpc>
-                <a:spcPct val="90000"/>
-              </a:lnSpc>
-              <a:spcBef>
-                <a:spcPts val="500"/>
-              </a:spcBef>
-              <a:buFont typeface="Arial" panose="020B0604020202020204" pitchFamily="34" charset="0"/>
-              <a:buNone/>
-              <a:defRPr sz="1600" kern="1200">
-                <a:solidFill>
-                  <a:schemeClr val="tx1">
-                    <a:tint val="75000"/>
-                  </a:schemeClr>
-                </a:solidFill>
-                <a:latin typeface="+mn-lt"/>
-                <a:ea typeface="+mn-ea"/>
-                <a:cs typeface="+mn-cs"/>
-              </a:defRPr>
-            </a:lvl8pPr>
-            <a:lvl9pPr marL="3657600" indent="0" algn="l" defTabSz="914400" rtl="0" eaLnBrk="1" latinLnBrk="0" hangingPunct="1">
-              <a:lnSpc>
-                <a:spcPct val="90000"/>
-              </a:lnSpc>
-              <a:spcBef>
-                <a:spcPts val="500"/>
-              </a:spcBef>
-              <a:buFont typeface="Arial" panose="020B0604020202020204" pitchFamily="34" charset="0"/>
-              <a:buNone/>
-              <a:defRPr sz="1600" kern="1200">
-                <a:solidFill>
-                  <a:schemeClr val="tx1">
-                    <a:tint val="75000"/>
-                  </a:schemeClr>
-                </a:solidFill>
-                <a:latin typeface="+mn-lt"/>
-                <a:ea typeface="+mn-ea"/>
-                <a:cs typeface="+mn-cs"/>
-              </a:defRPr>
-            </a:lvl9pPr>
-          </a:lstStyle>
-          <a:p>
-            <a:r>
-              <a:rPr lang="zh-CN" altLang="en-US" dirty="0"/>
-              <a:t>支持向量机的相关概念</a:t>
-            </a:r>
-            <a:endParaRPr lang="zh-CN" altLang="en-US" dirty="0"/>
-          </a:p>
-        </p:txBody>
-      </p:sp>
-      <p:sp>
-        <p:nvSpPr>
-          <p:cNvPr id="10" name="椭圆 9">
-            <a:hlinkClick r:id="" action="ppaction://hlinkshowjump?jump=nextslide"/>
-          </p:cNvPr>
-          <p:cNvSpPr/>
-          <p:nvPr>
-            <p:custDataLst>
-              <p:tags r:id="rId3"/>
-            </p:custDataLst>
-          </p:nvPr>
-        </p:nvSpPr>
-        <p:spPr bwMode="auto">
-          <a:xfrm>
-            <a:off x="5781676" y="4025901"/>
-            <a:ext cx="487363" cy="487363"/>
-          </a:xfrm>
-          <a:prstGeom prst="ellipse">
-            <a:avLst/>
-          </a:prstGeom>
-          <a:solidFill>
-            <a:srgbClr val="B0B2B5"/>
-          </a:solidFill>
-          <a:ln w="12700" cap="flat" cmpd="sng" algn="ctr">
-            <a:noFill/>
-            <a:prstDash val="solid"/>
-            <a:miter lim="800000"/>
-          </a:ln>
-          <a:effectLst>
-            <a:outerShdw dist="25400" dir="5400000" algn="t" rotWithShape="0">
-              <a:srgbClr val="FFFFFF">
-                <a:alpha val="37000"/>
-              </a:srgbClr>
-            </a:outerShdw>
-          </a:effectLst>
-        </p:spPr>
-        <p:txBody>
-          <a:bodyPr anchor="ctr"/>
-          <a:lstStyle/>
-          <a:p>
-            <a:pPr algn="ctr">
-              <a:defRPr/>
-            </a:pPr>
-            <a:endParaRPr lang="zh-CN" altLang="en-US" kern="0">
-              <a:solidFill>
-                <a:schemeClr val="bg1">
-                  <a:lumMod val="65000"/>
-                </a:schemeClr>
-              </a:solidFill>
-              <a:latin typeface="Calibri" panose="020F0502020204030204"/>
-              <a:ea typeface="幼圆"/>
-            </a:endParaRPr>
-          </a:p>
-        </p:txBody>
-      </p:sp>
-      <p:sp>
-        <p:nvSpPr>
-          <p:cNvPr id="11" name="燕尾形 10">
-            <a:hlinkClick r:id="" action="ppaction://hlinkshowjump?jump=nextslide"/>
-          </p:cNvPr>
-          <p:cNvSpPr/>
-          <p:nvPr>
-            <p:custDataLst>
-              <p:tags r:id="rId4"/>
-            </p:custDataLst>
-          </p:nvPr>
-        </p:nvSpPr>
-        <p:spPr bwMode="auto">
-          <a:xfrm>
-            <a:off x="5937251" y="4178300"/>
-            <a:ext cx="176213" cy="204788"/>
-          </a:xfrm>
-          <a:prstGeom prst="chevron">
-            <a:avLst>
-              <a:gd name="adj" fmla="val 61752"/>
-            </a:avLst>
-          </a:prstGeom>
-          <a:solidFill>
-            <a:srgbClr val="FFFFFF"/>
-          </a:solidFill>
-          <a:ln w="12700" cap="flat" cmpd="sng" algn="ctr">
-            <a:noFill/>
-            <a:prstDash val="solid"/>
-            <a:miter lim="800000"/>
-          </a:ln>
-          <a:effectLst/>
-        </p:spPr>
-        <p:txBody>
-          <a:bodyPr anchor="ctr"/>
-          <a:lstStyle/>
-          <a:p>
-            <a:pPr algn="ctr">
-              <a:defRPr/>
-            </a:pPr>
-            <a:endParaRPr lang="zh-CN" altLang="en-US" kern="0">
-              <a:solidFill>
-                <a:srgbClr val="3D3F41"/>
-              </a:solidFill>
-              <a:latin typeface="Calibri" panose="020F0502020204030204"/>
-              <a:ea typeface="幼圆"/>
-            </a:endParaRPr>
-          </a:p>
-        </p:txBody>
-      </p:sp>
-    </p:spTree>
-    <p:custDataLst>
-      <p:tags r:id="rId5"/>
-    </p:custDataLst>
-  </p:cSld>
-  <p:clrMapOvr>
-    <a:masterClrMapping/>
-  </p:clrMapOvr>
-  <p:timing>
-    <p:tnLst>
-      <p:par>
-        <p:cTn id="1" dur="indefinite" restart="never" nodeType="tmRoot"/>
-      </p:par>
-    </p:tnLst>
-  </p:timing>
-</p:sld>
-</file>
-
-<file path=ppt/slides/slide30.xml><?xml version="1.0" encoding="utf-8"?>
-<p:sld xmlns:a="http://schemas.openxmlformats.org/drawingml/2006/main" xmlns:r="http://schemas.openxmlformats.org/officeDocument/2006/relationships" xmlns:p="http://schemas.openxmlformats.org/presentationml/2006/main">
-  <p:cSld>
-    <p:spTree>
-      <p:nvGrpSpPr>
-        <p:cNvPr id="1" name=""/>
-        <p:cNvGrpSpPr/>
-        <p:nvPr/>
-      </p:nvGrpSpPr>
-      <p:grpSpPr/>
-      <p:pic>
-        <p:nvPicPr>
-          <p:cNvPr id="3" name="图片 2"/>
-          <p:cNvPicPr>
-            <a:picLocks noChangeAspect="1"/>
-          </p:cNvPicPr>
-          <p:nvPr/>
-        </p:nvPicPr>
-        <p:blipFill>
-          <a:blip r:embed="rId1"/>
-          <a:stretch>
-            <a:fillRect/>
-          </a:stretch>
-        </p:blipFill>
-        <p:spPr>
-          <a:xfrm>
-            <a:off x="1113155" y="461645"/>
-            <a:ext cx="7400290" cy="6252845"/>
-          </a:xfrm>
-          <a:prstGeom prst="rect">
-            <a:avLst/>
-          </a:prstGeom>
-        </p:spPr>
-      </p:pic>
-    </p:spTree>
-  </p:cSld>
-  <p:clrMapOvr>
-    <a:masterClrMapping/>
-  </p:clrMapOvr>
-</p:sld>
-</file>
-
-<file path=ppt/slides/slide31.xml><?xml version="1.0" encoding="utf-8"?>
-<p:sld xmlns:a="http://schemas.openxmlformats.org/drawingml/2006/main" xmlns:r="http://schemas.openxmlformats.org/officeDocument/2006/relationships" xmlns:p="http://schemas.openxmlformats.org/presentationml/2006/main">
-  <p:cSld>
-    <p:bg>
-      <p:bgPr>
-        <a:solidFill>
-          <a:srgbClr val="F7F7F8"/>
-        </a:solidFill>
-        <a:effectLst/>
-      </p:bgPr>
-    </p:bg>
-    <p:spTree>
-      <p:nvGrpSpPr>
-        <p:cNvPr id="1" name=""/>
-        <p:cNvGrpSpPr/>
-        <p:nvPr/>
-      </p:nvGrpSpPr>
-      <p:grpSpPr>
-        <a:xfrm>
-          <a:off x="0" y="0"/>
-          <a:ext cx="0" cy="0"/>
-          <a:chOff x="0" y="0"/>
-          <a:chExt cx="0" cy="0"/>
-        </a:xfrm>
-      </p:grpSpPr>
-      <p:sp>
-        <p:nvSpPr>
           <p:cNvPr id="3" name="直角三角形 2"/>
           <p:cNvSpPr/>
           <p:nvPr>
             <p:custDataLst>
-              <p:tags r:id="rId1"/>
+              <p:tags r:id="rId2"/>
             </p:custDataLst>
           </p:nvPr>
         </p:nvSpPr>
@@ -12542,7 +10227,7 @@
           <p:cNvSpPr/>
           <p:nvPr>
             <p:custDataLst>
-              <p:tags r:id="rId2"/>
+              <p:tags r:id="rId3"/>
             </p:custDataLst>
           </p:nvPr>
         </p:nvSpPr>
@@ -12597,7 +10282,7 @@
           <p:cNvSpPr/>
           <p:nvPr>
             <p:custDataLst>
-              <p:tags r:id="rId3"/>
+              <p:tags r:id="rId4"/>
             </p:custDataLst>
           </p:nvPr>
         </p:nvSpPr>
@@ -12651,7 +10336,7 @@
           <p:cNvSpPr/>
           <p:nvPr>
             <p:custDataLst>
-              <p:tags r:id="rId4"/>
+              <p:tags r:id="rId5"/>
             </p:custDataLst>
           </p:nvPr>
         </p:nvSpPr>
@@ -12703,7 +10388,7 @@
           <p:cNvSpPr/>
           <p:nvPr>
             <p:custDataLst>
-              <p:tags r:id="rId5"/>
+              <p:tags r:id="rId6"/>
             </p:custDataLst>
           </p:nvPr>
         </p:nvSpPr>
@@ -12755,7 +10440,7 @@
           <p:cNvSpPr/>
           <p:nvPr>
             <p:custDataLst>
-              <p:tags r:id="rId6"/>
+              <p:tags r:id="rId7"/>
             </p:custDataLst>
           </p:nvPr>
         </p:nvSpPr>
@@ -12810,7 +10495,7 @@
           <p:cNvSpPr/>
           <p:nvPr>
             <p:custDataLst>
-              <p:tags r:id="rId7"/>
+              <p:tags r:id="rId8"/>
             </p:custDataLst>
           </p:nvPr>
         </p:nvSpPr>
@@ -12865,7 +10550,7 @@
           <p:cNvSpPr/>
           <p:nvPr>
             <p:custDataLst>
-              <p:tags r:id="rId8"/>
+              <p:tags r:id="rId9"/>
             </p:custDataLst>
           </p:nvPr>
         </p:nvSpPr>
@@ -12919,7 +10604,7 @@
           <p:cNvCxnSpPr/>
           <p:nvPr>
             <p:custDataLst>
-              <p:tags r:id="rId9"/>
+              <p:tags r:id="rId10"/>
             </p:custDataLst>
           </p:nvPr>
         </p:nvCxnSpPr>
@@ -12961,7 +10646,7 @@
           <p:cNvCxnSpPr/>
           <p:nvPr>
             <p:custDataLst>
-              <p:tags r:id="rId10"/>
+              <p:tags r:id="rId11"/>
             </p:custDataLst>
           </p:nvPr>
         </p:nvCxnSpPr>
@@ -13003,7 +10688,7 @@
           <p:cNvCxnSpPr/>
           <p:nvPr>
             <p:custDataLst>
-              <p:tags r:id="rId11"/>
+              <p:tags r:id="rId12"/>
             </p:custDataLst>
           </p:nvPr>
         </p:nvCxnSpPr>
@@ -13045,7 +10730,7 @@
           <p:cNvCxnSpPr/>
           <p:nvPr>
             <p:custDataLst>
-              <p:tags r:id="rId12"/>
+              <p:tags r:id="rId13"/>
             </p:custDataLst>
           </p:nvPr>
         </p:nvCxnSpPr>
@@ -13087,7 +10772,7 @@
           <p:cNvSpPr/>
           <p:nvPr>
             <p:custDataLst>
-              <p:tags r:id="rId13"/>
+              <p:tags r:id="rId14"/>
             </p:custDataLst>
           </p:nvPr>
         </p:nvSpPr>
@@ -13185,21 +10870,6 @@
               </a:rPr>
               <a:t>Thank</a:t>
             </a:r>
-            <a:endParaRPr lang="en-US" altLang="zh-CN" sz="5400" dirty="0" smtClean="0">
-              <a:solidFill>
-                <a:srgbClr val="FFFFFF"/>
-              </a:solidFill>
-              <a:effectLst>
-                <a:innerShdw blurRad="38100" dist="25400" dir="13500000">
-                  <a:prstClr val="black">
-                    <a:alpha val="50000"/>
-                  </a:prstClr>
-                </a:innerShdw>
-              </a:effectLst>
-              <a:latin typeface="Aharoni" panose="02010803020104030203" pitchFamily="2" charset="-79"/>
-              <a:ea typeface="华文琥珀" panose="02010800040101010101" pitchFamily="2" charset="-122"/>
-              <a:cs typeface="Aharoni" panose="02010803020104030203" pitchFamily="2" charset="-79"/>
-            </a:endParaRPr>
           </a:p>
           <a:p>
             <a:pPr algn="ctr">
@@ -13246,7 +10916,474 @@
       </p:sp>
     </p:spTree>
     <p:custDataLst>
-      <p:tags r:id="rId14"/>
+      <p:tags r:id="rId1"/>
+    </p:custDataLst>
+  </p:cSld>
+  <p:clrMapOvr>
+    <a:masterClrMapping/>
+  </p:clrMapOvr>
+  <p:timing>
+    <p:tnLst>
+      <p:par>
+        <p:cTn id="1" dur="indefinite" restart="never" nodeType="tmRoot"/>
+      </p:par>
+    </p:tnLst>
+  </p:timing>
+</p:sld>
+</file>
+
+<file path=ppt/slides/slide3.xml><?xml version="1.0" encoding="utf-8"?>
+<p:sld xmlns:a="http://schemas.openxmlformats.org/drawingml/2006/main" xmlns:r="http://schemas.openxmlformats.org/officeDocument/2006/relationships" xmlns:p="http://schemas.openxmlformats.org/presentationml/2006/main">
+  <p:cSld>
+    <p:bg>
+      <p:bgPr>
+        <a:solidFill>
+          <a:srgbClr val="F7F7F8"/>
+        </a:solidFill>
+        <a:effectLst/>
+      </p:bgPr>
+    </p:bg>
+    <p:spTree>
+      <p:nvGrpSpPr>
+        <p:cNvPr id="1" name=""/>
+        <p:cNvGrpSpPr/>
+        <p:nvPr/>
+      </p:nvGrpSpPr>
+      <p:grpSpPr>
+        <a:xfrm>
+          <a:off x="0" y="0"/>
+          <a:ext cx="0" cy="0"/>
+          <a:chOff x="0" y="0"/>
+          <a:chExt cx="0" cy="0"/>
+        </a:xfrm>
+      </p:grpSpPr>
+      <p:sp>
+        <p:nvSpPr>
+          <p:cNvPr id="4" name="标题 5"/>
+          <p:cNvSpPr txBox="1"/>
+          <p:nvPr>
+            <p:custDataLst>
+              <p:tags r:id="rId2"/>
+            </p:custDataLst>
+          </p:nvPr>
+        </p:nvSpPr>
+        <p:spPr>
+          <a:xfrm>
+            <a:off x="3394076" y="2381251"/>
+            <a:ext cx="5262563" cy="811213"/>
+          </a:xfrm>
+          <a:prstGeom prst="rect">
+            <a:avLst/>
+          </a:prstGeom>
+        </p:spPr>
+        <p:txBody>
+          <a:bodyPr anchor="b">
+            <a:normAutofit fontScale="92500"/>
+          </a:bodyPr>
+          <a:lstStyle>
+            <a:lvl1pPr algn="ctr" defTabSz="914400" rtl="0" eaLnBrk="1" latinLnBrk="0" hangingPunct="1">
+              <a:lnSpc>
+                <a:spcPct val="90000"/>
+              </a:lnSpc>
+              <a:spcBef>
+                <a:spcPct val="0"/>
+              </a:spcBef>
+              <a:buNone/>
+              <a:defRPr sz="4000" b="1" i="0" kern="1200" baseline="0">
+                <a:solidFill>
+                  <a:schemeClr val="tx2">
+                    <a:lumMod val="75000"/>
+                  </a:schemeClr>
+                </a:solidFill>
+                <a:effectLst>
+                  <a:outerShdw dist="50800" dir="5400000" algn="t" rotWithShape="0">
+                    <a:schemeClr val="bg1">
+                      <a:alpha val="19000"/>
+                    </a:schemeClr>
+                  </a:outerShdw>
+                </a:effectLst>
+                <a:latin typeface="Arial Black" panose="020B0A04020102020204" pitchFamily="34" charset="0"/>
+                <a:ea typeface="微软雅黑" panose="020B0503020204020204" pitchFamily="34" charset="-122"/>
+                <a:cs typeface="+mj-cs"/>
+              </a:defRPr>
+            </a:lvl1pPr>
+          </a:lstStyle>
+          <a:p>
+            <a:pPr>
+              <a:lnSpc>
+                <a:spcPct val="130000"/>
+              </a:lnSpc>
+            </a:pPr>
+            <a:r>
+              <a:rPr lang="zh-CN" altLang="en-US" dirty="0" smtClean="0">
+                <a:solidFill>
+                  <a:schemeClr val="accent1">
+                    <a:lumMod val="50000"/>
+                  </a:schemeClr>
+                </a:solidFill>
+                <a:latin typeface="+mn-ea"/>
+                <a:sym typeface="+mn-ea"/>
+              </a:rPr>
+              <a:t>支持向量机简介</a:t>
+            </a:r>
+            <a:endParaRPr lang="zh-CN" altLang="en-US" dirty="0">
+              <a:solidFill>
+                <a:schemeClr val="tx1">
+                  <a:lumMod val="65000"/>
+                  <a:lumOff val="35000"/>
+                </a:schemeClr>
+              </a:solidFill>
+              <a:effectLst>
+                <a:outerShdw dist="50800" dir="5400000" algn="t" rotWithShape="0">
+                  <a:srgbClr val="FFFFFF">
+                    <a:alpha val="19000"/>
+                  </a:srgbClr>
+                </a:outerShdw>
+              </a:effectLst>
+            </a:endParaRPr>
+          </a:p>
+        </p:txBody>
+      </p:sp>
+      <p:sp>
+        <p:nvSpPr>
+          <p:cNvPr id="5" name="文本占位符 6"/>
+          <p:cNvSpPr txBox="1"/>
+          <p:nvPr>
+            <p:custDataLst>
+              <p:tags r:id="rId3"/>
+            </p:custDataLst>
+          </p:nvPr>
+        </p:nvSpPr>
+        <p:spPr>
+          <a:xfrm>
+            <a:off x="3394076" y="3371851"/>
+            <a:ext cx="5262563" cy="398463"/>
+          </a:xfrm>
+          <a:prstGeom prst="rect">
+            <a:avLst/>
+          </a:prstGeom>
+          <a:solidFill>
+            <a:schemeClr val="accent1">
+              <a:lumMod val="60000"/>
+              <a:lumOff val="40000"/>
+            </a:schemeClr>
+          </a:solidFill>
+        </p:spPr>
+        <p:txBody>
+          <a:bodyPr anchor="ctr">
+            <a:normAutofit/>
+          </a:bodyPr>
+          <a:lstStyle>
+            <a:lvl1pPr marL="0" indent="0" algn="ctr" defTabSz="914400" rtl="0" eaLnBrk="1" latinLnBrk="0" hangingPunct="1">
+              <a:lnSpc>
+                <a:spcPct val="110000"/>
+              </a:lnSpc>
+              <a:spcBef>
+                <a:spcPts val="1800"/>
+              </a:spcBef>
+              <a:spcAft>
+                <a:spcPts val="0"/>
+              </a:spcAft>
+              <a:buClr>
+                <a:schemeClr val="accent1"/>
+              </a:buClr>
+              <a:buSzPct val="60000"/>
+              <a:buFont typeface="Wingdings" panose="05000000000000000000" pitchFamily="2" charset="2"/>
+              <a:buNone/>
+              <a:defRPr sz="1600" kern="1200" baseline="0">
+                <a:solidFill>
+                  <a:schemeClr val="bg1"/>
+                </a:solidFill>
+                <a:latin typeface="Arial" panose="020B0604020202020204" pitchFamily="34" charset="0"/>
+                <a:ea typeface="微软雅黑" panose="020B0503020204020204" pitchFamily="34" charset="-122"/>
+                <a:cs typeface="+mn-cs"/>
+              </a:defRPr>
+            </a:lvl1pPr>
+            <a:lvl2pPr marL="457200" indent="0" algn="just" defTabSz="914400" rtl="0" eaLnBrk="1" latinLnBrk="0" hangingPunct="1">
+              <a:lnSpc>
+                <a:spcPct val="130000"/>
+              </a:lnSpc>
+              <a:spcBef>
+                <a:spcPts val="0"/>
+              </a:spcBef>
+              <a:spcAft>
+                <a:spcPts val="600"/>
+              </a:spcAft>
+              <a:buClr>
+                <a:schemeClr val="tx2">
+                  <a:lumMod val="60000"/>
+                  <a:lumOff val="40000"/>
+                </a:schemeClr>
+              </a:buClr>
+              <a:buFont typeface="幼圆" panose="02010509060101010101" pitchFamily="49" charset="-122"/>
+              <a:buNone/>
+              <a:defRPr sz="2000" kern="1200" baseline="0">
+                <a:solidFill>
+                  <a:schemeClr val="tx1">
+                    <a:tint val="75000"/>
+                  </a:schemeClr>
+                </a:solidFill>
+                <a:latin typeface="幼圆" panose="02010509060101010101" pitchFamily="49" charset="-122"/>
+                <a:ea typeface="幼圆" panose="02010509060101010101" pitchFamily="49" charset="-122"/>
+                <a:cs typeface="+mn-cs"/>
+              </a:defRPr>
+            </a:lvl2pPr>
+            <a:lvl3pPr marL="914400" indent="0" algn="l" defTabSz="914400" rtl="0" eaLnBrk="1" latinLnBrk="0" hangingPunct="1">
+              <a:lnSpc>
+                <a:spcPct val="90000"/>
+              </a:lnSpc>
+              <a:spcBef>
+                <a:spcPts val="500"/>
+              </a:spcBef>
+              <a:buFont typeface="Arial" panose="020B0604020202020204" pitchFamily="34" charset="0"/>
+              <a:buNone/>
+              <a:defRPr sz="1800" kern="1200">
+                <a:solidFill>
+                  <a:schemeClr val="tx1">
+                    <a:tint val="75000"/>
+                  </a:schemeClr>
+                </a:solidFill>
+                <a:latin typeface="+mn-lt"/>
+                <a:ea typeface="+mn-ea"/>
+                <a:cs typeface="+mn-cs"/>
+              </a:defRPr>
+            </a:lvl3pPr>
+            <a:lvl4pPr marL="1371600" indent="0" algn="l" defTabSz="914400" rtl="0" eaLnBrk="1" latinLnBrk="0" hangingPunct="1">
+              <a:lnSpc>
+                <a:spcPct val="90000"/>
+              </a:lnSpc>
+              <a:spcBef>
+                <a:spcPts val="500"/>
+              </a:spcBef>
+              <a:buFont typeface="Arial" panose="020B0604020202020204" pitchFamily="34" charset="0"/>
+              <a:buNone/>
+              <a:defRPr sz="1600" kern="1200">
+                <a:solidFill>
+                  <a:schemeClr val="tx1">
+                    <a:tint val="75000"/>
+                  </a:schemeClr>
+                </a:solidFill>
+                <a:latin typeface="+mn-lt"/>
+                <a:ea typeface="+mn-ea"/>
+                <a:cs typeface="+mn-cs"/>
+              </a:defRPr>
+            </a:lvl4pPr>
+            <a:lvl5pPr marL="1828800" indent="0" algn="l" defTabSz="914400" rtl="0" eaLnBrk="1" latinLnBrk="0" hangingPunct="1">
+              <a:lnSpc>
+                <a:spcPct val="90000"/>
+              </a:lnSpc>
+              <a:spcBef>
+                <a:spcPts val="500"/>
+              </a:spcBef>
+              <a:buFont typeface="Arial" panose="020B0604020202020204" pitchFamily="34" charset="0"/>
+              <a:buNone/>
+              <a:defRPr sz="1600" kern="1200">
+                <a:solidFill>
+                  <a:schemeClr val="tx1">
+                    <a:tint val="75000"/>
+                  </a:schemeClr>
+                </a:solidFill>
+                <a:latin typeface="+mn-lt"/>
+                <a:ea typeface="+mn-ea"/>
+                <a:cs typeface="+mn-cs"/>
+              </a:defRPr>
+            </a:lvl5pPr>
+            <a:lvl6pPr marL="2286000" indent="0" algn="l" defTabSz="914400" rtl="0" eaLnBrk="1" latinLnBrk="0" hangingPunct="1">
+              <a:lnSpc>
+                <a:spcPct val="90000"/>
+              </a:lnSpc>
+              <a:spcBef>
+                <a:spcPts val="500"/>
+              </a:spcBef>
+              <a:buFont typeface="Arial" panose="020B0604020202020204" pitchFamily="34" charset="0"/>
+              <a:buNone/>
+              <a:defRPr sz="1600" kern="1200">
+                <a:solidFill>
+                  <a:schemeClr val="tx1">
+                    <a:tint val="75000"/>
+                  </a:schemeClr>
+                </a:solidFill>
+                <a:latin typeface="+mn-lt"/>
+                <a:ea typeface="+mn-ea"/>
+                <a:cs typeface="+mn-cs"/>
+              </a:defRPr>
+            </a:lvl6pPr>
+            <a:lvl7pPr marL="2743200" indent="0" algn="l" defTabSz="914400" rtl="0" eaLnBrk="1" latinLnBrk="0" hangingPunct="1">
+              <a:lnSpc>
+                <a:spcPct val="90000"/>
+              </a:lnSpc>
+              <a:spcBef>
+                <a:spcPts val="500"/>
+              </a:spcBef>
+              <a:buFont typeface="Arial" panose="020B0604020202020204" pitchFamily="34" charset="0"/>
+              <a:buNone/>
+              <a:defRPr sz="1600" kern="1200">
+                <a:solidFill>
+                  <a:schemeClr val="tx1">
+                    <a:tint val="75000"/>
+                  </a:schemeClr>
+                </a:solidFill>
+                <a:latin typeface="+mn-lt"/>
+                <a:ea typeface="+mn-ea"/>
+                <a:cs typeface="+mn-cs"/>
+              </a:defRPr>
+            </a:lvl7pPr>
+            <a:lvl8pPr marL="3200400" indent="0" algn="l" defTabSz="914400" rtl="0" eaLnBrk="1" latinLnBrk="0" hangingPunct="1">
+              <a:lnSpc>
+                <a:spcPct val="90000"/>
+              </a:lnSpc>
+              <a:spcBef>
+                <a:spcPts val="500"/>
+              </a:spcBef>
+              <a:buFont typeface="Arial" panose="020B0604020202020204" pitchFamily="34" charset="0"/>
+              <a:buNone/>
+              <a:defRPr sz="1600" kern="1200">
+                <a:solidFill>
+                  <a:schemeClr val="tx1">
+                    <a:tint val="75000"/>
+                  </a:schemeClr>
+                </a:solidFill>
+                <a:latin typeface="+mn-lt"/>
+                <a:ea typeface="+mn-ea"/>
+                <a:cs typeface="+mn-cs"/>
+              </a:defRPr>
+            </a:lvl8pPr>
+            <a:lvl9pPr marL="3657600" indent="0" algn="l" defTabSz="914400" rtl="0" eaLnBrk="1" latinLnBrk="0" hangingPunct="1">
+              <a:lnSpc>
+                <a:spcPct val="90000"/>
+              </a:lnSpc>
+              <a:spcBef>
+                <a:spcPts val="500"/>
+              </a:spcBef>
+              <a:buFont typeface="Arial" panose="020B0604020202020204" pitchFamily="34" charset="0"/>
+              <a:buNone/>
+              <a:defRPr sz="1600" kern="1200">
+                <a:solidFill>
+                  <a:schemeClr val="tx1">
+                    <a:tint val="75000"/>
+                  </a:schemeClr>
+                </a:solidFill>
+                <a:latin typeface="+mn-lt"/>
+                <a:ea typeface="+mn-ea"/>
+                <a:cs typeface="+mn-cs"/>
+              </a:defRPr>
+            </a:lvl9pPr>
+          </a:lstStyle>
+          <a:p>
+            <a:r>
+              <a:rPr lang="zh-CN" altLang="en-US" dirty="0"/>
+              <a:t>支持向量机的相关概念</a:t>
+            </a:r>
+          </a:p>
+        </p:txBody>
+      </p:sp>
+      <p:sp>
+        <p:nvSpPr>
+          <p:cNvPr id="10" name="椭圆 9">
+            <a:hlinkClick r:id="" action="ppaction://hlinkshowjump?jump=nextslide"/>
+          </p:cNvPr>
+          <p:cNvSpPr/>
+          <p:nvPr>
+            <p:custDataLst>
+              <p:tags r:id="rId4"/>
+            </p:custDataLst>
+          </p:nvPr>
+        </p:nvSpPr>
+        <p:spPr bwMode="auto">
+          <a:xfrm>
+            <a:off x="5781676" y="4025901"/>
+            <a:ext cx="487363" cy="487363"/>
+          </a:xfrm>
+          <a:prstGeom prst="ellipse">
+            <a:avLst/>
+          </a:prstGeom>
+          <a:solidFill>
+            <a:srgbClr val="B0B2B5"/>
+          </a:solidFill>
+          <a:ln w="12700" cap="flat" cmpd="sng" algn="ctr">
+            <a:noFill/>
+            <a:prstDash val="solid"/>
+            <a:miter lim="800000"/>
+          </a:ln>
+          <a:effectLst>
+            <a:outerShdw dist="25400" dir="5400000" algn="t" rotWithShape="0">
+              <a:srgbClr val="FFFFFF">
+                <a:alpha val="37000"/>
+              </a:srgbClr>
+            </a:outerShdw>
+          </a:effectLst>
+        </p:spPr>
+        <p:txBody>
+          <a:bodyPr anchor="ctr"/>
+          <a:lstStyle/>
+          <a:p>
+            <a:pPr algn="ctr">
+              <a:defRPr/>
+            </a:pPr>
+            <a:endParaRPr lang="zh-CN" altLang="en-US" kern="0">
+              <a:solidFill>
+                <a:schemeClr val="bg1">
+                  <a:lumMod val="65000"/>
+                </a:schemeClr>
+              </a:solidFill>
+              <a:latin typeface="Calibri" panose="020F0502020204030204"/>
+              <a:ea typeface="幼圆"/>
+            </a:endParaRPr>
+          </a:p>
+        </p:txBody>
+      </p:sp>
+      <p:sp>
+        <p:nvSpPr>
+          <p:cNvPr id="11" name="燕尾形 10">
+            <a:hlinkClick r:id="" action="ppaction://hlinkshowjump?jump=nextslide"/>
+          </p:cNvPr>
+          <p:cNvSpPr/>
+          <p:nvPr>
+            <p:custDataLst>
+              <p:tags r:id="rId5"/>
+            </p:custDataLst>
+          </p:nvPr>
+        </p:nvSpPr>
+        <p:spPr bwMode="auto">
+          <a:xfrm>
+            <a:off x="5937251" y="4178300"/>
+            <a:ext cx="176213" cy="204788"/>
+          </a:xfrm>
+          <a:prstGeom prst="chevron">
+            <a:avLst>
+              <a:gd name="adj" fmla="val 61752"/>
+            </a:avLst>
+          </a:prstGeom>
+          <a:solidFill>
+            <a:srgbClr val="FFFFFF"/>
+          </a:solidFill>
+          <a:ln w="12700" cap="flat" cmpd="sng" algn="ctr">
+            <a:noFill/>
+            <a:prstDash val="solid"/>
+            <a:miter lim="800000"/>
+          </a:ln>
+          <a:effectLst/>
+        </p:spPr>
+        <p:txBody>
+          <a:bodyPr anchor="ctr"/>
+          <a:lstStyle/>
+          <a:p>
+            <a:pPr algn="ctr">
+              <a:defRPr/>
+            </a:pPr>
+            <a:endParaRPr lang="zh-CN" altLang="en-US" kern="0">
+              <a:solidFill>
+                <a:srgbClr val="3D3F41"/>
+              </a:solidFill>
+              <a:latin typeface="Calibri" panose="020F0502020204030204"/>
+              <a:ea typeface="幼圆"/>
+            </a:endParaRPr>
+          </a:p>
+        </p:txBody>
+      </p:sp>
+    </p:spTree>
+    <p:custDataLst>
+      <p:tags r:id="rId1"/>
     </p:custDataLst>
   </p:cSld>
   <p:clrMapOvr>
@@ -13271,7 +11408,14 @@
         <p:cNvGrpSpPr/>
         <p:nvPr/>
       </p:nvGrpSpPr>
-      <p:grpSpPr/>
+      <p:grpSpPr>
+        <a:xfrm>
+          <a:off x="0" y="0"/>
+          <a:ext cx="0" cy="0"/>
+          <a:chOff x="0" y="0"/>
+          <a:chExt cx="0" cy="0"/>
+        </a:xfrm>
+      </p:grpSpPr>
       <p:pic>
         <p:nvPicPr>
           <p:cNvPr id="8" name="图片 7"/>
@@ -13281,7 +11425,7 @@
           <p:nvPr/>
         </p:nvPicPr>
         <p:blipFill>
-          <a:blip r:embed="rId1"/>
+          <a:blip r:embed="rId2"/>
           <a:stretch>
             <a:fillRect/>
           </a:stretch>
@@ -13305,7 +11449,7 @@
           <p:nvPr/>
         </p:nvPicPr>
         <p:blipFill>
-          <a:blip r:embed="rId2"/>
+          <a:blip r:embed="rId3"/>
           <a:stretch>
             <a:fillRect/>
           </a:stretch>
@@ -13353,6 +11497,7 @@
           <a:bodyPr wrap="none" rtlCol="0">
             <a:spAutoFit/>
           </a:bodyPr>
+          <a:lstStyle/>
           <a:p>
             <a:r>
               <a:rPr lang="en-US" altLang="zh-CN"/>
@@ -13366,7 +11511,6 @@
               <a:rPr lang="en-US" altLang="zh-CN"/>
               <a:t>x+b=0</a:t>
             </a:r>
-            <a:endParaRPr lang="en-US" altLang="zh-CN"/>
           </a:p>
         </p:txBody>
       </p:sp>
@@ -13390,12 +11534,12 @@
           <a:bodyPr wrap="none" rtlCol="0">
             <a:spAutoFit/>
           </a:bodyPr>
+          <a:lstStyle/>
           <a:p>
             <a:r>
               <a:rPr lang="zh-CN" altLang="en-US" sz="2400"/>
               <a:t>超平面</a:t>
             </a:r>
-            <a:endParaRPr lang="zh-CN" altLang="en-US" sz="2400"/>
           </a:p>
         </p:txBody>
       </p:sp>
@@ -13419,6 +11563,7 @@
           <a:bodyPr wrap="none" rtlCol="0">
             <a:spAutoFit/>
           </a:bodyPr>
+          <a:lstStyle/>
           <a:p>
             <a:r>
               <a:rPr lang="en-US" altLang="zh-CN"/>
@@ -13428,7 +11573,6 @@
               <a:rPr lang="zh-CN" altLang="en-US"/>
               <a:t>：相当于系数向量</a:t>
             </a:r>
-            <a:endParaRPr lang="zh-CN" altLang="en-US"/>
           </a:p>
         </p:txBody>
       </p:sp>
@@ -13452,12 +11596,12 @@
           <a:bodyPr wrap="none" rtlCol="0">
             <a:spAutoFit/>
           </a:bodyPr>
+          <a:lstStyle/>
           <a:p>
             <a:r>
               <a:rPr lang="zh-CN" altLang="en-US"/>
               <a:t>超平面    ：</a:t>
             </a:r>
-            <a:endParaRPr lang="zh-CN" altLang="en-US"/>
           </a:p>
           <a:p>
             <a:endParaRPr lang="zh-CN" altLang="en-US"/>
@@ -13467,7 +11611,6 @@
               <a:rPr lang="zh-CN" altLang="en-US"/>
               <a:t>分类函数：</a:t>
             </a:r>
-            <a:endParaRPr lang="zh-CN" altLang="en-US"/>
           </a:p>
         </p:txBody>
       </p:sp>
@@ -13480,7 +11623,7 @@
           <p:nvPr/>
         </p:nvPicPr>
         <p:blipFill>
-          <a:blip r:embed="rId3"/>
+          <a:blip r:embed="rId4"/>
           <a:stretch>
             <a:fillRect/>
           </a:stretch>
@@ -13504,7 +11647,7 @@
           <p:nvPr/>
         </p:nvPicPr>
         <p:blipFill>
-          <a:blip r:embed="rId4"/>
+          <a:blip r:embed="rId5"/>
           <a:stretch>
             <a:fillRect/>
           </a:stretch>
@@ -13536,7 +11679,14 @@
         <p:cNvGrpSpPr/>
         <p:nvPr/>
       </p:nvGrpSpPr>
-      <p:grpSpPr/>
+      <p:grpSpPr>
+        <a:xfrm>
+          <a:off x="0" y="0"/>
+          <a:ext cx="0" cy="0"/>
+          <a:chOff x="0" y="0"/>
+          <a:chExt cx="0" cy="0"/>
+        </a:xfrm>
+      </p:grpSpPr>
       <p:sp>
         <p:nvSpPr>
           <p:cNvPr id="2" name="文本框 1"/>
@@ -13557,12 +11707,12 @@
           <a:bodyPr wrap="none" rtlCol="0">
             <a:spAutoFit/>
           </a:bodyPr>
+          <a:lstStyle/>
           <a:p>
             <a:r>
               <a:rPr lang="zh-CN" altLang="en-US" sz="2400"/>
               <a:t>函数间隔</a:t>
             </a:r>
-            <a:endParaRPr lang="zh-CN" altLang="en-US" sz="2400"/>
           </a:p>
         </p:txBody>
       </p:sp>
@@ -13575,7 +11725,7 @@
           <p:nvPr/>
         </p:nvPicPr>
         <p:blipFill>
-          <a:blip r:embed="rId1"/>
+          <a:blip r:embed="rId3"/>
           <a:stretch>
             <a:fillRect/>
           </a:stretch>
@@ -13593,7 +11743,7 @@
       <p:graphicFrame>
         <p:nvGraphicFramePr>
           <p:cNvPr id="6" name="对象 5">
-            <a:hlinkClick r:id="" action="ppaction://ole?verb="/>
+            <a:hlinkClick r:id="" action="ppaction://ole?verb=0"/>
           </p:cNvPr>
           <p:cNvGraphicFramePr>
             <a:graphicFrameLocks noChangeAspect="1"/>
@@ -13608,12 +11758,12 @@
           <a:graphicData uri="http://schemas.openxmlformats.org/presentationml/2006/ole">
             <mc:AlternateContent xmlns:mc="http://schemas.openxmlformats.org/markup-compatibility/2006">
               <mc:Choice xmlns:v="urn:schemas-microsoft-com:vml" Requires="v">
-                <p:oleObj spid="_x0000_s1026" name="" r:id="rId2" imgW="711200" imgH="228600" progId="Equation.KSEE3">
+                <p:oleObj spid="_x0000_s1031" r:id="rId4" imgW="711200" imgH="228600" progId="Equation.KSEE3">
                   <p:embed/>
                 </p:oleObj>
               </mc:Choice>
               <mc:Fallback>
-                <p:oleObj name="" r:id="rId2" imgW="711200" imgH="228600" progId="Equation.KSEE3">
+                <p:oleObj r:id="rId4" imgW="711200" imgH="228600" progId="Equation.KSEE3">
                   <p:embed/>
                   <p:pic>
                     <p:nvPicPr>
@@ -13622,7 +11772,7 @@
                       <p:nvPr/>
                     </p:nvPicPr>
                     <p:blipFill>
-                      <a:blip r:embed="rId3"/>
+                      <a:blip r:embed="rId5"/>
                       <a:stretch>
                         <a:fillRect/>
                       </a:stretch>
@@ -13646,7 +11796,7 @@
       <p:graphicFrame>
         <p:nvGraphicFramePr>
           <p:cNvPr id="7" name="对象 6">
-            <a:hlinkClick r:id="" action="ppaction://ole?verb="/>
+            <a:hlinkClick r:id="" action="ppaction://ole?verb=0"/>
           </p:cNvPr>
           <p:cNvGraphicFramePr>
             <a:graphicFrameLocks noChangeAspect="1"/>
@@ -13661,12 +11811,12 @@
           <a:graphicData uri="http://schemas.openxmlformats.org/presentationml/2006/ole">
             <mc:AlternateContent xmlns:mc="http://schemas.openxmlformats.org/markup-compatibility/2006">
               <mc:Choice xmlns:v="urn:schemas-microsoft-com:vml" Requires="v">
-                <p:oleObj spid="_x0000_s1027" name="" r:id="rId4" imgW="914400" imgH="215900" progId="Equation.KSEE3">
+                <p:oleObj spid="_x0000_s1032" r:id="rId6" imgW="914400" imgH="215900" progId="Equation.KSEE3">
                   <p:embed/>
                 </p:oleObj>
               </mc:Choice>
               <mc:Fallback>
-                <p:oleObj name="" r:id="rId4" imgW="914400" imgH="215900" progId="Equation.KSEE3">
+                <p:oleObj r:id="rId6" imgW="914400" imgH="215900" progId="Equation.KSEE3">
                   <p:embed/>
                   <p:pic>
                     <p:nvPicPr>
@@ -13675,7 +11825,7 @@
                       <p:nvPr/>
                     </p:nvPicPr>
                     <p:blipFill>
-                      <a:blip r:embed="rId5"/>
+                      <a:blip r:embed="rId7"/>
                       <a:stretch>
                         <a:fillRect/>
                       </a:stretch>
@@ -13699,7 +11849,7 @@
       <p:graphicFrame>
         <p:nvGraphicFramePr>
           <p:cNvPr id="8" name="对象 7">
-            <a:hlinkClick r:id="" action="ppaction://ole?verb="/>
+            <a:hlinkClick r:id="" action="ppaction://ole?verb=0"/>
           </p:cNvPr>
           <p:cNvGraphicFramePr>
             <a:graphicFrameLocks noChangeAspect="1"/>
@@ -13714,12 +11864,12 @@
           <a:graphicData uri="http://schemas.openxmlformats.org/presentationml/2006/ole">
             <mc:AlternateContent xmlns:mc="http://schemas.openxmlformats.org/markup-compatibility/2006">
               <mc:Choice xmlns:v="urn:schemas-microsoft-com:vml" Requires="v">
-                <p:oleObj spid="_x0000_s1028" name="" r:id="rId6" imgW="812800" imgH="228600" progId="Equation.KSEE3">
+                <p:oleObj spid="_x0000_s1033" r:id="rId8" imgW="812800" imgH="228600" progId="Equation.KSEE3">
                   <p:embed/>
                 </p:oleObj>
               </mc:Choice>
               <mc:Fallback>
-                <p:oleObj name="" r:id="rId6" imgW="812800" imgH="228600" progId="Equation.KSEE3">
+                <p:oleObj r:id="rId8" imgW="812800" imgH="228600" progId="Equation.KSEE3">
                   <p:embed/>
                   <p:pic>
                     <p:nvPicPr>
@@ -13728,7 +11878,7 @@
                       <p:nvPr/>
                     </p:nvPicPr>
                     <p:blipFill>
-                      <a:blip r:embed="rId7"/>
+                      <a:blip r:embed="rId9"/>
                       <a:stretch>
                         <a:fillRect/>
                       </a:stretch>
@@ -13769,6 +11919,7 @@
           <a:bodyPr wrap="square" rtlCol="0">
             <a:spAutoFit/>
           </a:bodyPr>
+          <a:lstStyle/>
           <a:p>
             <a:r>
               <a:rPr lang="zh-CN" altLang="zh-CN"/>
@@ -13790,7 +11941,6 @@
               <a:rPr lang="zh-CN" altLang="en-US"/>
               <a:t>可以成倍改变，超平面不变，这样求解无意义</a:t>
             </a:r>
-            <a:endParaRPr lang="zh-CN" altLang="en-US"/>
           </a:p>
         </p:txBody>
       </p:sp>
@@ -13811,7 +11961,14 @@
         <p:cNvGrpSpPr/>
         <p:nvPr/>
       </p:nvGrpSpPr>
-      <p:grpSpPr/>
+      <p:grpSpPr>
+        <a:xfrm>
+          <a:off x="0" y="0"/>
+          <a:ext cx="0" cy="0"/>
+          <a:chOff x="0" y="0"/>
+          <a:chExt cx="0" cy="0"/>
+        </a:xfrm>
+      </p:grpSpPr>
       <p:sp>
         <p:nvSpPr>
           <p:cNvPr id="2" name="文本框 1"/>
@@ -13832,42 +11989,18 @@
           <a:bodyPr wrap="none" rtlCol="0">
             <a:spAutoFit/>
           </a:bodyPr>
+          <a:lstStyle/>
           <a:p>
             <a:r>
               <a:rPr lang="zh-CN" altLang="en-US" sz="2400"/>
               <a:t>几何间隔</a:t>
             </a:r>
-            <a:endParaRPr lang="zh-CN" altLang="en-US" sz="2400"/>
           </a:p>
         </p:txBody>
       </p:sp>
       <p:pic>
         <p:nvPicPr>
           <p:cNvPr id="3" name="图片 2"/>
-          <p:cNvPicPr>
-            <a:picLocks noChangeAspect="1"/>
-          </p:cNvPicPr>
-          <p:nvPr/>
-        </p:nvPicPr>
-        <p:blipFill>
-          <a:blip r:embed="rId1"/>
-          <a:stretch>
-            <a:fillRect/>
-          </a:stretch>
-        </p:blipFill>
-        <p:spPr>
-          <a:xfrm>
-            <a:off x="713740" y="1642110"/>
-            <a:ext cx="7552690" cy="1257300"/>
-          </a:xfrm>
-          <a:prstGeom prst="rect">
-            <a:avLst/>
-          </a:prstGeom>
-        </p:spPr>
-      </p:pic>
-      <p:pic>
-        <p:nvPicPr>
-          <p:cNvPr id="4" name="图片 3"/>
           <p:cNvPicPr>
             <a:picLocks noChangeAspect="1"/>
           </p:cNvPicPr>
@@ -13881,6 +12014,30 @@
         </p:blipFill>
         <p:spPr>
           <a:xfrm>
+            <a:off x="713740" y="1642110"/>
+            <a:ext cx="7552690" cy="1257300"/>
+          </a:xfrm>
+          <a:prstGeom prst="rect">
+            <a:avLst/>
+          </a:prstGeom>
+        </p:spPr>
+      </p:pic>
+      <p:pic>
+        <p:nvPicPr>
+          <p:cNvPr id="4" name="图片 3"/>
+          <p:cNvPicPr>
+            <a:picLocks noChangeAspect="1"/>
+          </p:cNvPicPr>
+          <p:nvPr/>
+        </p:nvPicPr>
+        <p:blipFill>
+          <a:blip r:embed="rId3"/>
+          <a:stretch>
+            <a:fillRect/>
+          </a:stretch>
+        </p:blipFill>
+        <p:spPr>
+          <a:xfrm>
             <a:off x="8361045" y="1642110"/>
             <a:ext cx="3606165" cy="3348355"/>
           </a:xfrm>
@@ -13898,7 +12055,7 @@
           <p:nvPr/>
         </p:nvPicPr>
         <p:blipFill>
-          <a:blip r:embed="rId3"/>
+          <a:blip r:embed="rId4"/>
           <a:stretch>
             <a:fillRect/>
           </a:stretch>
@@ -13930,7 +12087,14 @@
         <p:cNvGrpSpPr/>
         <p:nvPr/>
       </p:nvGrpSpPr>
-      <p:grpSpPr/>
+      <p:grpSpPr>
+        <a:xfrm>
+          <a:off x="0" y="0"/>
+          <a:ext cx="0" cy="0"/>
+          <a:chOff x="0" y="0"/>
+          <a:chExt cx="0" cy="0"/>
+        </a:xfrm>
+      </p:grpSpPr>
       <p:sp>
         <p:nvSpPr>
           <p:cNvPr id="2" name="文本框 1"/>
@@ -13951,102 +12115,18 @@
           <a:bodyPr wrap="none" rtlCol="0">
             <a:spAutoFit/>
           </a:bodyPr>
+          <a:lstStyle/>
           <a:p>
             <a:r>
               <a:rPr lang="zh-CN" altLang="en-US" sz="2400"/>
               <a:t>间隔最大化</a:t>
             </a:r>
-            <a:endParaRPr lang="zh-CN" altLang="en-US" sz="2400"/>
           </a:p>
         </p:txBody>
       </p:sp>
       <p:pic>
         <p:nvPicPr>
           <p:cNvPr id="3" name="图片 2"/>
-          <p:cNvPicPr>
-            <a:picLocks noChangeAspect="1"/>
-          </p:cNvPicPr>
-          <p:nvPr/>
-        </p:nvPicPr>
-        <p:blipFill>
-          <a:blip r:embed="rId1"/>
-          <a:stretch>
-            <a:fillRect/>
-          </a:stretch>
-        </p:blipFill>
-        <p:spPr>
-          <a:xfrm>
-            <a:off x="888365" y="2287270"/>
-            <a:ext cx="4097655" cy="1268730"/>
-          </a:xfrm>
-          <a:prstGeom prst="rect">
-            <a:avLst/>
-          </a:prstGeom>
-        </p:spPr>
-      </p:pic>
-      <p:sp>
-        <p:nvSpPr>
-          <p:cNvPr id="4" name="文本框 3"/>
-          <p:cNvSpPr txBox="1"/>
-          <p:nvPr/>
-        </p:nvSpPr>
-        <p:spPr>
-          <a:xfrm>
-            <a:off x="772160" y="1551305"/>
-            <a:ext cx="11384280" cy="659130"/>
-          </a:xfrm>
-          <a:prstGeom prst="rect">
-            <a:avLst/>
-          </a:prstGeom>
-          <a:noFill/>
-        </p:spPr>
-        <p:txBody>
-          <a:bodyPr wrap="none" rtlCol="0">
-            <a:spAutoFit/>
-          </a:bodyPr>
-          <a:p>
-            <a:r>
-              <a:rPr lang="zh-CN" altLang="en-US"/>
-              <a:t>找到几何间隔最大化的超平面意味着以充分大的确信度对训练数据进行分类。不仅将正负例点分开，而且有足够</a:t>
-            </a:r>
-            <a:endParaRPr lang="zh-CN" altLang="en-US"/>
-          </a:p>
-          <a:p>
-            <a:r>
-              <a:rPr lang="zh-CN" altLang="en-US"/>
-              <a:t>大的确信度分开，使得超平面对未知新实例有很好的分类预测能力。</a:t>
-            </a:r>
-            <a:endParaRPr lang="en-US" altLang="zh-CN"/>
-          </a:p>
-        </p:txBody>
-      </p:sp>
-      <p:pic>
-        <p:nvPicPr>
-          <p:cNvPr id="5" name="图片 4"/>
-          <p:cNvPicPr>
-            <a:picLocks noChangeAspect="1"/>
-          </p:cNvPicPr>
-          <p:nvPr/>
-        </p:nvPicPr>
-        <p:blipFill>
-          <a:blip r:embed="rId2"/>
-          <a:stretch>
-            <a:fillRect/>
-          </a:stretch>
-        </p:blipFill>
-        <p:spPr>
-          <a:xfrm>
-            <a:off x="8545195" y="2116455"/>
-            <a:ext cx="3190240" cy="2780665"/>
-          </a:xfrm>
-          <a:prstGeom prst="rect">
-            <a:avLst/>
-          </a:prstGeom>
-        </p:spPr>
-      </p:pic>
-      <p:pic>
-        <p:nvPicPr>
-          <p:cNvPr id="6" name="图片 5"/>
           <p:cNvPicPr>
             <a:picLocks noChangeAspect="1"/>
           </p:cNvPicPr>
@@ -14060,8 +12140,8 @@
         </p:blipFill>
         <p:spPr>
           <a:xfrm>
-            <a:off x="888365" y="3700780"/>
-            <a:ext cx="7485380" cy="723900"/>
+            <a:off x="888365" y="2287270"/>
+            <a:ext cx="4097655" cy="1268730"/>
           </a:xfrm>
           <a:prstGeom prst="rect">
             <a:avLst/>
@@ -14070,14 +12150,14 @@
       </p:pic>
       <p:sp>
         <p:nvSpPr>
-          <p:cNvPr id="8" name="文本框 7"/>
+          <p:cNvPr id="4" name="文本框 3"/>
           <p:cNvSpPr txBox="1"/>
           <p:nvPr/>
         </p:nvSpPr>
         <p:spPr>
           <a:xfrm>
-            <a:off x="888365" y="4620895"/>
-            <a:ext cx="7269480" cy="933450"/>
+            <a:off x="772160" y="1551305"/>
+            <a:ext cx="11384280" cy="659130"/>
           </a:xfrm>
           <a:prstGeom prst="rect">
             <a:avLst/>
@@ -14088,36 +12168,25 @@
           <a:bodyPr wrap="none" rtlCol="0">
             <a:spAutoFit/>
           </a:bodyPr>
+          <a:lstStyle/>
           <a:p>
             <a:r>
               <a:rPr lang="zh-CN" altLang="en-US"/>
-              <a:t>函数间隔变化，超平面没有改变，所以其对目标函数的优化没有影响。</a:t>
+              <a:t>找到几何间隔最大化的超平面意味着以充分大的确信度对训练数据进行分类。不仅将正负例点分开，而且有足够</a:t>
             </a:r>
-            <a:endParaRPr lang="zh-CN" altLang="en-US"/>
-          </a:p>
-          <a:p>
-            <a:endParaRPr lang="zh-CN" altLang="en-US"/>
           </a:p>
           <a:p>
             <a:r>
               <a:rPr lang="zh-CN" altLang="en-US"/>
-              <a:t>将        取</a:t>
+              <a:t>大的确信度分开，使得超平面对未知新实例有很好的分类预测能力。</a:t>
             </a:r>
-            <a:r>
-              <a:rPr lang="en-US" altLang="zh-CN"/>
-              <a:t>1</a:t>
-            </a:r>
-            <a:r>
-              <a:rPr lang="zh-CN" altLang="en-US"/>
-              <a:t>。得到</a:t>
-            </a:r>
-            <a:endParaRPr lang="zh-CN" altLang="en-US"/>
+            <a:endParaRPr lang="en-US" altLang="zh-CN"/>
           </a:p>
         </p:txBody>
       </p:sp>
       <p:pic>
         <p:nvPicPr>
-          <p:cNvPr id="9" name="图片 8"/>
+          <p:cNvPr id="5" name="图片 4"/>
           <p:cNvPicPr>
             <a:picLocks noChangeAspect="1"/>
           </p:cNvPicPr>
@@ -14131,6 +12200,100 @@
         </p:blipFill>
         <p:spPr>
           <a:xfrm>
+            <a:off x="8545195" y="2116455"/>
+            <a:ext cx="3190240" cy="2780665"/>
+          </a:xfrm>
+          <a:prstGeom prst="rect">
+            <a:avLst/>
+          </a:prstGeom>
+        </p:spPr>
+      </p:pic>
+      <p:pic>
+        <p:nvPicPr>
+          <p:cNvPr id="6" name="图片 5"/>
+          <p:cNvPicPr>
+            <a:picLocks noChangeAspect="1"/>
+          </p:cNvPicPr>
+          <p:nvPr/>
+        </p:nvPicPr>
+        <p:blipFill>
+          <a:blip r:embed="rId5"/>
+          <a:stretch>
+            <a:fillRect/>
+          </a:stretch>
+        </p:blipFill>
+        <p:spPr>
+          <a:xfrm>
+            <a:off x="888365" y="3700780"/>
+            <a:ext cx="7485380" cy="723900"/>
+          </a:xfrm>
+          <a:prstGeom prst="rect">
+            <a:avLst/>
+          </a:prstGeom>
+        </p:spPr>
+      </p:pic>
+      <p:sp>
+        <p:nvSpPr>
+          <p:cNvPr id="8" name="文本框 7"/>
+          <p:cNvSpPr txBox="1"/>
+          <p:nvPr/>
+        </p:nvSpPr>
+        <p:spPr>
+          <a:xfrm>
+            <a:off x="888365" y="4620895"/>
+            <a:ext cx="7269480" cy="933450"/>
+          </a:xfrm>
+          <a:prstGeom prst="rect">
+            <a:avLst/>
+          </a:prstGeom>
+          <a:noFill/>
+        </p:spPr>
+        <p:txBody>
+          <a:bodyPr wrap="none" rtlCol="0">
+            <a:spAutoFit/>
+          </a:bodyPr>
+          <a:lstStyle/>
+          <a:p>
+            <a:r>
+              <a:rPr lang="zh-CN" altLang="en-US"/>
+              <a:t>函数间隔变化，超平面没有改变，所以其对目标函数的优化没有影响。</a:t>
+            </a:r>
+          </a:p>
+          <a:p>
+            <a:endParaRPr lang="zh-CN" altLang="en-US"/>
+          </a:p>
+          <a:p>
+            <a:r>
+              <a:rPr lang="zh-CN" altLang="en-US"/>
+              <a:t>将        取</a:t>
+            </a:r>
+            <a:r>
+              <a:rPr lang="en-US" altLang="zh-CN"/>
+              <a:t>1</a:t>
+            </a:r>
+            <a:r>
+              <a:rPr lang="zh-CN" altLang="en-US"/>
+              <a:t>。得到</a:t>
+            </a:r>
+          </a:p>
+        </p:txBody>
+      </p:sp>
+      <p:pic>
+        <p:nvPicPr>
+          <p:cNvPr id="9" name="图片 8"/>
+          <p:cNvPicPr>
+            <a:picLocks noChangeAspect="1"/>
+          </p:cNvPicPr>
+          <p:nvPr/>
+        </p:nvPicPr>
+        <p:blipFill>
+          <a:blip r:embed="rId6"/>
+          <a:stretch>
+            <a:fillRect/>
+          </a:stretch>
+        </p:blipFill>
+        <p:spPr>
+          <a:xfrm>
             <a:off x="1310005" y="5157470"/>
             <a:ext cx="304800" cy="295275"/>
           </a:xfrm>
@@ -14142,7 +12305,7 @@
       <p:graphicFrame>
         <p:nvGraphicFramePr>
           <p:cNvPr id="10" name="对象 9">
-            <a:hlinkClick r:id="" action="ppaction://ole?verb="/>
+            <a:hlinkClick r:id="" action="ppaction://ole?verb=0"/>
           </p:cNvPr>
           <p:cNvGraphicFramePr>
             <a:graphicFrameLocks noChangeAspect="1"/>
@@ -14157,12 +12320,12 @@
           <a:graphicData uri="http://schemas.openxmlformats.org/presentationml/2006/ole">
             <mc:AlternateContent xmlns:mc="http://schemas.openxmlformats.org/markup-compatibility/2006">
               <mc:Choice xmlns:v="urn:schemas-microsoft-com:vml" Requires="v">
-                <p:oleObj spid="_x0000_s2049" name="" r:id="rId5" imgW="622300" imgH="419100" progId="Equation.KSEE3">
+                <p:oleObj spid="_x0000_s2052" r:id="rId7" imgW="622300" imgH="419100" progId="Equation.KSEE3">
                   <p:embed/>
                 </p:oleObj>
               </mc:Choice>
               <mc:Fallback>
-                <p:oleObj name="" r:id="rId5" imgW="622300" imgH="419100" progId="Equation.KSEE3">
+                <p:oleObj r:id="rId7" imgW="622300" imgH="419100" progId="Equation.KSEE3">
                   <p:embed/>
                   <p:pic>
                     <p:nvPicPr>
@@ -14171,7 +12334,7 @@
                       <p:nvPr/>
                     </p:nvPicPr>
                     <p:blipFill>
-                      <a:blip r:embed="rId6"/>
+                      <a:blip r:embed="rId8"/>
                       <a:stretch>
                         <a:fillRect/>
                       </a:stretch>
@@ -14209,7 +12372,14 @@
         <p:cNvGrpSpPr/>
         <p:nvPr/>
       </p:nvGrpSpPr>
-      <p:grpSpPr/>
+      <p:grpSpPr>
+        <a:xfrm>
+          <a:off x="0" y="0"/>
+          <a:ext cx="0" cy="0"/>
+          <a:chOff x="0" y="0"/>
+          <a:chExt cx="0" cy="0"/>
+        </a:xfrm>
+      </p:grpSpPr>
       <p:sp>
         <p:nvSpPr>
           <p:cNvPr id="2" name="文本框 1"/>
@@ -14230,12 +12400,12 @@
           <a:bodyPr wrap="none" rtlCol="0">
             <a:spAutoFit/>
           </a:bodyPr>
+          <a:lstStyle/>
           <a:p>
             <a:r>
               <a:rPr lang="zh-CN" altLang="en-US" sz="2400"/>
               <a:t>约束最优化问题（简单版）</a:t>
             </a:r>
-            <a:endParaRPr lang="zh-CN" altLang="en-US" sz="2400"/>
           </a:p>
         </p:txBody>
       </p:sp>
@@ -14248,7 +12418,7 @@
           <p:nvPr/>
         </p:nvPicPr>
         <p:blipFill>
-          <a:blip r:embed="rId1"/>
+          <a:blip r:embed="rId2"/>
           <a:stretch>
             <a:fillRect/>
           </a:stretch>
@@ -14272,7 +12442,7 @@
           <p:nvPr/>
         </p:nvPicPr>
         <p:blipFill>
-          <a:blip r:embed="rId2"/>
+          <a:blip r:embed="rId3"/>
           <a:stretch>
             <a:fillRect/>
           </a:stretch>
@@ -14318,7 +12488,7 @@
           <p:cNvSpPr txBox="1"/>
           <p:nvPr>
             <p:custDataLst>
-              <p:tags r:id="rId1"/>
+              <p:tags r:id="rId2"/>
             </p:custDataLst>
           </p:nvPr>
         </p:nvSpPr>
@@ -14333,7 +12503,7 @@
         </p:spPr>
         <p:txBody>
           <a:bodyPr anchor="b">
-            <a:normAutofit lnSpcReduction="20000"/>
+            <a:normAutofit fontScale="92500"/>
           </a:bodyPr>
           <a:lstStyle>
             <a:lvl1pPr algn="ctr" defTabSz="914400" rtl="0" eaLnBrk="1" latinLnBrk="0" hangingPunct="1">
@@ -14405,7 +12575,7 @@
           <p:cNvSpPr txBox="1"/>
           <p:nvPr>
             <p:custDataLst>
-              <p:tags r:id="rId2"/>
+              <p:tags r:id="rId3"/>
             </p:custDataLst>
           </p:nvPr>
         </p:nvSpPr>
@@ -14629,7 +12799,6 @@
               <a:rPr lang="zh-CN" altLang="en-US" dirty="0"/>
               <a:t>对偶问题和软间隔</a:t>
             </a:r>
-            <a:endParaRPr lang="zh-CN" altLang="en-US" dirty="0"/>
           </a:p>
         </p:txBody>
       </p:sp>
@@ -14641,7 +12810,7 @@
           <p:cNvSpPr/>
           <p:nvPr>
             <p:custDataLst>
-              <p:tags r:id="rId3"/>
+              <p:tags r:id="rId4"/>
             </p:custDataLst>
           </p:nvPr>
         </p:nvSpPr>
@@ -14696,7 +12865,7 @@
           <p:cNvSpPr/>
           <p:nvPr>
             <p:custDataLst>
-              <p:tags r:id="rId4"/>
+              <p:tags r:id="rId5"/>
             </p:custDataLst>
           </p:nvPr>
         </p:nvSpPr>
@@ -14739,7 +12908,7 @@
       </p:sp>
     </p:spTree>
     <p:custDataLst>
-      <p:tags r:id="rId5"/>
+      <p:tags r:id="rId1"/>
     </p:custDataLst>
   </p:cSld>
   <p:clrMapOvr>
@@ -14756,16 +12925,7 @@
 </file>
 
 <file path=ppt/tags/tag1.xml><?xml version="1.0" encoding="utf-8"?>
-<p:tagLst xmlns:p="http://schemas.openxmlformats.org/presentationml/2006/main">
-  <p:tag name="MH" val="20161027230642"/>
-  <p:tag name="MH_LIBRARY" val="CONTENTS"/>
-  <p:tag name="MH_TYPE" val="OTHERS"/>
-  <p:tag name="ID" val="553524"/>
-</p:tagLst>
-</file>
-
-<file path=ppt/tags/tag10.xml><?xml version="1.0" encoding="utf-8"?>
-<p:tagLst xmlns:p="http://schemas.openxmlformats.org/presentationml/2006/main">
+<p:tagLst xmlns:a="http://schemas.openxmlformats.org/drawingml/2006/main" xmlns:r="http://schemas.openxmlformats.org/officeDocument/2006/relationships" xmlns:p="http://schemas.openxmlformats.org/presentationml/2006/main">
   <p:tag name="MH" val="20161027230642"/>
   <p:tag name="MH_LIBRARY" val="CONTENTS"/>
   <p:tag name="MH_AUTOCOLOR" val="TRUE"/>
@@ -14774,79 +12934,175 @@
 </p:tagLst>
 </file>
 
+<file path=ppt/tags/tag10.xml><?xml version="1.0" encoding="utf-8"?>
+<p:tagLst xmlns:a="http://schemas.openxmlformats.org/drawingml/2006/main" xmlns:r="http://schemas.openxmlformats.org/officeDocument/2006/relationships" xmlns:p="http://schemas.openxmlformats.org/presentationml/2006/main">
+  <p:tag name="MH" val="20161027230642"/>
+  <p:tag name="MH_LIBRARY" val="CONTENTS"/>
+  <p:tag name="MH_TYPE" val="ENTRY"/>
+  <p:tag name="ID" val="553524"/>
+  <p:tag name="MH_ORDER" val="4"/>
+</p:tagLst>
+</file>
+
 <file path=ppt/tags/tag11.xml><?xml version="1.0" encoding="utf-8"?>
-<p:tagLst xmlns:p="http://schemas.openxmlformats.org/presentationml/2006/main">
+<p:tagLst xmlns:a="http://schemas.openxmlformats.org/drawingml/2006/main" xmlns:r="http://schemas.openxmlformats.org/officeDocument/2006/relationships" xmlns:p="http://schemas.openxmlformats.org/presentationml/2006/main">
+  <p:tag name="MH" val="20161027231119"/>
+  <p:tag name="MH_LIBRARY" val="GRAPHIC"/>
+</p:tagLst>
+</file>
+
+<file path=ppt/tags/tag12.xml><?xml version="1.0" encoding="utf-8"?>
+<p:tagLst xmlns:a="http://schemas.openxmlformats.org/drawingml/2006/main" xmlns:r="http://schemas.openxmlformats.org/officeDocument/2006/relationships" xmlns:p="http://schemas.openxmlformats.org/presentationml/2006/main">
   <p:tag name="MH" val="20161027231119"/>
   <p:tag name="MH_LIBRARY" val="GRAPHIC"/>
   <p:tag name="MH_ORDER" val="标题 5"/>
 </p:tagLst>
 </file>
 
-<file path=ppt/tags/tag12.xml><?xml version="1.0" encoding="utf-8"?>
-<p:tagLst xmlns:p="http://schemas.openxmlformats.org/presentationml/2006/main">
+<file path=ppt/tags/tag13.xml><?xml version="1.0" encoding="utf-8"?>
+<p:tagLst xmlns:a="http://schemas.openxmlformats.org/drawingml/2006/main" xmlns:r="http://schemas.openxmlformats.org/officeDocument/2006/relationships" xmlns:p="http://schemas.openxmlformats.org/presentationml/2006/main">
   <p:tag name="MH" val="20161027231119"/>
   <p:tag name="MH_LIBRARY" val="GRAPHIC"/>
   <p:tag name="MH_ORDER" val="文本占位符 6"/>
 </p:tagLst>
 </file>
 
-<file path=ppt/tags/tag13.xml><?xml version="1.0" encoding="utf-8"?>
-<p:tagLst xmlns:p="http://schemas.openxmlformats.org/presentationml/2006/main">
+<file path=ppt/tags/tag14.xml><?xml version="1.0" encoding="utf-8"?>
+<p:tagLst xmlns:a="http://schemas.openxmlformats.org/drawingml/2006/main" xmlns:r="http://schemas.openxmlformats.org/officeDocument/2006/relationships" xmlns:p="http://schemas.openxmlformats.org/presentationml/2006/main">
   <p:tag name="MH" val="20161027231119"/>
   <p:tag name="MH_LIBRARY" val="GRAPHIC"/>
   <p:tag name="MH_ORDER" val="Oval 9"/>
 </p:tagLst>
 </file>
 
-<file path=ppt/tags/tag14.xml><?xml version="1.0" encoding="utf-8"?>
-<p:tagLst xmlns:p="http://schemas.openxmlformats.org/presentationml/2006/main">
+<file path=ppt/tags/tag15.xml><?xml version="1.0" encoding="utf-8"?>
+<p:tagLst xmlns:a="http://schemas.openxmlformats.org/drawingml/2006/main" xmlns:r="http://schemas.openxmlformats.org/officeDocument/2006/relationships" xmlns:p="http://schemas.openxmlformats.org/presentationml/2006/main">
   <p:tag name="MH" val="20161027231119"/>
   <p:tag name="MH_LIBRARY" val="GRAPHIC"/>
   <p:tag name="MH_ORDER" val="Chevron 10"/>
 </p:tagLst>
 </file>
 
-<file path=ppt/tags/tag15.xml><?xml version="1.0" encoding="utf-8"?>
-<p:tagLst xmlns:p="http://schemas.openxmlformats.org/presentationml/2006/main">
+<file path=ppt/tags/tag16.xml><?xml version="1.0" encoding="utf-8"?>
+<p:tagLst xmlns:a="http://schemas.openxmlformats.org/drawingml/2006/main" xmlns:r="http://schemas.openxmlformats.org/officeDocument/2006/relationships" xmlns:p="http://schemas.openxmlformats.org/presentationml/2006/main">
   <p:tag name="MH" val="20161027231119"/>
   <p:tag name="MH_LIBRARY" val="GRAPHIC"/>
 </p:tagLst>
 </file>
 
-<file path=ppt/tags/tag16.xml><?xml version="1.0" encoding="utf-8"?>
-<p:tagLst xmlns:p="http://schemas.openxmlformats.org/presentationml/2006/main">
+<file path=ppt/tags/tag17.xml><?xml version="1.0" encoding="utf-8"?>
+<p:tagLst xmlns:a="http://schemas.openxmlformats.org/drawingml/2006/main" xmlns:r="http://schemas.openxmlformats.org/officeDocument/2006/relationships" xmlns:p="http://schemas.openxmlformats.org/presentationml/2006/main">
   <p:tag name="MH" val="20161027231119"/>
   <p:tag name="MH_LIBRARY" val="GRAPHIC"/>
   <p:tag name="MH_ORDER" val="标题 5"/>
 </p:tagLst>
 </file>
 
-<file path=ppt/tags/tag17.xml><?xml version="1.0" encoding="utf-8"?>
-<p:tagLst xmlns:p="http://schemas.openxmlformats.org/presentationml/2006/main">
+<file path=ppt/tags/tag18.xml><?xml version="1.0" encoding="utf-8"?>
+<p:tagLst xmlns:a="http://schemas.openxmlformats.org/drawingml/2006/main" xmlns:r="http://schemas.openxmlformats.org/officeDocument/2006/relationships" xmlns:p="http://schemas.openxmlformats.org/presentationml/2006/main">
   <p:tag name="MH" val="20161027231119"/>
   <p:tag name="MH_LIBRARY" val="GRAPHIC"/>
   <p:tag name="MH_ORDER" val="文本占位符 6"/>
 </p:tagLst>
 </file>
 
-<file path=ppt/tags/tag18.xml><?xml version="1.0" encoding="utf-8"?>
-<p:tagLst xmlns:p="http://schemas.openxmlformats.org/presentationml/2006/main">
+<file path=ppt/tags/tag19.xml><?xml version="1.0" encoding="utf-8"?>
+<p:tagLst xmlns:a="http://schemas.openxmlformats.org/drawingml/2006/main" xmlns:r="http://schemas.openxmlformats.org/officeDocument/2006/relationships" xmlns:p="http://schemas.openxmlformats.org/presentationml/2006/main">
   <p:tag name="MH" val="20161027231119"/>
   <p:tag name="MH_LIBRARY" val="GRAPHIC"/>
   <p:tag name="MH_ORDER" val="Oval 9"/>
 </p:tagLst>
 </file>
 
-<file path=ppt/tags/tag19.xml><?xml version="1.0" encoding="utf-8"?>
-<p:tagLst xmlns:p="http://schemas.openxmlformats.org/presentationml/2006/main">
+<file path=ppt/tags/tag2.xml><?xml version="1.0" encoding="utf-8"?>
+<p:tagLst xmlns:a="http://schemas.openxmlformats.org/drawingml/2006/main" xmlns:r="http://schemas.openxmlformats.org/officeDocument/2006/relationships" xmlns:p="http://schemas.openxmlformats.org/presentationml/2006/main">
+  <p:tag name="MH" val="20161027230642"/>
+  <p:tag name="MH_LIBRARY" val="CONTENTS"/>
+  <p:tag name="MH_TYPE" val="OTHERS"/>
+  <p:tag name="ID" val="553524"/>
+</p:tagLst>
+</file>
+
+<file path=ppt/tags/tag20.xml><?xml version="1.0" encoding="utf-8"?>
+<p:tagLst xmlns:a="http://schemas.openxmlformats.org/drawingml/2006/main" xmlns:r="http://schemas.openxmlformats.org/officeDocument/2006/relationships" xmlns:p="http://schemas.openxmlformats.org/presentationml/2006/main">
   <p:tag name="MH" val="20161027231119"/>
   <p:tag name="MH_LIBRARY" val="GRAPHIC"/>
   <p:tag name="MH_ORDER" val="Chevron 10"/>
 </p:tagLst>
 </file>
 
-<file path=ppt/tags/tag2.xml><?xml version="1.0" encoding="utf-8"?>
-<p:tagLst xmlns:p="http://schemas.openxmlformats.org/presentationml/2006/main">
+<file path=ppt/tags/tag21.xml><?xml version="1.0" encoding="utf-8"?>
+<p:tagLst xmlns:a="http://schemas.openxmlformats.org/drawingml/2006/main" xmlns:r="http://schemas.openxmlformats.org/officeDocument/2006/relationships" xmlns:p="http://schemas.openxmlformats.org/presentationml/2006/main">
+  <p:tag name="MH" val="20161027231119"/>
+  <p:tag name="MH_LIBRARY" val="GRAPHIC"/>
+</p:tagLst>
+</file>
+
+<file path=ppt/tags/tag22.xml><?xml version="1.0" encoding="utf-8"?>
+<p:tagLst xmlns:a="http://schemas.openxmlformats.org/drawingml/2006/main" xmlns:r="http://schemas.openxmlformats.org/officeDocument/2006/relationships" xmlns:p="http://schemas.openxmlformats.org/presentationml/2006/main">
+  <p:tag name="MH" val="20161027231119"/>
+  <p:tag name="MH_LIBRARY" val="GRAPHIC"/>
+  <p:tag name="MH_ORDER" val="标题 5"/>
+</p:tagLst>
+</file>
+
+<file path=ppt/tags/tag23.xml><?xml version="1.0" encoding="utf-8"?>
+<p:tagLst xmlns:a="http://schemas.openxmlformats.org/drawingml/2006/main" xmlns:r="http://schemas.openxmlformats.org/officeDocument/2006/relationships" xmlns:p="http://schemas.openxmlformats.org/presentationml/2006/main">
+  <p:tag name="MH" val="20161027231119"/>
+  <p:tag name="MH_LIBRARY" val="GRAPHIC"/>
+  <p:tag name="MH_ORDER" val="文本占位符 6"/>
+</p:tagLst>
+</file>
+
+<file path=ppt/tags/tag24.xml><?xml version="1.0" encoding="utf-8"?>
+<p:tagLst xmlns:a="http://schemas.openxmlformats.org/drawingml/2006/main" xmlns:r="http://schemas.openxmlformats.org/officeDocument/2006/relationships" xmlns:p="http://schemas.openxmlformats.org/presentationml/2006/main">
+  <p:tag name="MH" val="20161027231119"/>
+  <p:tag name="MH_LIBRARY" val="GRAPHIC"/>
+  <p:tag name="MH_ORDER" val="Oval 9"/>
+</p:tagLst>
+</file>
+
+<file path=ppt/tags/tag25.xml><?xml version="1.0" encoding="utf-8"?>
+<p:tagLst xmlns:a="http://schemas.openxmlformats.org/drawingml/2006/main" xmlns:r="http://schemas.openxmlformats.org/officeDocument/2006/relationships" xmlns:p="http://schemas.openxmlformats.org/presentationml/2006/main">
+  <p:tag name="MH" val="20161027231119"/>
+  <p:tag name="MH_LIBRARY" val="GRAPHIC"/>
+  <p:tag name="MH_ORDER" val="Chevron 10"/>
+</p:tagLst>
+</file>
+
+<file path=ppt/tags/tag26.xml><?xml version="1.0" encoding="utf-8"?>
+<p:tagLst xmlns:a="http://schemas.openxmlformats.org/drawingml/2006/main" xmlns:r="http://schemas.openxmlformats.org/officeDocument/2006/relationships" xmlns:p="http://schemas.openxmlformats.org/presentationml/2006/main">
+  <p:tag name="MH" val="20161027234534"/>
+  <p:tag name="MH_LIBRARY" val="GRAPHIC"/>
+</p:tagLst>
+</file>
+
+<file path=ppt/tags/tag27.xml><?xml version="1.0" encoding="utf-8"?>
+<p:tagLst xmlns:a="http://schemas.openxmlformats.org/drawingml/2006/main" xmlns:r="http://schemas.openxmlformats.org/officeDocument/2006/relationships" xmlns:p="http://schemas.openxmlformats.org/presentationml/2006/main">
+  <p:tag name="MH" val="20161027234534"/>
+  <p:tag name="MH_LIBRARY" val="GRAPHIC"/>
+  <p:tag name="MH_ORDER" val="Right Triangle 2"/>
+</p:tagLst>
+</file>
+
+<file path=ppt/tags/tag28.xml><?xml version="1.0" encoding="utf-8"?>
+<p:tagLst xmlns:a="http://schemas.openxmlformats.org/drawingml/2006/main" xmlns:r="http://schemas.openxmlformats.org/officeDocument/2006/relationships" xmlns:p="http://schemas.openxmlformats.org/presentationml/2006/main">
+  <p:tag name="MH" val="20161027234534"/>
+  <p:tag name="MH_LIBRARY" val="GRAPHIC"/>
+  <p:tag name="MH_ORDER" val="Right Triangle 3"/>
+</p:tagLst>
+</file>
+
+<file path=ppt/tags/tag29.xml><?xml version="1.0" encoding="utf-8"?>
+<p:tagLst xmlns:a="http://schemas.openxmlformats.org/drawingml/2006/main" xmlns:r="http://schemas.openxmlformats.org/officeDocument/2006/relationships" xmlns:p="http://schemas.openxmlformats.org/presentationml/2006/main">
+  <p:tag name="MH" val="20161027234534"/>
+  <p:tag name="MH_LIBRARY" val="GRAPHIC"/>
+  <p:tag name="MH_ORDER" val="Right Triangle 4"/>
+</p:tagLst>
+</file>
+
+<file path=ppt/tags/tag3.xml><?xml version="1.0" encoding="utf-8"?>
+<p:tagLst xmlns:a="http://schemas.openxmlformats.org/drawingml/2006/main" xmlns:r="http://schemas.openxmlformats.org/officeDocument/2006/relationships" xmlns:p="http://schemas.openxmlformats.org/presentationml/2006/main">
   <p:tag name="MH" val="20161027230642"/>
   <p:tag name="MH_LIBRARY" val="CONTENTS"/>
   <p:tag name="MH_TYPE" val="ENTRY"/>
@@ -14855,86 +13111,88 @@
 </p:tagLst>
 </file>
 
-<file path=ppt/tags/tag20.xml><?xml version="1.0" encoding="utf-8"?>
-<p:tagLst xmlns:p="http://schemas.openxmlformats.org/presentationml/2006/main">
-  <p:tag name="MH" val="20161027231119"/>
+<file path=ppt/tags/tag30.xml><?xml version="1.0" encoding="utf-8"?>
+<p:tagLst xmlns:a="http://schemas.openxmlformats.org/drawingml/2006/main" xmlns:r="http://schemas.openxmlformats.org/officeDocument/2006/relationships" xmlns:p="http://schemas.openxmlformats.org/presentationml/2006/main">
+  <p:tag name="MH" val="20161027234534"/>
   <p:tag name="MH_LIBRARY" val="GRAPHIC"/>
+  <p:tag name="MH_ORDER" val="Right Triangle 5"/>
 </p:tagLst>
 </file>
 
-<file path=ppt/tags/tag21.xml><?xml version="1.0" encoding="utf-8"?>
-<p:tagLst xmlns:p="http://schemas.openxmlformats.org/presentationml/2006/main">
-  <p:tag name="MH" val="20161027231119"/>
+<file path=ppt/tags/tag31.xml><?xml version="1.0" encoding="utf-8"?>
+<p:tagLst xmlns:a="http://schemas.openxmlformats.org/drawingml/2006/main" xmlns:r="http://schemas.openxmlformats.org/officeDocument/2006/relationships" xmlns:p="http://schemas.openxmlformats.org/presentationml/2006/main">
+  <p:tag name="MH" val="20161027234534"/>
   <p:tag name="MH_LIBRARY" val="GRAPHIC"/>
-  <p:tag name="MH_ORDER" val="标题 5"/>
+  <p:tag name="MH_ORDER" val="Right Triangle 6"/>
 </p:tagLst>
 </file>
 
-<file path=ppt/tags/tag22.xml><?xml version="1.0" encoding="utf-8"?>
-<p:tagLst xmlns:p="http://schemas.openxmlformats.org/presentationml/2006/main">
-  <p:tag name="MH" val="20161027231119"/>
+<file path=ppt/tags/tag32.xml><?xml version="1.0" encoding="utf-8"?>
+<p:tagLst xmlns:a="http://schemas.openxmlformats.org/drawingml/2006/main" xmlns:r="http://schemas.openxmlformats.org/officeDocument/2006/relationships" xmlns:p="http://schemas.openxmlformats.org/presentationml/2006/main">
+  <p:tag name="MH" val="20161027234534"/>
   <p:tag name="MH_LIBRARY" val="GRAPHIC"/>
-  <p:tag name="MH_ORDER" val="文本占位符 6"/>
+  <p:tag name="MH_ORDER" val="Right Triangle 7"/>
 </p:tagLst>
 </file>
 
-<file path=ppt/tags/tag23.xml><?xml version="1.0" encoding="utf-8"?>
-<p:tagLst xmlns:p="http://schemas.openxmlformats.org/presentationml/2006/main">
-  <p:tag name="MH" val="20161027231119"/>
+<file path=ppt/tags/tag33.xml><?xml version="1.0" encoding="utf-8"?>
+<p:tagLst xmlns:a="http://schemas.openxmlformats.org/drawingml/2006/main" xmlns:r="http://schemas.openxmlformats.org/officeDocument/2006/relationships" xmlns:p="http://schemas.openxmlformats.org/presentationml/2006/main">
+  <p:tag name="MH" val="20161027234534"/>
   <p:tag name="MH_LIBRARY" val="GRAPHIC"/>
-  <p:tag name="MH_ORDER" val="Oval 9"/>
+  <p:tag name="MH_ORDER" val="Right Triangle 8"/>
 </p:tagLst>
 </file>
 
-<file path=ppt/tags/tag24.xml><?xml version="1.0" encoding="utf-8"?>
-<p:tagLst xmlns:p="http://schemas.openxmlformats.org/presentationml/2006/main">
-  <p:tag name="MH" val="20161027231119"/>
+<file path=ppt/tags/tag34.xml><?xml version="1.0" encoding="utf-8"?>
+<p:tagLst xmlns:a="http://schemas.openxmlformats.org/drawingml/2006/main" xmlns:r="http://schemas.openxmlformats.org/officeDocument/2006/relationships" xmlns:p="http://schemas.openxmlformats.org/presentationml/2006/main">
+  <p:tag name="MH" val="20161027234534"/>
   <p:tag name="MH_LIBRARY" val="GRAPHIC"/>
-  <p:tag name="MH_ORDER" val="Chevron 10"/>
+  <p:tag name="MH_ORDER" val="Right Triangle 9"/>
 </p:tagLst>
 </file>
 
-<file path=ppt/tags/tag25.xml><?xml version="1.0" encoding="utf-8"?>
-<p:tagLst xmlns:p="http://schemas.openxmlformats.org/presentationml/2006/main">
-  <p:tag name="MH" val="20161027231119"/>
+<file path=ppt/tags/tag35.xml><?xml version="1.0" encoding="utf-8"?>
+<p:tagLst xmlns:a="http://schemas.openxmlformats.org/drawingml/2006/main" xmlns:r="http://schemas.openxmlformats.org/officeDocument/2006/relationships" xmlns:p="http://schemas.openxmlformats.org/presentationml/2006/main">
+  <p:tag name="MH" val="20161027234534"/>
   <p:tag name="MH_LIBRARY" val="GRAPHIC"/>
+  <p:tag name="MH_ORDER" val="Straight Connector 10"/>
 </p:tagLst>
 </file>
 
-<file path=ppt/tags/tag26.xml><?xml version="1.0" encoding="utf-8"?>
-<p:tagLst xmlns:p="http://schemas.openxmlformats.org/presentationml/2006/main">
-  <p:tag name="MH" val="20161027231119"/>
+<file path=ppt/tags/tag36.xml><?xml version="1.0" encoding="utf-8"?>
+<p:tagLst xmlns:a="http://schemas.openxmlformats.org/drawingml/2006/main" xmlns:r="http://schemas.openxmlformats.org/officeDocument/2006/relationships" xmlns:p="http://schemas.openxmlformats.org/presentationml/2006/main">
+  <p:tag name="MH" val="20161027234534"/>
   <p:tag name="MH_LIBRARY" val="GRAPHIC"/>
-  <p:tag name="MH_ORDER" val="标题 5"/>
+  <p:tag name="MH_ORDER" val="Straight Connector 11"/>
 </p:tagLst>
 </file>
 
-<file path=ppt/tags/tag27.xml><?xml version="1.0" encoding="utf-8"?>
-<p:tagLst xmlns:p="http://schemas.openxmlformats.org/presentationml/2006/main">
-  <p:tag name="MH" val="20161027231119"/>
+<file path=ppt/tags/tag37.xml><?xml version="1.0" encoding="utf-8"?>
+<p:tagLst xmlns:a="http://schemas.openxmlformats.org/drawingml/2006/main" xmlns:r="http://schemas.openxmlformats.org/officeDocument/2006/relationships" xmlns:p="http://schemas.openxmlformats.org/presentationml/2006/main">
+  <p:tag name="MH" val="20161027234534"/>
   <p:tag name="MH_LIBRARY" val="GRAPHIC"/>
-  <p:tag name="MH_ORDER" val="文本占位符 6"/>
+  <p:tag name="MH_ORDER" val="Straight Connector 12"/>
 </p:tagLst>
 </file>
 
-<file path=ppt/tags/tag28.xml><?xml version="1.0" encoding="utf-8"?>
-<p:tagLst xmlns:p="http://schemas.openxmlformats.org/presentationml/2006/main">
-  <p:tag name="MH" val="20161027231119"/>
+<file path=ppt/tags/tag38.xml><?xml version="1.0" encoding="utf-8"?>
+<p:tagLst xmlns:a="http://schemas.openxmlformats.org/drawingml/2006/main" xmlns:r="http://schemas.openxmlformats.org/officeDocument/2006/relationships" xmlns:p="http://schemas.openxmlformats.org/presentationml/2006/main">
+  <p:tag name="MH" val="20161027234534"/>
   <p:tag name="MH_LIBRARY" val="GRAPHIC"/>
-  <p:tag name="MH_ORDER" val="Oval 9"/>
+  <p:tag name="MH_ORDER" val="Straight Connector 13"/>
 </p:tagLst>
 </file>
 
-<file path=ppt/tags/tag29.xml><?xml version="1.0" encoding="utf-8"?>
-<p:tagLst xmlns:p="http://schemas.openxmlformats.org/presentationml/2006/main">
-  <p:tag name="MH" val="20161027231119"/>
+<file path=ppt/tags/tag39.xml><?xml version="1.0" encoding="utf-8"?>
+<p:tagLst xmlns:a="http://schemas.openxmlformats.org/drawingml/2006/main" xmlns:r="http://schemas.openxmlformats.org/officeDocument/2006/relationships" xmlns:p="http://schemas.openxmlformats.org/presentationml/2006/main">
+  <p:tag name="MH" val="20161027234534"/>
   <p:tag name="MH_LIBRARY" val="GRAPHIC"/>
-  <p:tag name="MH_ORDER" val="Chevron 10"/>
+  <p:tag name="MH_ORDER" val="Freeform 20"/>
 </p:tagLst>
 </file>
 
-<file path=ppt/tags/tag3.xml><?xml version="1.0" encoding="utf-8"?>
-<p:tagLst xmlns:p="http://schemas.openxmlformats.org/presentationml/2006/main">
+<file path=ppt/tags/tag4.xml><?xml version="1.0" encoding="utf-8"?>
+<p:tagLst xmlns:a="http://schemas.openxmlformats.org/drawingml/2006/main" xmlns:r="http://schemas.openxmlformats.org/officeDocument/2006/relationships" xmlns:p="http://schemas.openxmlformats.org/presentationml/2006/main">
   <p:tag name="MH" val="20161027230642"/>
   <p:tag name="MH_LIBRARY" val="CONTENTS"/>
   <p:tag name="MH_TYPE" val="ENTRY"/>
@@ -14943,87 +13201,8 @@
 </p:tagLst>
 </file>
 
-<file path=ppt/tags/tag30.xml><?xml version="1.0" encoding="utf-8"?>
-<p:tagLst xmlns:p="http://schemas.openxmlformats.org/presentationml/2006/main">
-  <p:tag name="MH" val="20161027231119"/>
-  <p:tag name="MH_LIBRARY" val="GRAPHIC"/>
-</p:tagLst>
-</file>
-
-<file path=ppt/tags/tag31.xml><?xml version="1.0" encoding="utf-8"?>
-<p:tagLst xmlns:p="http://schemas.openxmlformats.org/presentationml/2006/main">
-  <p:tag name="MH" val="20161027234534"/>
-  <p:tag name="MH_LIBRARY" val="GRAPHIC"/>
-  <p:tag name="MH_ORDER" val="Right Triangle 2"/>
-</p:tagLst>
-</file>
-
-<file path=ppt/tags/tag32.xml><?xml version="1.0" encoding="utf-8"?>
-<p:tagLst xmlns:p="http://schemas.openxmlformats.org/presentationml/2006/main">
-  <p:tag name="MH" val="20161027234534"/>
-  <p:tag name="MH_LIBRARY" val="GRAPHIC"/>
-  <p:tag name="MH_ORDER" val="Right Triangle 3"/>
-</p:tagLst>
-</file>
-
-<file path=ppt/tags/tag33.xml><?xml version="1.0" encoding="utf-8"?>
-<p:tagLst xmlns:p="http://schemas.openxmlformats.org/presentationml/2006/main">
-  <p:tag name="MH" val="20161027234534"/>
-  <p:tag name="MH_LIBRARY" val="GRAPHIC"/>
-  <p:tag name="MH_ORDER" val="Right Triangle 4"/>
-</p:tagLst>
-</file>
-
-<file path=ppt/tags/tag34.xml><?xml version="1.0" encoding="utf-8"?>
-<p:tagLst xmlns:p="http://schemas.openxmlformats.org/presentationml/2006/main">
-  <p:tag name="MH" val="20161027234534"/>
-  <p:tag name="MH_LIBRARY" val="GRAPHIC"/>
-  <p:tag name="MH_ORDER" val="Right Triangle 5"/>
-</p:tagLst>
-</file>
-
-<file path=ppt/tags/tag35.xml><?xml version="1.0" encoding="utf-8"?>
-<p:tagLst xmlns:p="http://schemas.openxmlformats.org/presentationml/2006/main">
-  <p:tag name="MH" val="20161027234534"/>
-  <p:tag name="MH_LIBRARY" val="GRAPHIC"/>
-  <p:tag name="MH_ORDER" val="Right Triangle 6"/>
-</p:tagLst>
-</file>
-
-<file path=ppt/tags/tag36.xml><?xml version="1.0" encoding="utf-8"?>
-<p:tagLst xmlns:p="http://schemas.openxmlformats.org/presentationml/2006/main">
-  <p:tag name="MH" val="20161027234534"/>
-  <p:tag name="MH_LIBRARY" val="GRAPHIC"/>
-  <p:tag name="MH_ORDER" val="Right Triangle 7"/>
-</p:tagLst>
-</file>
-
-<file path=ppt/tags/tag37.xml><?xml version="1.0" encoding="utf-8"?>
-<p:tagLst xmlns:p="http://schemas.openxmlformats.org/presentationml/2006/main">
-  <p:tag name="MH" val="20161027234534"/>
-  <p:tag name="MH_LIBRARY" val="GRAPHIC"/>
-  <p:tag name="MH_ORDER" val="Right Triangle 8"/>
-</p:tagLst>
-</file>
-
-<file path=ppt/tags/tag38.xml><?xml version="1.0" encoding="utf-8"?>
-<p:tagLst xmlns:p="http://schemas.openxmlformats.org/presentationml/2006/main">
-  <p:tag name="MH" val="20161027234534"/>
-  <p:tag name="MH_LIBRARY" val="GRAPHIC"/>
-  <p:tag name="MH_ORDER" val="Right Triangle 9"/>
-</p:tagLst>
-</file>
-
-<file path=ppt/tags/tag39.xml><?xml version="1.0" encoding="utf-8"?>
-<p:tagLst xmlns:p="http://schemas.openxmlformats.org/presentationml/2006/main">
-  <p:tag name="MH" val="20161027234534"/>
-  <p:tag name="MH_LIBRARY" val="GRAPHIC"/>
-  <p:tag name="MH_ORDER" val="Straight Connector 10"/>
-</p:tagLst>
-</file>
-
-<file path=ppt/tags/tag4.xml><?xml version="1.0" encoding="utf-8"?>
-<p:tagLst xmlns:p="http://schemas.openxmlformats.org/presentationml/2006/main">
+<file path=ppt/tags/tag5.xml><?xml version="1.0" encoding="utf-8"?>
+<p:tagLst xmlns:a="http://schemas.openxmlformats.org/drawingml/2006/main" xmlns:r="http://schemas.openxmlformats.org/officeDocument/2006/relationships" xmlns:p="http://schemas.openxmlformats.org/presentationml/2006/main">
   <p:tag name="MH" val="20161027230642"/>
   <p:tag name="MH_LIBRARY" val="CONTENTS"/>
   <p:tag name="MH_TYPE" val="ENTRY"/>
@@ -15032,47 +13211,8 @@
 </p:tagLst>
 </file>
 
-<file path=ppt/tags/tag40.xml><?xml version="1.0" encoding="utf-8"?>
-<p:tagLst xmlns:p="http://schemas.openxmlformats.org/presentationml/2006/main">
-  <p:tag name="MH" val="20161027234534"/>
-  <p:tag name="MH_LIBRARY" val="GRAPHIC"/>
-  <p:tag name="MH_ORDER" val="Straight Connector 11"/>
-</p:tagLst>
-</file>
-
-<file path=ppt/tags/tag41.xml><?xml version="1.0" encoding="utf-8"?>
-<p:tagLst xmlns:p="http://schemas.openxmlformats.org/presentationml/2006/main">
-  <p:tag name="MH" val="20161027234534"/>
-  <p:tag name="MH_LIBRARY" val="GRAPHIC"/>
-  <p:tag name="MH_ORDER" val="Straight Connector 12"/>
-</p:tagLst>
-</file>
-
-<file path=ppt/tags/tag42.xml><?xml version="1.0" encoding="utf-8"?>
-<p:tagLst xmlns:p="http://schemas.openxmlformats.org/presentationml/2006/main">
-  <p:tag name="MH" val="20161027234534"/>
-  <p:tag name="MH_LIBRARY" val="GRAPHIC"/>
-  <p:tag name="MH_ORDER" val="Straight Connector 13"/>
-</p:tagLst>
-</file>
-
-<file path=ppt/tags/tag43.xml><?xml version="1.0" encoding="utf-8"?>
-<p:tagLst xmlns:p="http://schemas.openxmlformats.org/presentationml/2006/main">
-  <p:tag name="MH" val="20161027234534"/>
-  <p:tag name="MH_LIBRARY" val="GRAPHIC"/>
-  <p:tag name="MH_ORDER" val="Freeform 20"/>
-</p:tagLst>
-</file>
-
-<file path=ppt/tags/tag44.xml><?xml version="1.0" encoding="utf-8"?>
-<p:tagLst xmlns:p="http://schemas.openxmlformats.org/presentationml/2006/main">
-  <p:tag name="MH" val="20161027234534"/>
-  <p:tag name="MH_LIBRARY" val="GRAPHIC"/>
-</p:tagLst>
-</file>
-
-<file path=ppt/tags/tag5.xml><?xml version="1.0" encoding="utf-8"?>
-<p:tagLst xmlns:p="http://schemas.openxmlformats.org/presentationml/2006/main">
+<file path=ppt/tags/tag6.xml><?xml version="1.0" encoding="utf-8"?>
+<p:tagLst xmlns:a="http://schemas.openxmlformats.org/drawingml/2006/main" xmlns:r="http://schemas.openxmlformats.org/officeDocument/2006/relationships" xmlns:p="http://schemas.openxmlformats.org/presentationml/2006/main">
   <p:tag name="MH" val="20161027230642"/>
   <p:tag name="MH_LIBRARY" val="CONTENTS"/>
   <p:tag name="MH_TYPE" val="NUMBER"/>
@@ -15081,8 +13221,8 @@
 </p:tagLst>
 </file>
 
-<file path=ppt/tags/tag6.xml><?xml version="1.0" encoding="utf-8"?>
-<p:tagLst xmlns:p="http://schemas.openxmlformats.org/presentationml/2006/main">
+<file path=ppt/tags/tag7.xml><?xml version="1.0" encoding="utf-8"?>
+<p:tagLst xmlns:a="http://schemas.openxmlformats.org/drawingml/2006/main" xmlns:r="http://schemas.openxmlformats.org/officeDocument/2006/relationships" xmlns:p="http://schemas.openxmlformats.org/presentationml/2006/main">
   <p:tag name="MH" val="20161027230642"/>
   <p:tag name="MH_LIBRARY" val="CONTENTS"/>
   <p:tag name="MH_TYPE" val="NUMBER"/>
@@ -15091,8 +13231,8 @@
 </p:tagLst>
 </file>
 
-<file path=ppt/tags/tag7.xml><?xml version="1.0" encoding="utf-8"?>
-<p:tagLst xmlns:p="http://schemas.openxmlformats.org/presentationml/2006/main">
+<file path=ppt/tags/tag8.xml><?xml version="1.0" encoding="utf-8"?>
+<p:tagLst xmlns:a="http://schemas.openxmlformats.org/drawingml/2006/main" xmlns:r="http://schemas.openxmlformats.org/officeDocument/2006/relationships" xmlns:p="http://schemas.openxmlformats.org/presentationml/2006/main">
   <p:tag name="MH" val="20161027230642"/>
   <p:tag name="MH_LIBRARY" val="CONTENTS"/>
   <p:tag name="MH_TYPE" val="NUMBER"/>
@@ -15101,21 +13241,11 @@
 </p:tagLst>
 </file>
 
-<file path=ppt/tags/tag8.xml><?xml version="1.0" encoding="utf-8"?>
-<p:tagLst xmlns:p="http://schemas.openxmlformats.org/presentationml/2006/main">
+<file path=ppt/tags/tag9.xml><?xml version="1.0" encoding="utf-8"?>
+<p:tagLst xmlns:a="http://schemas.openxmlformats.org/drawingml/2006/main" xmlns:r="http://schemas.openxmlformats.org/officeDocument/2006/relationships" xmlns:p="http://schemas.openxmlformats.org/presentationml/2006/main">
   <p:tag name="MH" val="20161027230642"/>
   <p:tag name="MH_LIBRARY" val="CONTENTS"/>
   <p:tag name="MH_TYPE" val="NUMBER"/>
-  <p:tag name="ID" val="553524"/>
-  <p:tag name="MH_ORDER" val="4"/>
-</p:tagLst>
-</file>
-
-<file path=ppt/tags/tag9.xml><?xml version="1.0" encoding="utf-8"?>
-<p:tagLst xmlns:p="http://schemas.openxmlformats.org/presentationml/2006/main">
-  <p:tag name="MH" val="20161027230642"/>
-  <p:tag name="MH_LIBRARY" val="CONTENTS"/>
-  <p:tag name="MH_TYPE" val="ENTRY"/>
   <p:tag name="ID" val="553524"/>
   <p:tag name="MH_ORDER" val="4"/>
 </p:tagLst>
